--- a/Docs/Progress_Check_Box.pptx
+++ b/Docs/Progress_Check_Box.pptx
@@ -5,7 +5,7 @@
     <p:sldMasterId id="2147483648" r:id="rId1"/>
   </p:sldMasterIdLst>
   <p:notesMasterIdLst>
-    <p:notesMasterId r:id="rId14"/>
+    <p:notesMasterId r:id="rId17"/>
   </p:notesMasterIdLst>
   <p:sldIdLst>
     <p:sldId id="256" r:id="rId2"/>
@@ -13,13 +13,16 @@
     <p:sldId id="258" r:id="rId4"/>
     <p:sldId id="259" r:id="rId5"/>
     <p:sldId id="260" r:id="rId6"/>
-    <p:sldId id="261" r:id="rId7"/>
-    <p:sldId id="267" r:id="rId8"/>
-    <p:sldId id="262" r:id="rId9"/>
-    <p:sldId id="263" r:id="rId10"/>
-    <p:sldId id="264" r:id="rId11"/>
-    <p:sldId id="265" r:id="rId12"/>
-    <p:sldId id="266" r:id="rId13"/>
+    <p:sldId id="268" r:id="rId7"/>
+    <p:sldId id="261" r:id="rId8"/>
+    <p:sldId id="267" r:id="rId9"/>
+    <p:sldId id="262" r:id="rId10"/>
+    <p:sldId id="269" r:id="rId11"/>
+    <p:sldId id="263" r:id="rId12"/>
+    <p:sldId id="264" r:id="rId13"/>
+    <p:sldId id="265" r:id="rId14"/>
+    <p:sldId id="266" r:id="rId15"/>
+    <p:sldId id="270" r:id="rId16"/>
   </p:sldIdLst>
   <p:sldSz cx="12192000" cy="6858000"/>
   <p:notesSz cx="6858000" cy="9144000"/>
@@ -118,6 +121,11 @@
       </a:defRPr>
     </a:lvl9pPr>
   </p:defaultTextStyle>
+  <p:extLst>
+    <p:ext uri="{EFAFB233-063F-42B5-8137-9DF3F51BA10A}">
+      <p15:sldGuideLst xmlns:p15="http://schemas.microsoft.com/office/powerpoint/2012/main"/>
+    </p:ext>
+  </p:extLst>
 </p:presentation>
 </file>
 
@@ -203,7 +211,7 @@
           <a:p>
             <a:fld id="{9CD5D8E4-A320-4C82-BF1E-497B145FD5B9}" type="datetimeFigureOut">
               <a:rPr lang="en-US" smtClean="0"/>
-              <a:t>1/20/2026</a:t>
+              <a:t>1/22/2026</a:t>
             </a:fld>
             <a:endParaRPr lang="en-US"/>
           </a:p>
@@ -617,7 +625,7 @@
           <a:p>
             <a:fld id="{B1CD814F-3A2E-4FCD-B679-678770FA1B7D}" type="datetimeFigureOut">
               <a:rPr lang="en-US" smtClean="0"/>
-              <a:t>1/19/2026</a:t>
+              <a:t>1/22/2026</a:t>
             </a:fld>
             <a:endParaRPr lang="en-US"/>
           </a:p>
@@ -815,7 +823,7 @@
           <a:p>
             <a:fld id="{B1CD814F-3A2E-4FCD-B679-678770FA1B7D}" type="datetimeFigureOut">
               <a:rPr lang="en-US" smtClean="0"/>
-              <a:t>1/19/2026</a:t>
+              <a:t>1/22/2026</a:t>
             </a:fld>
             <a:endParaRPr lang="en-US"/>
           </a:p>
@@ -1023,7 +1031,7 @@
           <a:p>
             <a:fld id="{B1CD814F-3A2E-4FCD-B679-678770FA1B7D}" type="datetimeFigureOut">
               <a:rPr lang="en-US" smtClean="0"/>
-              <a:t>1/19/2026</a:t>
+              <a:t>1/22/2026</a:t>
             </a:fld>
             <a:endParaRPr lang="en-US"/>
           </a:p>
@@ -1221,7 +1229,7 @@
           <a:p>
             <a:fld id="{B1CD814F-3A2E-4FCD-B679-678770FA1B7D}" type="datetimeFigureOut">
               <a:rPr lang="en-US" smtClean="0"/>
-              <a:t>1/19/2026</a:t>
+              <a:t>1/22/2026</a:t>
             </a:fld>
             <a:endParaRPr lang="en-US"/>
           </a:p>
@@ -1496,7 +1504,7 @@
           <a:p>
             <a:fld id="{B1CD814F-3A2E-4FCD-B679-678770FA1B7D}" type="datetimeFigureOut">
               <a:rPr lang="en-US" smtClean="0"/>
-              <a:t>1/19/2026</a:t>
+              <a:t>1/22/2026</a:t>
             </a:fld>
             <a:endParaRPr lang="en-US"/>
           </a:p>
@@ -1761,7 +1769,7 @@
           <a:p>
             <a:fld id="{B1CD814F-3A2E-4FCD-B679-678770FA1B7D}" type="datetimeFigureOut">
               <a:rPr lang="en-US" smtClean="0"/>
-              <a:t>1/19/2026</a:t>
+              <a:t>1/22/2026</a:t>
             </a:fld>
             <a:endParaRPr lang="en-US"/>
           </a:p>
@@ -2173,7 +2181,7 @@
           <a:p>
             <a:fld id="{B1CD814F-3A2E-4FCD-B679-678770FA1B7D}" type="datetimeFigureOut">
               <a:rPr lang="en-US" smtClean="0"/>
-              <a:t>1/19/2026</a:t>
+              <a:t>1/22/2026</a:t>
             </a:fld>
             <a:endParaRPr lang="en-US"/>
           </a:p>
@@ -2314,7 +2322,7 @@
           <a:p>
             <a:fld id="{B1CD814F-3A2E-4FCD-B679-678770FA1B7D}" type="datetimeFigureOut">
               <a:rPr lang="en-US" smtClean="0"/>
-              <a:t>1/19/2026</a:t>
+              <a:t>1/22/2026</a:t>
             </a:fld>
             <a:endParaRPr lang="en-US"/>
           </a:p>
@@ -2427,7 +2435,7 @@
           <a:p>
             <a:fld id="{B1CD814F-3A2E-4FCD-B679-678770FA1B7D}" type="datetimeFigureOut">
               <a:rPr lang="en-US" smtClean="0"/>
-              <a:t>1/19/2026</a:t>
+              <a:t>1/22/2026</a:t>
             </a:fld>
             <a:endParaRPr lang="en-US"/>
           </a:p>
@@ -2738,7 +2746,7 @@
           <a:p>
             <a:fld id="{B1CD814F-3A2E-4FCD-B679-678770FA1B7D}" type="datetimeFigureOut">
               <a:rPr lang="en-US" smtClean="0"/>
-              <a:t>1/19/2026</a:t>
+              <a:t>1/22/2026</a:t>
             </a:fld>
             <a:endParaRPr lang="en-US"/>
           </a:p>
@@ -3026,7 +3034,7 @@
           <a:p>
             <a:fld id="{B1CD814F-3A2E-4FCD-B679-678770FA1B7D}" type="datetimeFigureOut">
               <a:rPr lang="en-US" smtClean="0"/>
-              <a:t>1/19/2026</a:t>
+              <a:t>1/22/2026</a:t>
             </a:fld>
             <a:endParaRPr lang="en-US"/>
           </a:p>
@@ -3267,7 +3275,7 @@
           <a:p>
             <a:fld id="{B1CD814F-3A2E-4FCD-B679-678770FA1B7D}" type="datetimeFigureOut">
               <a:rPr lang="en-US" smtClean="0"/>
-              <a:t>1/19/2026</a:t>
+              <a:t>1/22/2026</a:t>
             </a:fld>
             <a:endParaRPr lang="en-US"/>
           </a:p>
@@ -3794,6 +3802,321 @@
         <p:cNvPr id="1" name="">
           <a:extLst>
             <a:ext uri="{FF2B5EF4-FFF2-40B4-BE49-F238E27FC236}">
+              <a16:creationId xmlns:a16="http://schemas.microsoft.com/office/drawing/2014/main" id="{1E90FB77-4746-B76E-57AF-F9DBACA8DFB8}"/>
+            </a:ext>
+          </a:extLst>
+        </p:cNvPr>
+        <p:cNvGrpSpPr/>
+        <p:nvPr/>
+      </p:nvGrpSpPr>
+      <p:grpSpPr>
+        <a:xfrm>
+          <a:off x="0" y="0"/>
+          <a:ext cx="0" cy="0"/>
+          <a:chOff x="0" y="0"/>
+          <a:chExt cx="0" cy="0"/>
+        </a:xfrm>
+      </p:grpSpPr>
+      <p:sp>
+        <p:nvSpPr>
+          <p:cNvPr id="3" name="Subtitle 2">
+            <a:extLst>
+              <a:ext uri="{FF2B5EF4-FFF2-40B4-BE49-F238E27FC236}">
+                <a16:creationId xmlns:a16="http://schemas.microsoft.com/office/drawing/2014/main" id="{81EE4664-53D1-7F6E-C133-08C1E71887B6}"/>
+              </a:ext>
+            </a:extLst>
+          </p:cNvPr>
+          <p:cNvSpPr>
+            <a:spLocks noGrp="1"/>
+          </p:cNvSpPr>
+          <p:nvPr>
+            <p:ph type="subTitle" idx="1"/>
+          </p:nvPr>
+        </p:nvSpPr>
+        <p:spPr>
+          <a:xfrm>
+            <a:off x="106680" y="99886"/>
+            <a:ext cx="11990832" cy="6666674"/>
+          </a:xfrm>
+        </p:spPr>
+        <p:txBody>
+          <a:bodyPr>
+            <a:normAutofit/>
+          </a:bodyPr>
+          <a:lstStyle/>
+          <a:p>
+            <a:pPr algn="l"/>
+            <a:r>
+              <a:rPr lang="en-US" sz="1800" b="1" dirty="0" err="1"/>
+              <a:t>device_discovery</a:t>
+            </a:r>
+            <a:r>
+              <a:rPr lang="en-US" sz="1800" b="1" dirty="0"/>
+              <a:t>:</a:t>
+            </a:r>
+          </a:p>
+          <a:p>
+            <a:pPr algn="l"/>
+            <a:r>
+              <a:rPr lang="en-US" sz="1600" dirty="0"/>
+              <a:t>set_SNMPv3_username – </a:t>
+            </a:r>
+          </a:p>
+          <a:p>
+            <a:pPr algn="l"/>
+            <a:r>
+              <a:rPr lang="en-US" sz="1600" dirty="0"/>
+              <a:t>get_SNMPv3_username – </a:t>
+            </a:r>
+          </a:p>
+          <a:p>
+            <a:pPr algn="l"/>
+            <a:r>
+              <a:rPr lang="en-US" sz="1600" dirty="0"/>
+              <a:t>set_SNMPv3_security_level – </a:t>
+            </a:r>
+          </a:p>
+          <a:p>
+            <a:pPr algn="l"/>
+            <a:r>
+              <a:rPr lang="en-US" sz="1600" dirty="0"/>
+              <a:t>get_SNMPv3_security_level – </a:t>
+            </a:r>
+          </a:p>
+          <a:p>
+            <a:pPr algn="l"/>
+            <a:r>
+              <a:rPr lang="en-US" sz="1600" dirty="0"/>
+              <a:t>set_SNMPv3_contact_port – </a:t>
+            </a:r>
+          </a:p>
+          <a:p>
+            <a:pPr algn="l"/>
+            <a:r>
+              <a:rPr lang="en-US" sz="1600" dirty="0"/>
+              <a:t>get_SNMPv3_contact_port – </a:t>
+            </a:r>
+          </a:p>
+          <a:p>
+            <a:pPr algn="l"/>
+            <a:r>
+              <a:rPr lang="en-US" sz="1600" dirty="0"/>
+              <a:t>set_SNMPv3_performance_transport_protocol - </a:t>
+            </a:r>
+          </a:p>
+          <a:p>
+            <a:pPr algn="l"/>
+            <a:r>
+              <a:rPr lang="en-US" sz="1600" dirty="0"/>
+              <a:t>get_SNMPv3_performance_transport_protocol - </a:t>
+            </a:r>
+          </a:p>
+          <a:p>
+            <a:pPr algn="l"/>
+            <a:r>
+              <a:rPr lang="en-US" sz="1600" dirty="0" err="1"/>
+              <a:t>reset_to_default</a:t>
+            </a:r>
+            <a:r>
+              <a:rPr lang="en-US" sz="1600" dirty="0"/>
+              <a:t> – </a:t>
+            </a:r>
+          </a:p>
+          <a:p>
+            <a:pPr algn="l"/>
+            <a:r>
+              <a:rPr lang="en-US" sz="1600" dirty="0" err="1"/>
+              <a:t>save_as_default</a:t>
+            </a:r>
+            <a:r>
+              <a:rPr lang="en-US" sz="1600" dirty="0"/>
+              <a:t> – </a:t>
+            </a:r>
+          </a:p>
+          <a:p>
+            <a:pPr algn="l"/>
+            <a:r>
+              <a:rPr lang="en-US" sz="1600" dirty="0" err="1"/>
+              <a:t>start_discovery</a:t>
+            </a:r>
+            <a:r>
+              <a:rPr lang="en-US" sz="1600" dirty="0"/>
+              <a:t> - </a:t>
+            </a:r>
+          </a:p>
+          <a:p>
+            <a:pPr algn="l"/>
+            <a:r>
+              <a:rPr lang="en-US" sz="1600" dirty="0" err="1"/>
+              <a:t>close_device_discovery</a:t>
+            </a:r>
+            <a:r>
+              <a:rPr lang="en-US" sz="1600" dirty="0"/>
+              <a:t> - </a:t>
+            </a:r>
+          </a:p>
+        </p:txBody>
+      </p:sp>
+    </p:spTree>
+    <p:extLst>
+      <p:ext uri="{BB962C8B-B14F-4D97-AF65-F5344CB8AC3E}">
+        <p14:creationId xmlns:p14="http://schemas.microsoft.com/office/powerpoint/2010/main" val="417983640"/>
+      </p:ext>
+    </p:extLst>
+  </p:cSld>
+  <p:clrMapOvr>
+    <a:masterClrMapping/>
+  </p:clrMapOvr>
+</p:sld>
+</file>
+
+<file path=ppt/slides/slide11.xml><?xml version="1.0" encoding="utf-8"?>
+<p:sld xmlns:a="http://schemas.openxmlformats.org/drawingml/2006/main" xmlns:r="http://schemas.openxmlformats.org/officeDocument/2006/relationships" xmlns:p="http://schemas.openxmlformats.org/presentationml/2006/main">
+  <p:cSld>
+    <p:spTree>
+      <p:nvGrpSpPr>
+        <p:cNvPr id="1" name="">
+          <a:extLst>
+            <a:ext uri="{FF2B5EF4-FFF2-40B4-BE49-F238E27FC236}">
+              <a16:creationId xmlns:a16="http://schemas.microsoft.com/office/drawing/2014/main" id="{4A3A210A-D69F-AD34-DD06-F7286CD1D15C}"/>
+            </a:ext>
+          </a:extLst>
+        </p:cNvPr>
+        <p:cNvGrpSpPr/>
+        <p:nvPr/>
+      </p:nvGrpSpPr>
+      <p:grpSpPr>
+        <a:xfrm>
+          <a:off x="0" y="0"/>
+          <a:ext cx="0" cy="0"/>
+          <a:chOff x="0" y="0"/>
+          <a:chExt cx="0" cy="0"/>
+        </a:xfrm>
+      </p:grpSpPr>
+      <p:sp>
+        <p:nvSpPr>
+          <p:cNvPr id="3" name="Subtitle 2">
+            <a:extLst>
+              <a:ext uri="{FF2B5EF4-FFF2-40B4-BE49-F238E27FC236}">
+                <a16:creationId xmlns:a16="http://schemas.microsoft.com/office/drawing/2014/main" id="{16217D20-A13A-4794-368E-C64EAD83DA3E}"/>
+              </a:ext>
+            </a:extLst>
+          </p:cNvPr>
+          <p:cNvSpPr>
+            <a:spLocks noGrp="1"/>
+          </p:cNvSpPr>
+          <p:nvPr>
+            <p:ph type="subTitle" idx="1"/>
+          </p:nvPr>
+        </p:nvSpPr>
+        <p:spPr>
+          <a:xfrm>
+            <a:off x="106680" y="99886"/>
+            <a:ext cx="11990832" cy="6666674"/>
+          </a:xfrm>
+        </p:spPr>
+        <p:txBody>
+          <a:bodyPr>
+            <a:normAutofit/>
+          </a:bodyPr>
+          <a:lstStyle/>
+          <a:p>
+            <a:pPr algn="l"/>
+            <a:r>
+              <a:rPr lang="en-US" sz="1800" b="1" dirty="0" err="1"/>
+              <a:t>domain_management</a:t>
+            </a:r>
+            <a:r>
+              <a:rPr lang="en-US" sz="1800" b="1" dirty="0"/>
+              <a:t>:</a:t>
+            </a:r>
+          </a:p>
+          <a:p>
+            <a:pPr algn="l"/>
+            <a:r>
+              <a:rPr lang="en-US" sz="1600" dirty="0" err="1"/>
+              <a:t>add_domain</a:t>
+            </a:r>
+            <a:r>
+              <a:rPr lang="en-US" sz="1600" dirty="0"/>
+              <a:t> – </a:t>
+            </a:r>
+          </a:p>
+          <a:p>
+            <a:pPr algn="l"/>
+            <a:r>
+              <a:rPr lang="en-US" sz="1600" dirty="0" err="1"/>
+              <a:t>remove_domain</a:t>
+            </a:r>
+            <a:r>
+              <a:rPr lang="en-US" sz="1600" dirty="0"/>
+              <a:t> –</a:t>
+            </a:r>
+          </a:p>
+          <a:p>
+            <a:pPr algn="l"/>
+            <a:r>
+              <a:rPr lang="en-US" sz="1600" dirty="0" err="1"/>
+              <a:t>rename_domain</a:t>
+            </a:r>
+            <a:r>
+              <a:rPr lang="en-US" sz="1600" dirty="0"/>
+              <a:t> – </a:t>
+            </a:r>
+          </a:p>
+          <a:p>
+            <a:pPr algn="l"/>
+            <a:r>
+              <a:rPr lang="en-US" sz="1600" dirty="0" err="1"/>
+              <a:t>change_CHASSIS_ID</a:t>
+            </a:r>
+            <a:r>
+              <a:rPr lang="en-US" sz="1600" dirty="0"/>
+              <a:t> – </a:t>
+            </a:r>
+          </a:p>
+          <a:p>
+            <a:pPr algn="l"/>
+            <a:r>
+              <a:rPr lang="en-US" sz="1600" dirty="0" err="1"/>
+              <a:t>move_to_domain</a:t>
+            </a:r>
+            <a:r>
+              <a:rPr lang="en-US" sz="1600" dirty="0"/>
+              <a:t> - </a:t>
+            </a:r>
+          </a:p>
+          <a:p>
+            <a:pPr algn="l"/>
+            <a:endParaRPr lang="en-US" sz="1600" dirty="0"/>
+          </a:p>
+          <a:p>
+            <a:pPr algn="l"/>
+            <a:endParaRPr lang="en-US" sz="1600" dirty="0"/>
+          </a:p>
+        </p:txBody>
+      </p:sp>
+    </p:spTree>
+    <p:extLst>
+      <p:ext uri="{BB962C8B-B14F-4D97-AF65-F5344CB8AC3E}">
+        <p14:creationId xmlns:p14="http://schemas.microsoft.com/office/powerpoint/2010/main" val="1760931091"/>
+      </p:ext>
+    </p:extLst>
+  </p:cSld>
+  <p:clrMapOvr>
+    <a:masterClrMapping/>
+  </p:clrMapOvr>
+</p:sld>
+</file>
+
+<file path=ppt/slides/slide12.xml><?xml version="1.0" encoding="utf-8"?>
+<p:sld xmlns:a="http://schemas.openxmlformats.org/drawingml/2006/main" xmlns:r="http://schemas.openxmlformats.org/officeDocument/2006/relationships" xmlns:p="http://schemas.openxmlformats.org/presentationml/2006/main">
+  <p:cSld>
+    <p:spTree>
+      <p:nvGrpSpPr>
+        <p:cNvPr id="1" name="">
+          <a:extLst>
+            <a:ext uri="{FF2B5EF4-FFF2-40B4-BE49-F238E27FC236}">
               <a16:creationId xmlns:a16="http://schemas.microsoft.com/office/drawing/2014/main" id="{83A36720-CB7B-981C-664F-B91C5D5F919B}"/>
             </a:ext>
           </a:extLst>
@@ -3847,7 +4170,7 @@
             <a:pPr algn="l"/>
             <a:r>
               <a:rPr lang="en-US" sz="1600" dirty="0"/>
-              <a:t>f</a:t>
+              <a:t>pass</a:t>
             </a:r>
           </a:p>
           <a:p>
@@ -3873,7 +4196,7 @@
 </p:sld>
 </file>
 
-<file path=ppt/slides/slide11.xml><?xml version="1.0" encoding="utf-8"?>
+<file path=ppt/slides/slide13.xml><?xml version="1.0" encoding="utf-8"?>
 <p:sld xmlns:a="http://schemas.openxmlformats.org/drawingml/2006/main" xmlns:r="http://schemas.openxmlformats.org/officeDocument/2006/relationships" xmlns:p="http://schemas.openxmlformats.org/presentationml/2006/main">
   <p:cSld>
     <p:spTree>
@@ -3937,9 +4260,160 @@
           <a:p>
             <a:pPr algn="l"/>
             <a:r>
-              <a:rPr lang="en-US" sz="1600" dirty="0"/>
-              <a:t>f</a:t>
-            </a:r>
+              <a:rPr lang="en-US" sz="1600" dirty="0" err="1"/>
+              <a:t>Set_faults_type</a:t>
+            </a:r>
+            <a:r>
+              <a:rPr lang="en-US" sz="1600" dirty="0"/>
+              <a:t> – </a:t>
+            </a:r>
+          </a:p>
+          <a:p>
+            <a:pPr algn="l"/>
+            <a:r>
+              <a:rPr lang="en-US" sz="1600" dirty="0" err="1"/>
+              <a:t>Get_faults_type</a:t>
+            </a:r>
+            <a:r>
+              <a:rPr lang="en-US" sz="1600" dirty="0"/>
+              <a:t> – </a:t>
+            </a:r>
+          </a:p>
+          <a:p>
+            <a:pPr algn="l"/>
+            <a:r>
+              <a:rPr lang="en-US" sz="1600" dirty="0" err="1"/>
+              <a:t>Set_severity</a:t>
+            </a:r>
+            <a:r>
+              <a:rPr lang="en-US" sz="1600" dirty="0"/>
+              <a:t> – </a:t>
+            </a:r>
+          </a:p>
+          <a:p>
+            <a:pPr algn="l"/>
+            <a:r>
+              <a:rPr lang="en-US" sz="1600" dirty="0" err="1"/>
+              <a:t>Get_severity</a:t>
+            </a:r>
+            <a:r>
+              <a:rPr lang="en-US" sz="1600" dirty="0"/>
+              <a:t> – </a:t>
+            </a:r>
+          </a:p>
+          <a:p>
+            <a:pPr algn="l"/>
+            <a:r>
+              <a:rPr lang="en-US" sz="1600" dirty="0" err="1"/>
+              <a:t>Set_category</a:t>
+            </a:r>
+            <a:r>
+              <a:rPr lang="en-US" sz="1600" dirty="0"/>
+              <a:t> – </a:t>
+            </a:r>
+          </a:p>
+          <a:p>
+            <a:pPr algn="l"/>
+            <a:r>
+              <a:rPr lang="en-US" sz="1600" dirty="0" err="1"/>
+              <a:t>Get_category</a:t>
+            </a:r>
+            <a:r>
+              <a:rPr lang="en-US" sz="1600" dirty="0"/>
+              <a:t> – </a:t>
+            </a:r>
+          </a:p>
+          <a:p>
+            <a:pPr algn="l"/>
+            <a:r>
+              <a:rPr lang="en-US" sz="1600" dirty="0" err="1"/>
+              <a:t>Set_filterBy</a:t>
+            </a:r>
+            <a:r>
+              <a:rPr lang="en-US" sz="1600" dirty="0"/>
+              <a:t>– </a:t>
+            </a:r>
+          </a:p>
+          <a:p>
+            <a:pPr algn="l"/>
+            <a:r>
+              <a:rPr lang="en-US" sz="1600" dirty="0" err="1"/>
+              <a:t>Get_filterBy</a:t>
+            </a:r>
+            <a:r>
+              <a:rPr lang="en-US" sz="1600" dirty="0"/>
+              <a:t>– </a:t>
+            </a:r>
+          </a:p>
+          <a:p>
+            <a:pPr algn="l"/>
+            <a:r>
+              <a:rPr lang="en-US" sz="1600" dirty="0" err="1"/>
+              <a:t>set_all_devices_filterBy_devices</a:t>
+            </a:r>
+            <a:r>
+              <a:rPr lang="en-US" sz="1600" dirty="0"/>
+              <a:t>(when Filter by is on Devices) –</a:t>
+            </a:r>
+          </a:p>
+          <a:p>
+            <a:pPr algn="l"/>
+            <a:r>
+              <a:rPr lang="en-US" sz="1600" dirty="0" err="1"/>
+              <a:t>get_all_selected_devices_filterBy_devices</a:t>
+            </a:r>
+            <a:r>
+              <a:rPr lang="en-US" sz="1600" dirty="0"/>
+              <a:t>(when Filter by is on Devices) –</a:t>
+            </a:r>
+          </a:p>
+          <a:p>
+            <a:pPr algn="l"/>
+            <a:r>
+              <a:rPr lang="en-US" sz="1600" dirty="0" err="1"/>
+              <a:t>select_device_filterBy_devices</a:t>
+            </a:r>
+            <a:r>
+              <a:rPr lang="en-US" sz="1600" dirty="0"/>
+              <a:t>(when Filter by is on Devices) –</a:t>
+            </a:r>
+          </a:p>
+          <a:p>
+            <a:pPr algn="l"/>
+            <a:r>
+              <a:rPr lang="en-US" sz="1600" dirty="0" err="1"/>
+              <a:t>remove_device_filterBy_devices</a:t>
+            </a:r>
+            <a:r>
+              <a:rPr lang="en-US" sz="1600" dirty="0"/>
+              <a:t>(when Filter by is on Devices) –</a:t>
+            </a:r>
+          </a:p>
+          <a:p>
+            <a:pPr algn="l"/>
+            <a:r>
+              <a:rPr lang="en-US" sz="1600" dirty="0" err="1"/>
+              <a:t>select_domain_or_chassis_filterBy_domain_or_chassis</a:t>
+            </a:r>
+            <a:r>
+              <a:rPr lang="en-US" sz="1600" dirty="0"/>
+              <a:t>(when Filter by is on Domain/chassis) –</a:t>
+            </a:r>
+          </a:p>
+          <a:p>
+            <a:pPr algn="l"/>
+            <a:r>
+              <a:rPr lang="en-US" sz="1600" dirty="0" err="1"/>
+              <a:t>get_selected_domain_or_chassis_filterBy_domain_or_chassis</a:t>
+            </a:r>
+            <a:r>
+              <a:rPr lang="en-US" sz="1600" dirty="0"/>
+              <a:t>(when Filter by is on Domain/chassis) -</a:t>
+            </a:r>
+          </a:p>
+          <a:p>
+            <a:pPr algn="l"/>
+            <a:endParaRPr lang="en-US" sz="1600" dirty="0"/>
           </a:p>
           <a:p>
             <a:pPr algn="l"/>
@@ -3964,7 +4438,7 @@
 </p:sld>
 </file>
 
-<file path=ppt/slides/slide12.xml><?xml version="1.0" encoding="utf-8"?>
+<file path=ppt/slides/slide14.xml><?xml version="1.0" encoding="utf-8"?>
 <p:sld xmlns:a="http://schemas.openxmlformats.org/drawingml/2006/main" xmlns:r="http://schemas.openxmlformats.org/officeDocument/2006/relationships" xmlns:p="http://schemas.openxmlformats.org/presentationml/2006/main">
   <p:cSld>
     <p:spTree>
@@ -4146,6 +4620,794 @@
     <p:extLst>
       <p:ext uri="{BB962C8B-B14F-4D97-AF65-F5344CB8AC3E}">
         <p14:creationId xmlns:p14="http://schemas.microsoft.com/office/powerpoint/2010/main" val="1153328505"/>
+      </p:ext>
+    </p:extLst>
+  </p:cSld>
+  <p:clrMapOvr>
+    <a:masterClrMapping/>
+  </p:clrMapOvr>
+</p:sld>
+</file>
+
+<file path=ppt/slides/slide15.xml><?xml version="1.0" encoding="utf-8"?>
+<p:sld xmlns:a="http://schemas.openxmlformats.org/drawingml/2006/main" xmlns:r="http://schemas.openxmlformats.org/officeDocument/2006/relationships" xmlns:p="http://schemas.openxmlformats.org/presentationml/2006/main">
+  <p:cSld>
+    <p:spTree>
+      <p:nvGrpSpPr>
+        <p:cNvPr id="1" name="">
+          <a:extLst>
+            <a:ext uri="{FF2B5EF4-FFF2-40B4-BE49-F238E27FC236}">
+              <a16:creationId xmlns:a16="http://schemas.microsoft.com/office/drawing/2014/main" id="{2F93F233-D4DF-69BD-1997-B955F3B05389}"/>
+            </a:ext>
+          </a:extLst>
+        </p:cNvPr>
+        <p:cNvGrpSpPr/>
+        <p:nvPr/>
+      </p:nvGrpSpPr>
+      <p:grpSpPr>
+        <a:xfrm>
+          <a:off x="0" y="0"/>
+          <a:ext cx="0" cy="0"/>
+          <a:chOff x="0" y="0"/>
+          <a:chExt cx="0" cy="0"/>
+        </a:xfrm>
+      </p:grpSpPr>
+      <p:sp>
+        <p:nvSpPr>
+          <p:cNvPr id="3" name="Subtitle 2">
+            <a:extLst>
+              <a:ext uri="{FF2B5EF4-FFF2-40B4-BE49-F238E27FC236}">
+                <a16:creationId xmlns:a16="http://schemas.microsoft.com/office/drawing/2014/main" id="{E1DBB88F-2888-8045-AB34-F533836C3ED7}"/>
+              </a:ext>
+            </a:extLst>
+          </p:cNvPr>
+          <p:cNvSpPr>
+            <a:spLocks noGrp="1"/>
+          </p:cNvSpPr>
+          <p:nvPr>
+            <p:ph type="subTitle" idx="1"/>
+          </p:nvPr>
+        </p:nvSpPr>
+        <p:spPr>
+          <a:xfrm>
+            <a:off x="106680" y="99886"/>
+            <a:ext cx="11990832" cy="6666674"/>
+          </a:xfrm>
+        </p:spPr>
+        <p:txBody>
+          <a:bodyPr>
+            <a:normAutofit/>
+          </a:bodyPr>
+          <a:lstStyle/>
+          <a:p>
+            <a:pPr algn="l"/>
+            <a:r>
+              <a:rPr lang="en-US" sz="1800" b="1" dirty="0"/>
+              <a:t>Map Table max values:</a:t>
+            </a:r>
+          </a:p>
+          <a:p>
+            <a:pPr algn="l"/>
+            <a:endParaRPr lang="en-US" sz="1600" dirty="0"/>
+          </a:p>
+          <a:p>
+            <a:pPr algn="l"/>
+            <a:endParaRPr lang="en-US" sz="1600" dirty="0"/>
+          </a:p>
+          <a:p>
+            <a:pPr algn="l"/>
+            <a:endParaRPr lang="en-US" sz="1100" dirty="0"/>
+          </a:p>
+          <a:p>
+            <a:pPr algn="l"/>
+            <a:endParaRPr lang="en-US" sz="1600" dirty="0"/>
+          </a:p>
+          <a:p>
+            <a:pPr algn="l"/>
+            <a:endParaRPr lang="en-US" sz="1600" dirty="0"/>
+          </a:p>
+          <a:p>
+            <a:pPr algn="l"/>
+            <a:endParaRPr lang="en-US" sz="1600" dirty="0"/>
+          </a:p>
+        </p:txBody>
+      </p:sp>
+      <p:graphicFrame>
+        <p:nvGraphicFramePr>
+          <p:cNvPr id="2" name="Table 1">
+            <a:extLst>
+              <a:ext uri="{FF2B5EF4-FFF2-40B4-BE49-F238E27FC236}">
+                <a16:creationId xmlns:a16="http://schemas.microsoft.com/office/drawing/2014/main" id="{D0AF4F64-628E-2C27-669F-C195986D9448}"/>
+              </a:ext>
+            </a:extLst>
+          </p:cNvPr>
+          <p:cNvGraphicFramePr>
+            <a:graphicFrameLocks noGrp="1"/>
+          </p:cNvGraphicFramePr>
+          <p:nvPr>
+            <p:extLst>
+              <p:ext uri="{D42A27DB-BD31-4B8C-83A1-F6EECF244321}">
+                <p14:modId xmlns:p14="http://schemas.microsoft.com/office/powerpoint/2010/main" val="2416036021"/>
+              </p:ext>
+            </p:extLst>
+          </p:nvPr>
+        </p:nvGraphicFramePr>
+        <p:xfrm>
+          <a:off x="164592" y="719666"/>
+          <a:ext cx="11920728" cy="2443480"/>
+        </p:xfrm>
+        <a:graphic>
+          <a:graphicData uri="http://schemas.openxmlformats.org/drawingml/2006/table">
+            <a:tbl>
+              <a:tblPr firstRow="1" bandRow="1">
+                <a:tableStyleId>{5C22544A-7EE6-4342-B048-85BDC9FD1C3A}</a:tableStyleId>
+              </a:tblPr>
+              <a:tblGrid>
+                <a:gridCol w="2298203">
+                  <a:extLst>
+                    <a:ext uri="{9D8B030D-6E8A-4147-A177-3AD203B41FA5}">
+                      <a16:colId xmlns:a16="http://schemas.microsoft.com/office/drawing/2014/main" val="2733776702"/>
+                    </a:ext>
+                  </a:extLst>
+                </a:gridCol>
+                <a:gridCol w="2127493">
+                  <a:extLst>
+                    <a:ext uri="{9D8B030D-6E8A-4147-A177-3AD203B41FA5}">
+                      <a16:colId xmlns:a16="http://schemas.microsoft.com/office/drawing/2014/main" val="1866301122"/>
+                    </a:ext>
+                  </a:extLst>
+                </a:gridCol>
+                <a:gridCol w="1956816">
+                  <a:extLst>
+                    <a:ext uri="{9D8B030D-6E8A-4147-A177-3AD203B41FA5}">
+                      <a16:colId xmlns:a16="http://schemas.microsoft.com/office/drawing/2014/main" val="771782589"/>
+                    </a:ext>
+                  </a:extLst>
+                </a:gridCol>
+                <a:gridCol w="1920240">
+                  <a:extLst>
+                    <a:ext uri="{9D8B030D-6E8A-4147-A177-3AD203B41FA5}">
+                      <a16:colId xmlns:a16="http://schemas.microsoft.com/office/drawing/2014/main" val="2421488526"/>
+                    </a:ext>
+                  </a:extLst>
+                </a:gridCol>
+                <a:gridCol w="1883664">
+                  <a:extLst>
+                    <a:ext uri="{9D8B030D-6E8A-4147-A177-3AD203B41FA5}">
+                      <a16:colId xmlns:a16="http://schemas.microsoft.com/office/drawing/2014/main" val="33600877"/>
+                    </a:ext>
+                  </a:extLst>
+                </a:gridCol>
+                <a:gridCol w="1734312">
+                  <a:extLst>
+                    <a:ext uri="{9D8B030D-6E8A-4147-A177-3AD203B41FA5}">
+                      <a16:colId xmlns:a16="http://schemas.microsoft.com/office/drawing/2014/main" val="2267602726"/>
+                    </a:ext>
+                  </a:extLst>
+                </a:gridCol>
+              </a:tblGrid>
+              <a:tr h="370840">
+                <a:tc>
+                  <a:txBody>
+                    <a:bodyPr/>
+                    <a:lstStyle/>
+                    <a:p>
+                      <a:pPr algn="ctr"/>
+                      <a:r>
+                        <a:rPr lang="en-US" dirty="0"/>
+                        <a:t>Level\Criteria</a:t>
+                      </a:r>
+                    </a:p>
+                  </a:txBody>
+                  <a:tcPr/>
+                </a:tc>
+                <a:tc>
+                  <a:txBody>
+                    <a:bodyPr/>
+                    <a:lstStyle/>
+                    <a:p>
+                      <a:pPr algn="ctr"/>
+                      <a:r>
+                        <a:rPr lang="en-US" dirty="0"/>
+                        <a:t>Max zoom In</a:t>
+                      </a:r>
+                    </a:p>
+                  </a:txBody>
+                  <a:tcPr/>
+                </a:tc>
+                <a:tc>
+                  <a:txBody>
+                    <a:bodyPr/>
+                    <a:lstStyle/>
+                    <a:p>
+                      <a:pPr marL="0" marR="0" lvl="0" indent="0" algn="ctr" defTabSz="914400" rtl="0" eaLnBrk="1" fontAlgn="auto" latinLnBrk="0" hangingPunct="1">
+                        <a:lnSpc>
+                          <a:spcPct val="100000"/>
+                        </a:lnSpc>
+                        <a:spcBef>
+                          <a:spcPts val="0"/>
+                        </a:spcBef>
+                        <a:spcAft>
+                          <a:spcPts val="0"/>
+                        </a:spcAft>
+                        <a:buClrTx/>
+                        <a:buSzTx/>
+                        <a:buFontTx/>
+                        <a:buNone/>
+                        <a:tabLst/>
+                        <a:defRPr/>
+                      </a:pPr>
+                      <a:r>
+                        <a:rPr lang="en-US" dirty="0"/>
+                        <a:t>Max Up</a:t>
+                      </a:r>
+                    </a:p>
+                  </a:txBody>
+                  <a:tcPr/>
+                </a:tc>
+                <a:tc>
+                  <a:txBody>
+                    <a:bodyPr/>
+                    <a:lstStyle/>
+                    <a:p>
+                      <a:pPr algn="ctr"/>
+                      <a:r>
+                        <a:rPr lang="en-US" dirty="0"/>
+                        <a:t>Max Down</a:t>
+                      </a:r>
+                    </a:p>
+                  </a:txBody>
+                  <a:tcPr/>
+                </a:tc>
+                <a:tc>
+                  <a:txBody>
+                    <a:bodyPr/>
+                    <a:lstStyle/>
+                    <a:p>
+                      <a:pPr algn="ctr"/>
+                      <a:r>
+                        <a:rPr lang="en-US" dirty="0"/>
+                        <a:t>Max Right</a:t>
+                      </a:r>
+                    </a:p>
+                  </a:txBody>
+                  <a:tcPr/>
+                </a:tc>
+                <a:tc>
+                  <a:txBody>
+                    <a:bodyPr/>
+                    <a:lstStyle/>
+                    <a:p>
+                      <a:pPr algn="ctr"/>
+                      <a:r>
+                        <a:rPr lang="en-US" dirty="0"/>
+                        <a:t>Max Left</a:t>
+                      </a:r>
+                    </a:p>
+                  </a:txBody>
+                  <a:tcPr/>
+                </a:tc>
+                <a:extLst>
+                  <a:ext uri="{0D108BD9-81ED-4DB2-BD59-A6C34878D82A}">
+                    <a16:rowId xmlns:a16="http://schemas.microsoft.com/office/drawing/2014/main" val="930054508"/>
+                  </a:ext>
+                </a:extLst>
+              </a:tr>
+              <a:tr h="370840">
+                <a:tc>
+                  <a:txBody>
+                    <a:bodyPr/>
+                    <a:lstStyle/>
+                    <a:p>
+                      <a:pPr algn="ctr"/>
+                      <a:r>
+                        <a:rPr lang="en-US" dirty="0"/>
+                        <a:t>1</a:t>
+                      </a:r>
+                    </a:p>
+                  </a:txBody>
+                  <a:tcPr/>
+                </a:tc>
+                <a:tc>
+                  <a:txBody>
+                    <a:bodyPr/>
+                    <a:lstStyle/>
+                    <a:p>
+                      <a:pPr algn="ctr"/>
+                      <a:r>
+                        <a:rPr lang="en-US" sz="1400" dirty="0"/>
+                        <a:t>Width: 320</a:t>
+                      </a:r>
+                    </a:p>
+                    <a:p>
+                      <a:pPr algn="ctr"/>
+                      <a:r>
+                        <a:rPr lang="en-US" sz="1400" dirty="0"/>
+                        <a:t>Height: 225.774</a:t>
+                      </a:r>
+                    </a:p>
+                  </a:txBody>
+                  <a:tcPr/>
+                </a:tc>
+                <a:tc>
+                  <a:txBody>
+                    <a:bodyPr/>
+                    <a:lstStyle/>
+                    <a:p>
+                      <a:pPr marL="0" algn="ctr" defTabSz="914400" rtl="0" eaLnBrk="1" latinLnBrk="0" hangingPunct="1"/>
+                      <a:r>
+                        <a:rPr lang="en-US" sz="1400" kern="1200" dirty="0">
+                          <a:solidFill>
+                            <a:schemeClr val="dk1"/>
+                          </a:solidFill>
+                          <a:latin typeface="+mn-lt"/>
+                          <a:ea typeface="+mn-ea"/>
+                          <a:cs typeface="+mn-cs"/>
+                        </a:rPr>
+                        <a:t>-112.887px</a:t>
+                      </a:r>
+                    </a:p>
+                  </a:txBody>
+                  <a:tcPr/>
+                </a:tc>
+                <a:tc>
+                  <a:txBody>
+                    <a:bodyPr/>
+                    <a:lstStyle/>
+                    <a:p>
+                      <a:pPr marL="0" algn="ctr" defTabSz="914400" rtl="0" eaLnBrk="1" latinLnBrk="0" hangingPunct="1"/>
+                      <a:endParaRPr lang="en-US" sz="1400" kern="1200">
+                        <a:solidFill>
+                          <a:schemeClr val="dk1"/>
+                        </a:solidFill>
+                        <a:latin typeface="+mn-lt"/>
+                        <a:ea typeface="+mn-ea"/>
+                        <a:cs typeface="+mn-cs"/>
+                      </a:endParaRPr>
+                    </a:p>
+                  </a:txBody>
+                  <a:tcPr/>
+                </a:tc>
+                <a:tc>
+                  <a:txBody>
+                    <a:bodyPr/>
+                    <a:lstStyle/>
+                    <a:p>
+                      <a:pPr marL="0" algn="ctr" defTabSz="914400" rtl="0" eaLnBrk="1" latinLnBrk="0" hangingPunct="1"/>
+                      <a:r>
+                        <a:rPr lang="en-US" sz="1400" kern="1200" dirty="0">
+                          <a:solidFill>
+                            <a:schemeClr val="dk1"/>
+                          </a:solidFill>
+                          <a:latin typeface="+mn-lt"/>
+                          <a:ea typeface="+mn-ea"/>
+                          <a:cs typeface="+mn-cs"/>
+                        </a:rPr>
+                        <a:t>160px</a:t>
+                      </a:r>
+                    </a:p>
+                  </a:txBody>
+                  <a:tcPr/>
+                </a:tc>
+                <a:tc>
+                  <a:txBody>
+                    <a:bodyPr/>
+                    <a:lstStyle/>
+                    <a:p>
+                      <a:pPr marL="0" algn="ctr" defTabSz="914400" rtl="0" eaLnBrk="1" latinLnBrk="0" hangingPunct="1"/>
+                      <a:r>
+                        <a:rPr lang="en-US" sz="1400" kern="1200" dirty="0">
+                          <a:solidFill>
+                            <a:schemeClr val="dk1"/>
+                          </a:solidFill>
+                          <a:latin typeface="+mn-lt"/>
+                          <a:ea typeface="+mn-ea"/>
+                          <a:cs typeface="+mn-cs"/>
+                        </a:rPr>
+                        <a:t>-160px</a:t>
+                      </a:r>
+                    </a:p>
+                  </a:txBody>
+                  <a:tcPr/>
+                </a:tc>
+                <a:extLst>
+                  <a:ext uri="{0D108BD9-81ED-4DB2-BD59-A6C34878D82A}">
+                    <a16:rowId xmlns:a16="http://schemas.microsoft.com/office/drawing/2014/main" val="2982139309"/>
+                  </a:ext>
+                </a:extLst>
+              </a:tr>
+              <a:tr h="370840">
+                <a:tc>
+                  <a:txBody>
+                    <a:bodyPr/>
+                    <a:lstStyle/>
+                    <a:p>
+                      <a:pPr algn="ctr"/>
+                      <a:r>
+                        <a:rPr lang="en-US" dirty="0"/>
+                        <a:t>2</a:t>
+                      </a:r>
+                    </a:p>
+                  </a:txBody>
+                  <a:tcPr/>
+                </a:tc>
+                <a:tc>
+                  <a:txBody>
+                    <a:bodyPr/>
+                    <a:lstStyle/>
+                    <a:p>
+                      <a:pPr marL="0" algn="ctr" defTabSz="914400" rtl="0" eaLnBrk="1" latinLnBrk="0" hangingPunct="1"/>
+                      <a:r>
+                        <a:rPr lang="en-US" sz="1400" kern="1200" dirty="0">
+                          <a:solidFill>
+                            <a:schemeClr val="dk1"/>
+                          </a:solidFill>
+                          <a:latin typeface="+mn-lt"/>
+                          <a:ea typeface="+mn-ea"/>
+                          <a:cs typeface="+mn-cs"/>
+                        </a:rPr>
+                        <a:t>Width:</a:t>
+                      </a:r>
+                    </a:p>
+                    <a:p>
+                      <a:pPr marL="0" algn="ctr" defTabSz="914400" rtl="0" eaLnBrk="1" latinLnBrk="0" hangingPunct="1"/>
+                      <a:r>
+                        <a:rPr lang="en-US" sz="1400" kern="1200" dirty="0">
+                          <a:solidFill>
+                            <a:schemeClr val="dk1"/>
+                          </a:solidFill>
+                          <a:latin typeface="+mn-lt"/>
+                          <a:ea typeface="+mn-ea"/>
+                          <a:cs typeface="+mn-cs"/>
+                        </a:rPr>
+                        <a:t>Height:</a:t>
+                      </a:r>
+                    </a:p>
+                  </a:txBody>
+                  <a:tcPr/>
+                </a:tc>
+                <a:tc>
+                  <a:txBody>
+                    <a:bodyPr/>
+                    <a:lstStyle/>
+                    <a:p>
+                      <a:pPr marL="0" algn="ctr" defTabSz="914400" rtl="0" eaLnBrk="1" latinLnBrk="0" hangingPunct="1"/>
+                      <a:endParaRPr lang="en-US" sz="1400" kern="1200" dirty="0">
+                        <a:solidFill>
+                          <a:schemeClr val="dk1"/>
+                        </a:solidFill>
+                        <a:latin typeface="+mn-lt"/>
+                        <a:ea typeface="+mn-ea"/>
+                        <a:cs typeface="+mn-cs"/>
+                      </a:endParaRPr>
+                    </a:p>
+                  </a:txBody>
+                  <a:tcPr/>
+                </a:tc>
+                <a:tc>
+                  <a:txBody>
+                    <a:bodyPr/>
+                    <a:lstStyle/>
+                    <a:p>
+                      <a:pPr marL="0" algn="ctr" defTabSz="914400" rtl="0" eaLnBrk="1" latinLnBrk="0" hangingPunct="1"/>
+                      <a:endParaRPr lang="en-US" sz="1400" kern="1200" dirty="0">
+                        <a:solidFill>
+                          <a:schemeClr val="dk1"/>
+                        </a:solidFill>
+                        <a:latin typeface="+mn-lt"/>
+                        <a:ea typeface="+mn-ea"/>
+                        <a:cs typeface="+mn-cs"/>
+                      </a:endParaRPr>
+                    </a:p>
+                  </a:txBody>
+                  <a:tcPr/>
+                </a:tc>
+                <a:tc>
+                  <a:txBody>
+                    <a:bodyPr/>
+                    <a:lstStyle/>
+                    <a:p>
+                      <a:pPr marL="0" algn="ctr" defTabSz="914400" rtl="0" eaLnBrk="1" latinLnBrk="0" hangingPunct="1"/>
+                      <a:endParaRPr lang="en-US" sz="1400" kern="1200" dirty="0">
+                        <a:solidFill>
+                          <a:schemeClr val="dk1"/>
+                        </a:solidFill>
+                        <a:latin typeface="+mn-lt"/>
+                        <a:ea typeface="+mn-ea"/>
+                        <a:cs typeface="+mn-cs"/>
+                      </a:endParaRPr>
+                    </a:p>
+                  </a:txBody>
+                  <a:tcPr/>
+                </a:tc>
+                <a:tc>
+                  <a:txBody>
+                    <a:bodyPr/>
+                    <a:lstStyle/>
+                    <a:p>
+                      <a:pPr marL="0" algn="ctr" defTabSz="914400" rtl="0" eaLnBrk="1" latinLnBrk="0" hangingPunct="1"/>
+                      <a:endParaRPr lang="en-US" sz="1400" kern="1200">
+                        <a:solidFill>
+                          <a:schemeClr val="dk1"/>
+                        </a:solidFill>
+                        <a:latin typeface="+mn-lt"/>
+                        <a:ea typeface="+mn-ea"/>
+                        <a:cs typeface="+mn-cs"/>
+                      </a:endParaRPr>
+                    </a:p>
+                  </a:txBody>
+                  <a:tcPr/>
+                </a:tc>
+                <a:extLst>
+                  <a:ext uri="{0D108BD9-81ED-4DB2-BD59-A6C34878D82A}">
+                    <a16:rowId xmlns:a16="http://schemas.microsoft.com/office/drawing/2014/main" val="2299674596"/>
+                  </a:ext>
+                </a:extLst>
+              </a:tr>
+              <a:tr h="370840">
+                <a:tc>
+                  <a:txBody>
+                    <a:bodyPr/>
+                    <a:lstStyle/>
+                    <a:p>
+                      <a:pPr algn="ctr"/>
+                      <a:r>
+                        <a:rPr lang="en-US" dirty="0"/>
+                        <a:t>3</a:t>
+                      </a:r>
+                    </a:p>
+                  </a:txBody>
+                  <a:tcPr/>
+                </a:tc>
+                <a:tc>
+                  <a:txBody>
+                    <a:bodyPr/>
+                    <a:lstStyle/>
+                    <a:p>
+                      <a:pPr marL="0" algn="ctr" defTabSz="914400" rtl="0" eaLnBrk="1" latinLnBrk="0" hangingPunct="1"/>
+                      <a:r>
+                        <a:rPr lang="en-US" sz="1400" kern="1200" dirty="0">
+                          <a:solidFill>
+                            <a:schemeClr val="dk1"/>
+                          </a:solidFill>
+                          <a:latin typeface="+mn-lt"/>
+                          <a:ea typeface="+mn-ea"/>
+                          <a:cs typeface="+mn-cs"/>
+                        </a:rPr>
+                        <a:t>Width:</a:t>
+                      </a:r>
+                    </a:p>
+                    <a:p>
+                      <a:pPr marL="0" algn="ctr" defTabSz="914400" rtl="0" eaLnBrk="1" latinLnBrk="0" hangingPunct="1"/>
+                      <a:r>
+                        <a:rPr lang="en-US" sz="1400" kern="1200" dirty="0">
+                          <a:solidFill>
+                            <a:schemeClr val="dk1"/>
+                          </a:solidFill>
+                          <a:latin typeface="+mn-lt"/>
+                          <a:ea typeface="+mn-ea"/>
+                          <a:cs typeface="+mn-cs"/>
+                        </a:rPr>
+                        <a:t>Height:</a:t>
+                      </a:r>
+                    </a:p>
+                  </a:txBody>
+                  <a:tcPr/>
+                </a:tc>
+                <a:tc>
+                  <a:txBody>
+                    <a:bodyPr/>
+                    <a:lstStyle/>
+                    <a:p>
+                      <a:pPr marL="0" algn="ctr" defTabSz="914400" rtl="0" eaLnBrk="1" latinLnBrk="0" hangingPunct="1"/>
+                      <a:endParaRPr lang="en-US" sz="1400" kern="1200">
+                        <a:solidFill>
+                          <a:schemeClr val="dk1"/>
+                        </a:solidFill>
+                        <a:latin typeface="+mn-lt"/>
+                        <a:ea typeface="+mn-ea"/>
+                        <a:cs typeface="+mn-cs"/>
+                      </a:endParaRPr>
+                    </a:p>
+                  </a:txBody>
+                  <a:tcPr/>
+                </a:tc>
+                <a:tc>
+                  <a:txBody>
+                    <a:bodyPr/>
+                    <a:lstStyle/>
+                    <a:p>
+                      <a:pPr marL="0" algn="ctr" defTabSz="914400" rtl="0" eaLnBrk="1" latinLnBrk="0" hangingPunct="1"/>
+                      <a:endParaRPr lang="en-US" sz="1400" kern="1200" dirty="0">
+                        <a:solidFill>
+                          <a:schemeClr val="dk1"/>
+                        </a:solidFill>
+                        <a:latin typeface="+mn-lt"/>
+                        <a:ea typeface="+mn-ea"/>
+                        <a:cs typeface="+mn-cs"/>
+                      </a:endParaRPr>
+                    </a:p>
+                  </a:txBody>
+                  <a:tcPr/>
+                </a:tc>
+                <a:tc>
+                  <a:txBody>
+                    <a:bodyPr/>
+                    <a:lstStyle/>
+                    <a:p>
+                      <a:pPr marL="0" algn="ctr" defTabSz="914400" rtl="0" eaLnBrk="1" latinLnBrk="0" hangingPunct="1"/>
+                      <a:endParaRPr lang="en-US" sz="1400" kern="1200" dirty="0">
+                        <a:solidFill>
+                          <a:schemeClr val="dk1"/>
+                        </a:solidFill>
+                        <a:latin typeface="+mn-lt"/>
+                        <a:ea typeface="+mn-ea"/>
+                        <a:cs typeface="+mn-cs"/>
+                      </a:endParaRPr>
+                    </a:p>
+                  </a:txBody>
+                  <a:tcPr/>
+                </a:tc>
+                <a:tc>
+                  <a:txBody>
+                    <a:bodyPr/>
+                    <a:lstStyle/>
+                    <a:p>
+                      <a:pPr marL="0" algn="ctr" defTabSz="914400" rtl="0" eaLnBrk="1" latinLnBrk="0" hangingPunct="1"/>
+                      <a:endParaRPr lang="en-US" sz="1400" kern="1200" dirty="0">
+                        <a:solidFill>
+                          <a:schemeClr val="dk1"/>
+                        </a:solidFill>
+                        <a:latin typeface="+mn-lt"/>
+                        <a:ea typeface="+mn-ea"/>
+                        <a:cs typeface="+mn-cs"/>
+                      </a:endParaRPr>
+                    </a:p>
+                  </a:txBody>
+                  <a:tcPr/>
+                </a:tc>
+                <a:extLst>
+                  <a:ext uri="{0D108BD9-81ED-4DB2-BD59-A6C34878D82A}">
+                    <a16:rowId xmlns:a16="http://schemas.microsoft.com/office/drawing/2014/main" val="3902744358"/>
+                  </a:ext>
+                </a:extLst>
+              </a:tr>
+              <a:tr h="370840">
+                <a:tc>
+                  <a:txBody>
+                    <a:bodyPr/>
+                    <a:lstStyle/>
+                    <a:p>
+                      <a:pPr algn="ctr"/>
+                      <a:r>
+                        <a:rPr lang="en-US" dirty="0"/>
+                        <a:t>4</a:t>
+                      </a:r>
+                    </a:p>
+                  </a:txBody>
+                  <a:tcPr/>
+                </a:tc>
+                <a:tc>
+                  <a:txBody>
+                    <a:bodyPr/>
+                    <a:lstStyle/>
+                    <a:p>
+                      <a:pPr marL="0" algn="ctr" defTabSz="914400" rtl="0" eaLnBrk="1" latinLnBrk="0" hangingPunct="1"/>
+                      <a:r>
+                        <a:rPr lang="en-US" sz="1400" kern="1200" dirty="0">
+                          <a:solidFill>
+                            <a:schemeClr val="dk1"/>
+                          </a:solidFill>
+                          <a:latin typeface="+mn-lt"/>
+                          <a:ea typeface="+mn-ea"/>
+                          <a:cs typeface="+mn-cs"/>
+                        </a:rPr>
+                        <a:t>Width:</a:t>
+                      </a:r>
+                    </a:p>
+                    <a:p>
+                      <a:pPr marL="0" algn="ctr" defTabSz="914400" rtl="0" eaLnBrk="1" latinLnBrk="0" hangingPunct="1"/>
+                      <a:r>
+                        <a:rPr lang="en-US" sz="1400" kern="1200" dirty="0">
+                          <a:solidFill>
+                            <a:schemeClr val="dk1"/>
+                          </a:solidFill>
+                          <a:latin typeface="+mn-lt"/>
+                          <a:ea typeface="+mn-ea"/>
+                          <a:cs typeface="+mn-cs"/>
+                        </a:rPr>
+                        <a:t>Height:</a:t>
+                      </a:r>
+                    </a:p>
+                  </a:txBody>
+                  <a:tcPr/>
+                </a:tc>
+                <a:tc>
+                  <a:txBody>
+                    <a:bodyPr/>
+                    <a:lstStyle/>
+                    <a:p>
+                      <a:pPr marL="0" algn="ctr" defTabSz="914400" rtl="0" eaLnBrk="1" latinLnBrk="0" hangingPunct="1"/>
+                      <a:endParaRPr lang="en-US" sz="1400" kern="1200">
+                        <a:solidFill>
+                          <a:schemeClr val="dk1"/>
+                        </a:solidFill>
+                        <a:latin typeface="+mn-lt"/>
+                        <a:ea typeface="+mn-ea"/>
+                        <a:cs typeface="+mn-cs"/>
+                      </a:endParaRPr>
+                    </a:p>
+                  </a:txBody>
+                  <a:tcPr/>
+                </a:tc>
+                <a:tc>
+                  <a:txBody>
+                    <a:bodyPr/>
+                    <a:lstStyle/>
+                    <a:p>
+                      <a:pPr marL="0" algn="ctr" defTabSz="914400" rtl="0" eaLnBrk="1" latinLnBrk="0" hangingPunct="1"/>
+                      <a:endParaRPr lang="en-US" sz="1400" kern="1200">
+                        <a:solidFill>
+                          <a:schemeClr val="dk1"/>
+                        </a:solidFill>
+                        <a:latin typeface="+mn-lt"/>
+                        <a:ea typeface="+mn-ea"/>
+                        <a:cs typeface="+mn-cs"/>
+                      </a:endParaRPr>
+                    </a:p>
+                  </a:txBody>
+                  <a:tcPr/>
+                </a:tc>
+                <a:tc>
+                  <a:txBody>
+                    <a:bodyPr/>
+                    <a:lstStyle/>
+                    <a:p>
+                      <a:pPr marL="0" algn="ctr" defTabSz="914400" rtl="0" eaLnBrk="1" latinLnBrk="0" hangingPunct="1"/>
+                      <a:endParaRPr lang="en-US" sz="1400" kern="1200" dirty="0">
+                        <a:solidFill>
+                          <a:schemeClr val="dk1"/>
+                        </a:solidFill>
+                        <a:latin typeface="+mn-lt"/>
+                        <a:ea typeface="+mn-ea"/>
+                        <a:cs typeface="+mn-cs"/>
+                      </a:endParaRPr>
+                    </a:p>
+                  </a:txBody>
+                  <a:tcPr/>
+                </a:tc>
+                <a:tc>
+                  <a:txBody>
+                    <a:bodyPr/>
+                    <a:lstStyle/>
+                    <a:p>
+                      <a:pPr marL="0" algn="ctr" defTabSz="914400" rtl="0" eaLnBrk="1" latinLnBrk="0" hangingPunct="1"/>
+                      <a:endParaRPr lang="en-US" sz="1400" kern="1200" dirty="0">
+                        <a:solidFill>
+                          <a:schemeClr val="dk1"/>
+                        </a:solidFill>
+                        <a:latin typeface="+mn-lt"/>
+                        <a:ea typeface="+mn-ea"/>
+                        <a:cs typeface="+mn-cs"/>
+                      </a:endParaRPr>
+                    </a:p>
+                  </a:txBody>
+                  <a:tcPr/>
+                </a:tc>
+                <a:extLst>
+                  <a:ext uri="{0D108BD9-81ED-4DB2-BD59-A6C34878D82A}">
+                    <a16:rowId xmlns:a16="http://schemas.microsoft.com/office/drawing/2014/main" val="3545387135"/>
+                  </a:ext>
+                </a:extLst>
+              </a:tr>
+            </a:tbl>
+          </a:graphicData>
+        </a:graphic>
+      </p:graphicFrame>
+    </p:spTree>
+    <p:extLst>
+      <p:ext uri="{BB962C8B-B14F-4D97-AF65-F5344CB8AC3E}">
+        <p14:creationId xmlns:p14="http://schemas.microsoft.com/office/powerpoint/2010/main" val="914701005"/>
       </p:ext>
     </p:extLst>
   </p:cSld>
@@ -4462,7 +5724,7 @@
             </a:r>
             <a:r>
               <a:rPr lang="en-US" sz="1600" dirty="0"/>
-              <a:t> – </a:t>
+              <a:t> – ✅</a:t>
             </a:r>
           </a:p>
           <a:p>
@@ -4473,7 +5735,7 @@
             </a:r>
             <a:r>
               <a:rPr lang="en-US" sz="1600" dirty="0"/>
-              <a:t>–</a:t>
+              <a:t>– ✅</a:t>
             </a:r>
           </a:p>
           <a:p>
@@ -4484,7 +5746,7 @@
             </a:r>
             <a:r>
               <a:rPr lang="en-US" sz="1600" dirty="0"/>
-              <a:t> – </a:t>
+              <a:t> – ✅</a:t>
             </a:r>
           </a:p>
           <a:p>
@@ -4495,7 +5757,7 @@
             </a:r>
             <a:r>
               <a:rPr lang="en-US" sz="1600" dirty="0"/>
-              <a:t> –</a:t>
+              <a:t> – ✅</a:t>
             </a:r>
           </a:p>
           <a:p>
@@ -4506,7 +5768,7 @@
             </a:r>
             <a:r>
               <a:rPr lang="en-US" sz="1600" dirty="0"/>
-              <a:t> - </a:t>
+              <a:t> - ✅</a:t>
             </a:r>
           </a:p>
           <a:p>
@@ -4517,7 +5779,7 @@
             </a:r>
             <a:r>
               <a:rPr lang="en-US" sz="1600" dirty="0"/>
-              <a:t> –</a:t>
+              <a:t> – ✅</a:t>
             </a:r>
           </a:p>
           <a:p>
@@ -4528,7 +5790,7 @@
             </a:r>
             <a:r>
               <a:rPr lang="en-US" sz="1600" dirty="0"/>
-              <a:t> - </a:t>
+              <a:t> - ✅</a:t>
             </a:r>
           </a:p>
           <a:p>
@@ -4539,7 +5801,7 @@
             </a:r>
             <a:r>
               <a:rPr lang="en-US" sz="1600" dirty="0"/>
-              <a:t> –</a:t>
+              <a:t> – ✅</a:t>
             </a:r>
           </a:p>
           <a:p>
@@ -4550,7 +5812,7 @@
             </a:r>
             <a:r>
               <a:rPr lang="en-US" sz="1600" dirty="0"/>
-              <a:t>  - </a:t>
+              <a:t>  - ✅</a:t>
             </a:r>
           </a:p>
           <a:p>
@@ -4561,7 +5823,7 @@
             </a:r>
             <a:r>
               <a:rPr lang="en-US" sz="1600" dirty="0"/>
-              <a:t> – </a:t>
+              <a:t> – ✅</a:t>
             </a:r>
           </a:p>
           <a:p>
@@ -4572,7 +5834,7 @@
             </a:r>
             <a:r>
               <a:rPr lang="en-US" sz="1600" dirty="0"/>
-              <a:t> –</a:t>
+              <a:t> – ✅</a:t>
             </a:r>
           </a:p>
           <a:p>
@@ -4583,7 +5845,7 @@
             </a:r>
             <a:r>
               <a:rPr lang="en-US" sz="1600" dirty="0"/>
-              <a:t> –</a:t>
+              <a:t> – ✅</a:t>
             </a:r>
           </a:p>
           <a:p>
@@ -4594,7 +5856,7 @@
             </a:r>
             <a:r>
               <a:rPr lang="en-US" sz="1600" dirty="0"/>
-              <a:t> –</a:t>
+              <a:t> – ✅</a:t>
             </a:r>
           </a:p>
           <a:p>
@@ -4605,7 +5867,7 @@
             </a:r>
             <a:r>
               <a:rPr lang="en-US" sz="1600" dirty="0"/>
-              <a:t> –</a:t>
+              <a:t> – ✅</a:t>
             </a:r>
           </a:p>
           <a:p>
@@ -4616,7 +5878,7 @@
             </a:r>
             <a:r>
               <a:rPr lang="en-US" sz="1600" dirty="0"/>
-              <a:t> –</a:t>
+              <a:t> – ✅</a:t>
             </a:r>
           </a:p>
           <a:p>
@@ -4627,7 +5889,7 @@
             </a:r>
             <a:r>
               <a:rPr lang="en-US" sz="1600" dirty="0"/>
-              <a:t> – </a:t>
+              <a:t> – ✅</a:t>
             </a:r>
           </a:p>
           <a:p>
@@ -4638,7 +5900,7 @@
             </a:r>
             <a:r>
               <a:rPr lang="en-US" sz="1600" dirty="0"/>
-              <a:t> -</a:t>
+              <a:t> - ✅</a:t>
             </a:r>
           </a:p>
           <a:p>
@@ -4649,7 +5911,7 @@
             </a:r>
             <a:r>
               <a:rPr lang="en-US" sz="1600" dirty="0"/>
-              <a:t> - </a:t>
+              <a:t> - ✅</a:t>
             </a:r>
           </a:p>
         </p:txBody>
@@ -4963,7 +6225,7 @@
         </p:spPr>
         <p:txBody>
           <a:bodyPr>
-            <a:normAutofit/>
+            <a:normAutofit fontScale="92500" lnSpcReduction="10000"/>
           </a:bodyPr>
           <a:lstStyle/>
           <a:p>
@@ -4980,9 +6242,234 @@
           <a:p>
             <a:pPr algn="l"/>
             <a:r>
-              <a:rPr lang="en-US" sz="1600" dirty="0"/>
-              <a:t>f</a:t>
-            </a:r>
+              <a:rPr lang="en-US" sz="1600" dirty="0" err="1"/>
+              <a:t>get_severity</a:t>
+            </a:r>
+            <a:r>
+              <a:rPr lang="en-US" sz="1600" dirty="0"/>
+              <a:t> –</a:t>
+            </a:r>
+          </a:p>
+          <a:p>
+            <a:pPr algn="l"/>
+            <a:r>
+              <a:rPr lang="en-US" sz="1600" dirty="0" err="1"/>
+              <a:t>set_severity</a:t>
+            </a:r>
+            <a:r>
+              <a:rPr lang="en-US" sz="1600" dirty="0"/>
+              <a:t> – </a:t>
+            </a:r>
+          </a:p>
+          <a:p>
+            <a:pPr algn="l"/>
+            <a:r>
+              <a:rPr lang="en-US" sz="1600" dirty="0" err="1"/>
+              <a:t>get_category</a:t>
+            </a:r>
+            <a:r>
+              <a:rPr lang="en-US" sz="1600" dirty="0"/>
+              <a:t> –</a:t>
+            </a:r>
+          </a:p>
+          <a:p>
+            <a:pPr algn="l"/>
+            <a:r>
+              <a:rPr lang="en-US" sz="1600" dirty="0" err="1"/>
+              <a:t>set_category</a:t>
+            </a:r>
+            <a:r>
+              <a:rPr lang="en-US" sz="1600" dirty="0"/>
+              <a:t> – </a:t>
+            </a:r>
+          </a:p>
+          <a:p>
+            <a:pPr algn="l"/>
+            <a:r>
+              <a:rPr lang="en-US" sz="1600" dirty="0" err="1"/>
+              <a:t>get_filter_by</a:t>
+            </a:r>
+            <a:r>
+              <a:rPr lang="en-US" sz="1600" dirty="0"/>
+              <a:t> –</a:t>
+            </a:r>
+          </a:p>
+          <a:p>
+            <a:pPr algn="l"/>
+            <a:r>
+              <a:rPr lang="en-US" sz="1600" dirty="0" err="1"/>
+              <a:t>set_filter_by</a:t>
+            </a:r>
+            <a:r>
+              <a:rPr lang="en-US" sz="1600" dirty="0"/>
+              <a:t> – </a:t>
+            </a:r>
+          </a:p>
+          <a:p>
+            <a:pPr algn="l"/>
+            <a:r>
+              <a:rPr lang="en-US" sz="1600" dirty="0" err="1"/>
+              <a:t>set_all_devices_filterBy_devices</a:t>
+            </a:r>
+            <a:r>
+              <a:rPr lang="en-US" sz="1600" dirty="0"/>
+              <a:t>(when Filter by is on Devices) –</a:t>
+            </a:r>
+          </a:p>
+          <a:p>
+            <a:pPr algn="l"/>
+            <a:r>
+              <a:rPr lang="en-US" sz="1600" dirty="0" err="1"/>
+              <a:t>get_all_selected_devices_filterBy_devices</a:t>
+            </a:r>
+            <a:r>
+              <a:rPr lang="en-US" sz="1600" dirty="0"/>
+              <a:t>(when Filter by is on Devices) –</a:t>
+            </a:r>
+          </a:p>
+          <a:p>
+            <a:pPr algn="l"/>
+            <a:r>
+              <a:rPr lang="en-US" sz="1600" dirty="0" err="1"/>
+              <a:t>select_device_filterBy_devices</a:t>
+            </a:r>
+            <a:r>
+              <a:rPr lang="en-US" sz="1600" dirty="0"/>
+              <a:t>(when Filter by is on Devices) –</a:t>
+            </a:r>
+          </a:p>
+          <a:p>
+            <a:pPr algn="l"/>
+            <a:r>
+              <a:rPr lang="en-US" sz="1600" dirty="0" err="1"/>
+              <a:t>remove_device_filterBy_devices</a:t>
+            </a:r>
+            <a:r>
+              <a:rPr lang="en-US" sz="1600" dirty="0"/>
+              <a:t>(when Filter by is on Devices) –</a:t>
+            </a:r>
+          </a:p>
+          <a:p>
+            <a:pPr algn="l"/>
+            <a:r>
+              <a:rPr lang="en-US" sz="1600" dirty="0" err="1"/>
+              <a:t>get_selected_domain_or_chassis_filterBy_domain_or_chassis</a:t>
+            </a:r>
+            <a:r>
+              <a:rPr lang="en-US" sz="1600" dirty="0"/>
+              <a:t>(when Filter by is on Domain/Chassis) –</a:t>
+            </a:r>
+          </a:p>
+          <a:p>
+            <a:pPr algn="l"/>
+            <a:r>
+              <a:rPr lang="en-US" sz="1600" dirty="0" err="1"/>
+              <a:t>reset_domain_or_chassis_filterBy_domain_or_chassis</a:t>
+            </a:r>
+            <a:r>
+              <a:rPr lang="en-US" sz="1600" dirty="0"/>
+              <a:t>(when Filter by is on Domain/Chassis) –</a:t>
+            </a:r>
+          </a:p>
+          <a:p>
+            <a:pPr algn="l"/>
+            <a:r>
+              <a:rPr lang="en-US" sz="1600" dirty="0" err="1"/>
+              <a:t>select_domain_or_chassis_filterBy_domain_or_chassis</a:t>
+            </a:r>
+            <a:r>
+              <a:rPr lang="en-US" sz="1600" dirty="0"/>
+              <a:t>(when Filter by is on Domain/Chassis) –</a:t>
+            </a:r>
+          </a:p>
+          <a:p>
+            <a:pPr algn="l"/>
+            <a:r>
+              <a:rPr lang="en-US" sz="1600" dirty="0" err="1"/>
+              <a:t>set_all_devices_filterBy_device_type</a:t>
+            </a:r>
+            <a:r>
+              <a:rPr lang="en-US" sz="1600" dirty="0"/>
+              <a:t>(when Filter by is on Device type) –</a:t>
+            </a:r>
+          </a:p>
+          <a:p>
+            <a:pPr algn="l"/>
+            <a:r>
+              <a:rPr lang="en-US" sz="1600" dirty="0" err="1"/>
+              <a:t>get_all_selected_devices_filterBy_device_type</a:t>
+            </a:r>
+            <a:r>
+              <a:rPr lang="en-US" sz="1600" dirty="0"/>
+              <a:t>(when Filter by is on Device type) –</a:t>
+            </a:r>
+          </a:p>
+          <a:p>
+            <a:pPr algn="l"/>
+            <a:r>
+              <a:rPr lang="en-US" sz="1600" dirty="0" err="1"/>
+              <a:t>select_device_type_filterBy_device_type</a:t>
+            </a:r>
+            <a:r>
+              <a:rPr lang="en-US" sz="1600" dirty="0"/>
+              <a:t>(when Filter by is on Device type) –</a:t>
+            </a:r>
+          </a:p>
+          <a:p>
+            <a:pPr algn="l"/>
+            <a:r>
+              <a:rPr lang="en-US" sz="1600" dirty="0" err="1"/>
+              <a:t>remove_device_type_filterBy_device_type</a:t>
+            </a:r>
+            <a:r>
+              <a:rPr lang="en-US" sz="1600" dirty="0"/>
+              <a:t>(when Filter by is on Device type) –</a:t>
+            </a:r>
+          </a:p>
+          <a:p>
+            <a:pPr algn="l"/>
+            <a:r>
+              <a:rPr lang="en-US" sz="1600" dirty="0" err="1"/>
+              <a:t>get_date</a:t>
+            </a:r>
+            <a:r>
+              <a:rPr lang="en-US" sz="1600" dirty="0"/>
+              <a:t> – </a:t>
+            </a:r>
+          </a:p>
+          <a:p>
+            <a:pPr algn="l"/>
+            <a:r>
+              <a:rPr lang="en-US" sz="1600" dirty="0" err="1"/>
+              <a:t>set_date</a:t>
+            </a:r>
+            <a:r>
+              <a:rPr lang="en-US" sz="1600" dirty="0"/>
+              <a:t> –</a:t>
+            </a:r>
+          </a:p>
+          <a:p>
+            <a:pPr algn="l"/>
+            <a:r>
+              <a:rPr lang="en-US" sz="1600" dirty="0" err="1"/>
+              <a:t>set_message</a:t>
+            </a:r>
+            <a:r>
+              <a:rPr lang="en-US" sz="1600" dirty="0"/>
+              <a:t> - </a:t>
+            </a:r>
+          </a:p>
+          <a:p>
+            <a:pPr algn="l"/>
+            <a:endParaRPr lang="en-US" sz="1600" dirty="0"/>
+          </a:p>
+          <a:p>
+            <a:pPr algn="l"/>
+            <a:endParaRPr lang="en-US" sz="1600" dirty="0"/>
+          </a:p>
+          <a:p>
+            <a:pPr algn="l"/>
+            <a:endParaRPr lang="en-US" sz="1600" dirty="0"/>
           </a:p>
           <a:p>
             <a:pPr algn="l"/>
@@ -5008,6 +6495,260 @@
 </file>
 
 <file path=ppt/slides/slide6.xml><?xml version="1.0" encoding="utf-8"?>
+<p:sld xmlns:a="http://schemas.openxmlformats.org/drawingml/2006/main" xmlns:r="http://schemas.openxmlformats.org/officeDocument/2006/relationships" xmlns:p="http://schemas.openxmlformats.org/presentationml/2006/main">
+  <p:cSld>
+    <p:spTree>
+      <p:nvGrpSpPr>
+        <p:cNvPr id="1" name="">
+          <a:extLst>
+            <a:ext uri="{FF2B5EF4-FFF2-40B4-BE49-F238E27FC236}">
+              <a16:creationId xmlns:a16="http://schemas.microsoft.com/office/drawing/2014/main" id="{48D0B079-D69F-0795-1382-F10BD17D7F95}"/>
+            </a:ext>
+          </a:extLst>
+        </p:cNvPr>
+        <p:cNvGrpSpPr/>
+        <p:nvPr/>
+      </p:nvGrpSpPr>
+      <p:grpSpPr>
+        <a:xfrm>
+          <a:off x="0" y="0"/>
+          <a:ext cx="0" cy="0"/>
+          <a:chOff x="0" y="0"/>
+          <a:chExt cx="0" cy="0"/>
+        </a:xfrm>
+      </p:grpSpPr>
+      <p:sp>
+        <p:nvSpPr>
+          <p:cNvPr id="3" name="Subtitle 2">
+            <a:extLst>
+              <a:ext uri="{FF2B5EF4-FFF2-40B4-BE49-F238E27FC236}">
+                <a16:creationId xmlns:a16="http://schemas.microsoft.com/office/drawing/2014/main" id="{155A71B0-B782-8ADE-17B0-B576B10E79A6}"/>
+              </a:ext>
+            </a:extLst>
+          </p:cNvPr>
+          <p:cNvSpPr>
+            <a:spLocks noGrp="1"/>
+          </p:cNvSpPr>
+          <p:nvPr>
+            <p:ph type="subTitle" idx="1"/>
+          </p:nvPr>
+        </p:nvSpPr>
+        <p:spPr>
+          <a:xfrm>
+            <a:off x="106680" y="99886"/>
+            <a:ext cx="11990832" cy="6666674"/>
+          </a:xfrm>
+        </p:spPr>
+        <p:txBody>
+          <a:bodyPr>
+            <a:normAutofit/>
+          </a:bodyPr>
+          <a:lstStyle/>
+          <a:p>
+            <a:pPr algn="l"/>
+            <a:r>
+              <a:rPr lang="en-US" sz="1800" b="1" dirty="0" err="1"/>
+              <a:t>service_list</a:t>
+            </a:r>
+            <a:r>
+              <a:rPr lang="en-US" sz="1800" b="1" dirty="0"/>
+              <a:t>:</a:t>
+            </a:r>
+          </a:p>
+          <a:p>
+            <a:pPr algn="l"/>
+            <a:r>
+              <a:rPr lang="en-US" sz="1600" dirty="0" err="1"/>
+              <a:t>get_order_by</a:t>
+            </a:r>
+            <a:r>
+              <a:rPr lang="en-US" sz="1600" dirty="0"/>
+              <a:t> –</a:t>
+            </a:r>
+          </a:p>
+          <a:p>
+            <a:pPr algn="l"/>
+            <a:r>
+              <a:rPr lang="en-US" sz="1600" dirty="0" err="1"/>
+              <a:t>set_order_by</a:t>
+            </a:r>
+            <a:r>
+              <a:rPr lang="en-US" sz="1600" dirty="0"/>
+              <a:t> –</a:t>
+            </a:r>
+          </a:p>
+          <a:p>
+            <a:pPr algn="l"/>
+            <a:r>
+              <a:rPr lang="en-US" sz="1600" dirty="0" err="1"/>
+              <a:t>set_order_by_all</a:t>
+            </a:r>
+            <a:r>
+              <a:rPr lang="en-US" sz="1600" dirty="0"/>
+              <a:t> – </a:t>
+            </a:r>
+          </a:p>
+          <a:p>
+            <a:pPr algn="l"/>
+            <a:r>
+              <a:rPr lang="en-US" sz="1600" dirty="0" err="1"/>
+              <a:t>enable_descending_order</a:t>
+            </a:r>
+            <a:r>
+              <a:rPr lang="en-US" sz="1600" dirty="0"/>
+              <a:t> – </a:t>
+            </a:r>
+          </a:p>
+          <a:p>
+            <a:pPr algn="l"/>
+            <a:r>
+              <a:rPr lang="en-US" sz="1600" dirty="0" err="1"/>
+              <a:t>disable_descending_order</a:t>
+            </a:r>
+            <a:r>
+              <a:rPr lang="en-US" sz="1600" dirty="0"/>
+              <a:t> – </a:t>
+            </a:r>
+          </a:p>
+          <a:p>
+            <a:pPr algn="l"/>
+            <a:r>
+              <a:rPr lang="en-US" sz="1600" dirty="0" err="1"/>
+              <a:t>click_previous</a:t>
+            </a:r>
+            <a:r>
+              <a:rPr lang="en-US" sz="1600" dirty="0"/>
+              <a:t> – </a:t>
+            </a:r>
+          </a:p>
+          <a:p>
+            <a:pPr algn="l"/>
+            <a:r>
+              <a:rPr lang="en-US" sz="1600" dirty="0" err="1"/>
+              <a:t>click_next</a:t>
+            </a:r>
+            <a:r>
+              <a:rPr lang="en-US" sz="1600" dirty="0"/>
+              <a:t> – </a:t>
+            </a:r>
+          </a:p>
+          <a:p>
+            <a:pPr algn="l"/>
+            <a:r>
+              <a:rPr lang="en-US" sz="1600" dirty="0" err="1"/>
+              <a:t>open_events_alarms</a:t>
+            </a:r>
+            <a:r>
+              <a:rPr lang="en-US" sz="1600" dirty="0"/>
+              <a:t> – </a:t>
+            </a:r>
+          </a:p>
+          <a:p>
+            <a:pPr algn="l"/>
+            <a:r>
+              <a:rPr lang="en-US" sz="1600" dirty="0" err="1"/>
+              <a:t>close_events_alarms</a:t>
+            </a:r>
+            <a:r>
+              <a:rPr lang="en-US" sz="1600" dirty="0"/>
+              <a:t> -</a:t>
+            </a:r>
+          </a:p>
+          <a:p>
+            <a:pPr algn="l"/>
+            <a:r>
+              <a:rPr lang="en-US" sz="1600" dirty="0" err="1"/>
+              <a:t>Fuctions</a:t>
+            </a:r>
+            <a:r>
+              <a:rPr lang="en-US" sz="1600" dirty="0"/>
+              <a:t> on Events/Alarms table content…..</a:t>
+            </a:r>
+          </a:p>
+          <a:p>
+            <a:pPr algn="l"/>
+            <a:endParaRPr lang="en-US" sz="1600" dirty="0"/>
+          </a:p>
+          <a:p>
+            <a:pPr algn="l"/>
+            <a:r>
+              <a:rPr lang="en-US" sz="1600" dirty="0" err="1"/>
+              <a:t>click_edit_columns</a:t>
+            </a:r>
+            <a:r>
+              <a:rPr lang="en-US" sz="1600" dirty="0"/>
+              <a:t> – </a:t>
+            </a:r>
+          </a:p>
+          <a:p>
+            <a:pPr algn="l"/>
+            <a:r>
+              <a:rPr lang="en-US" sz="1600" dirty="0" err="1"/>
+              <a:t>click_save_changes</a:t>
+            </a:r>
+            <a:r>
+              <a:rPr lang="en-US" sz="1600" dirty="0"/>
+              <a:t> – </a:t>
+            </a:r>
+          </a:p>
+          <a:p>
+            <a:pPr algn="l"/>
+            <a:r>
+              <a:rPr lang="en-US" sz="1600" dirty="0" err="1"/>
+              <a:t>click_revert_changes</a:t>
+            </a:r>
+            <a:r>
+              <a:rPr lang="en-US" sz="1600" dirty="0"/>
+              <a:t> - </a:t>
+            </a:r>
+          </a:p>
+          <a:p>
+            <a:pPr algn="l"/>
+            <a:endParaRPr lang="en-US" sz="1600" dirty="0"/>
+          </a:p>
+          <a:p>
+            <a:pPr algn="l"/>
+            <a:r>
+              <a:rPr lang="en-US" sz="1600" dirty="0" err="1"/>
+              <a:t>Fuctions</a:t>
+            </a:r>
+            <a:r>
+              <a:rPr lang="en-US" sz="1600" dirty="0"/>
+              <a:t> on the table content…..</a:t>
+            </a:r>
+          </a:p>
+          <a:p>
+            <a:pPr algn="l"/>
+            <a:endParaRPr lang="en-US" sz="1600" dirty="0"/>
+          </a:p>
+          <a:p>
+            <a:pPr algn="l"/>
+            <a:endParaRPr lang="en-US" sz="1600" dirty="0"/>
+          </a:p>
+          <a:p>
+            <a:pPr algn="l"/>
+            <a:endParaRPr lang="en-US" sz="1600" dirty="0"/>
+          </a:p>
+          <a:p>
+            <a:pPr algn="l"/>
+            <a:endParaRPr lang="en-US" sz="1600" dirty="0"/>
+          </a:p>
+        </p:txBody>
+      </p:sp>
+    </p:spTree>
+    <p:extLst>
+      <p:ext uri="{BB962C8B-B14F-4D97-AF65-F5344CB8AC3E}">
+        <p14:creationId xmlns:p14="http://schemas.microsoft.com/office/powerpoint/2010/main" val="38413639"/>
+      </p:ext>
+    </p:extLst>
+  </p:cSld>
+  <p:clrMapOvr>
+    <a:masterClrMapping/>
+  </p:clrMapOvr>
+</p:sld>
+</file>
+
+<file path=ppt/slides/slide7.xml><?xml version="1.0" encoding="utf-8"?>
 <p:sld xmlns:a="http://schemas.openxmlformats.org/drawingml/2006/main" xmlns:r="http://schemas.openxmlformats.org/officeDocument/2006/relationships" xmlns:p="http://schemas.openxmlformats.org/presentationml/2006/main">
   <p:cSld>
     <p:spTree>
@@ -5071,8 +6812,45 @@
           <a:p>
             <a:pPr algn="l"/>
             <a:r>
-              <a:rPr lang="en-US" sz="1600" dirty="0"/>
-              <a:t>f</a:t>
+              <a:rPr lang="en-US" sz="1600" dirty="0" err="1"/>
+              <a:t>create_ROADM_service</a:t>
+            </a:r>
+            <a:r>
+              <a:rPr lang="en-US" sz="1600" dirty="0"/>
+              <a:t> – </a:t>
+            </a:r>
+          </a:p>
+          <a:p>
+            <a:pPr algn="l"/>
+            <a:r>
+              <a:rPr lang="en-US" sz="1600" dirty="0" err="1"/>
+              <a:t>create_OTN_service</a:t>
+            </a:r>
+            <a:r>
+              <a:rPr lang="en-US" sz="1600" dirty="0"/>
+              <a:t> – </a:t>
+            </a:r>
+          </a:p>
+          <a:p>
+            <a:pPr algn="l"/>
+            <a:r>
+              <a:rPr lang="en-US" sz="1600" dirty="0" err="1"/>
+              <a:t>create_CHASSIS_service</a:t>
+            </a:r>
+            <a:r>
+              <a:rPr lang="en-US" sz="1600" dirty="0"/>
+              <a:t> –</a:t>
+            </a:r>
+          </a:p>
+          <a:p>
+            <a:pPr algn="l"/>
+            <a:r>
+              <a:rPr lang="en-US" sz="1600" dirty="0" err="1"/>
+              <a:t>click_exit</a:t>
+            </a:r>
+            <a:r>
+              <a:rPr lang="en-US" sz="1600" dirty="0"/>
+              <a:t> - </a:t>
             </a:r>
           </a:p>
           <a:p>
@@ -5098,7 +6876,7 @@
 </p:sld>
 </file>
 
-<file path=ppt/slides/slide7.xml><?xml version="1.0" encoding="utf-8"?>
+<file path=ppt/slides/slide8.xml><?xml version="1.0" encoding="utf-8"?>
 <p:sld xmlns:a="http://schemas.openxmlformats.org/drawingml/2006/main" xmlns:r="http://schemas.openxmlformats.org/officeDocument/2006/relationships" xmlns:p="http://schemas.openxmlformats.org/presentationml/2006/main">
   <p:cSld>
     <p:spTree>
@@ -5159,7 +6937,7 @@
             <a:pPr algn="l"/>
             <a:r>
               <a:rPr lang="en-US" sz="1600" dirty="0"/>
-              <a:t>f</a:t>
+              <a:t>pass</a:t>
             </a:r>
           </a:p>
           <a:p>
@@ -5185,7 +6963,7 @@
 </p:sld>
 </file>
 
-<file path=ppt/slides/slide8.xml><?xml version="1.0" encoding="utf-8"?>
+<file path=ppt/slides/slide9.xml><?xml version="1.0" encoding="utf-8"?>
 <p:sld xmlns:a="http://schemas.openxmlformats.org/drawingml/2006/main" xmlns:r="http://schemas.openxmlformats.org/officeDocument/2006/relationships" xmlns:p="http://schemas.openxmlformats.org/presentationml/2006/main">
   <p:cSld>
     <p:spTree>
@@ -5249,13 +7027,156 @@
           <a:p>
             <a:pPr algn="l"/>
             <a:r>
-              <a:rPr lang="en-US" sz="1600" dirty="0"/>
-              <a:t>f</a:t>
-            </a:r>
-          </a:p>
-          <a:p>
-            <a:pPr algn="l"/>
-            <a:endParaRPr lang="en-US" sz="1600" dirty="0"/>
+              <a:rPr lang="en-US" sz="1600" dirty="0" err="1"/>
+              <a:t>set_IP_address</a:t>
+            </a:r>
+            <a:r>
+              <a:rPr lang="en-US" sz="1600" dirty="0"/>
+              <a:t> – </a:t>
+            </a:r>
+          </a:p>
+          <a:p>
+            <a:pPr algn="l"/>
+            <a:r>
+              <a:rPr lang="en-US" sz="1600" dirty="0" err="1"/>
+              <a:t>get_IP_address</a:t>
+            </a:r>
+            <a:r>
+              <a:rPr lang="en-US" sz="1600" dirty="0"/>
+              <a:t> – </a:t>
+            </a:r>
+          </a:p>
+          <a:p>
+            <a:pPr algn="l"/>
+            <a:r>
+              <a:rPr lang="en-US" sz="1600" dirty="0" err="1"/>
+              <a:t>start_discovery_for_IP_range</a:t>
+            </a:r>
+            <a:r>
+              <a:rPr lang="en-US" sz="1600" dirty="0"/>
+              <a:t> – </a:t>
+            </a:r>
+          </a:p>
+          <a:p>
+            <a:pPr algn="l"/>
+            <a:r>
+              <a:rPr lang="en-US" sz="1600" dirty="0" err="1"/>
+              <a:t>set_start_IP_range</a:t>
+            </a:r>
+            <a:r>
+              <a:rPr lang="en-US" sz="1600" dirty="0"/>
+              <a:t> – </a:t>
+            </a:r>
+          </a:p>
+          <a:p>
+            <a:pPr algn="l"/>
+            <a:r>
+              <a:rPr lang="en-US" sz="1600" dirty="0" err="1"/>
+              <a:t>get_start_IP_range</a:t>
+            </a:r>
+            <a:r>
+              <a:rPr lang="en-US" sz="1600" dirty="0"/>
+              <a:t> –</a:t>
+            </a:r>
+          </a:p>
+          <a:p>
+            <a:pPr algn="l"/>
+            <a:r>
+              <a:rPr lang="en-US" sz="1600" dirty="0" err="1"/>
+              <a:t>set_end_IP_range</a:t>
+            </a:r>
+            <a:r>
+              <a:rPr lang="en-US" sz="1600" dirty="0"/>
+              <a:t> – </a:t>
+            </a:r>
+          </a:p>
+          <a:p>
+            <a:pPr algn="l"/>
+            <a:r>
+              <a:rPr lang="en-US" sz="1600" dirty="0" err="1"/>
+              <a:t>get_end_IP_range</a:t>
+            </a:r>
+            <a:r>
+              <a:rPr lang="en-US" sz="1600" dirty="0"/>
+              <a:t> – </a:t>
+            </a:r>
+          </a:p>
+          <a:p>
+            <a:pPr algn="l"/>
+            <a:r>
+              <a:rPr lang="en-US" sz="1600" dirty="0"/>
+              <a:t>ICMP??? </a:t>
+            </a:r>
+          </a:p>
+          <a:p>
+            <a:pPr algn="l"/>
+            <a:r>
+              <a:rPr lang="en-US" sz="1600" dirty="0"/>
+              <a:t>set_SNMPv2_read_community - </a:t>
+            </a:r>
+          </a:p>
+          <a:p>
+            <a:pPr algn="l"/>
+            <a:r>
+              <a:rPr lang="en-US" sz="1600" dirty="0"/>
+              <a:t>get_SNMPv2_read_community - </a:t>
+            </a:r>
+          </a:p>
+          <a:p>
+            <a:pPr algn="l"/>
+            <a:r>
+              <a:rPr lang="en-US" sz="1600" dirty="0"/>
+              <a:t>set_SNMPv2_write_community - </a:t>
+            </a:r>
+          </a:p>
+          <a:p>
+            <a:pPr algn="l"/>
+            <a:r>
+              <a:rPr lang="en-US" sz="1600" dirty="0"/>
+              <a:t>get_SNMPv2_write_community - </a:t>
+            </a:r>
+          </a:p>
+          <a:p>
+            <a:pPr algn="l"/>
+            <a:r>
+              <a:rPr lang="en-US" sz="1600" dirty="0"/>
+              <a:t>set_SNMPv2_admin_community - </a:t>
+            </a:r>
+          </a:p>
+          <a:p>
+            <a:pPr algn="l"/>
+            <a:r>
+              <a:rPr lang="en-US" sz="1600" dirty="0"/>
+              <a:t>get_SNMPv2_admin_community - </a:t>
+            </a:r>
+          </a:p>
+          <a:p>
+            <a:pPr algn="l"/>
+            <a:r>
+              <a:rPr lang="en-US" sz="1600" dirty="0"/>
+              <a:t>set_SNMPv2_contact_port - </a:t>
+            </a:r>
+          </a:p>
+          <a:p>
+            <a:pPr algn="l"/>
+            <a:r>
+              <a:rPr lang="en-US" sz="1600" dirty="0"/>
+              <a:t>get_SNMPv2_contact_port - </a:t>
+            </a:r>
+          </a:p>
+          <a:p>
+            <a:pPr algn="l"/>
+            <a:r>
+              <a:rPr lang="en-US" sz="1600" dirty="0"/>
+              <a:t>set_SNMPv2_performance_transport_protocol - </a:t>
+            </a:r>
+          </a:p>
+          <a:p>
+            <a:pPr algn="l"/>
+            <a:r>
+              <a:rPr lang="en-US" sz="1600" dirty="0"/>
+              <a:t>get_SNMPv2_performance_transport_protocol – </a:t>
+            </a:r>
           </a:p>
           <a:p>
             <a:pPr algn="l"/>
@@ -5267,97 +7188,6 @@
     <p:extLst>
       <p:ext uri="{BB962C8B-B14F-4D97-AF65-F5344CB8AC3E}">
         <p14:creationId xmlns:p14="http://schemas.microsoft.com/office/powerpoint/2010/main" val="792261236"/>
-      </p:ext>
-    </p:extLst>
-  </p:cSld>
-  <p:clrMapOvr>
-    <a:masterClrMapping/>
-  </p:clrMapOvr>
-</p:sld>
-</file>
-
-<file path=ppt/slides/slide9.xml><?xml version="1.0" encoding="utf-8"?>
-<p:sld xmlns:a="http://schemas.openxmlformats.org/drawingml/2006/main" xmlns:r="http://schemas.openxmlformats.org/officeDocument/2006/relationships" xmlns:p="http://schemas.openxmlformats.org/presentationml/2006/main">
-  <p:cSld>
-    <p:spTree>
-      <p:nvGrpSpPr>
-        <p:cNvPr id="1" name="">
-          <a:extLst>
-            <a:ext uri="{FF2B5EF4-FFF2-40B4-BE49-F238E27FC236}">
-              <a16:creationId xmlns:a16="http://schemas.microsoft.com/office/drawing/2014/main" id="{4A3A210A-D69F-AD34-DD06-F7286CD1D15C}"/>
-            </a:ext>
-          </a:extLst>
-        </p:cNvPr>
-        <p:cNvGrpSpPr/>
-        <p:nvPr/>
-      </p:nvGrpSpPr>
-      <p:grpSpPr>
-        <a:xfrm>
-          <a:off x="0" y="0"/>
-          <a:ext cx="0" cy="0"/>
-          <a:chOff x="0" y="0"/>
-          <a:chExt cx="0" cy="0"/>
-        </a:xfrm>
-      </p:grpSpPr>
-      <p:sp>
-        <p:nvSpPr>
-          <p:cNvPr id="3" name="Subtitle 2">
-            <a:extLst>
-              <a:ext uri="{FF2B5EF4-FFF2-40B4-BE49-F238E27FC236}">
-                <a16:creationId xmlns:a16="http://schemas.microsoft.com/office/drawing/2014/main" id="{16217D20-A13A-4794-368E-C64EAD83DA3E}"/>
-              </a:ext>
-            </a:extLst>
-          </p:cNvPr>
-          <p:cNvSpPr>
-            <a:spLocks noGrp="1"/>
-          </p:cNvSpPr>
-          <p:nvPr>
-            <p:ph type="subTitle" idx="1"/>
-          </p:nvPr>
-        </p:nvSpPr>
-        <p:spPr>
-          <a:xfrm>
-            <a:off x="106680" y="99886"/>
-            <a:ext cx="11990832" cy="6666674"/>
-          </a:xfrm>
-        </p:spPr>
-        <p:txBody>
-          <a:bodyPr>
-            <a:normAutofit/>
-          </a:bodyPr>
-          <a:lstStyle/>
-          <a:p>
-            <a:pPr algn="l"/>
-            <a:r>
-              <a:rPr lang="en-US" sz="1800" b="1" dirty="0" err="1"/>
-              <a:t>domain_management</a:t>
-            </a:r>
-            <a:r>
-              <a:rPr lang="en-US" sz="1800" b="1" dirty="0"/>
-              <a:t>:</a:t>
-            </a:r>
-          </a:p>
-          <a:p>
-            <a:pPr algn="l"/>
-            <a:r>
-              <a:rPr lang="en-US" sz="1600" dirty="0"/>
-              <a:t>f</a:t>
-            </a:r>
-          </a:p>
-          <a:p>
-            <a:pPr algn="l"/>
-            <a:endParaRPr lang="en-US" sz="1600" dirty="0"/>
-          </a:p>
-          <a:p>
-            <a:pPr algn="l"/>
-            <a:endParaRPr lang="en-US" sz="1600" dirty="0"/>
-          </a:p>
-        </p:txBody>
-      </p:sp>
-    </p:spTree>
-    <p:extLst>
-      <p:ext uri="{BB962C8B-B14F-4D97-AF65-F5344CB8AC3E}">
-        <p14:creationId xmlns:p14="http://schemas.microsoft.com/office/powerpoint/2010/main" val="1760931091"/>
       </p:ext>
     </p:extLst>
   </p:cSld>

--- a/Docs/Progress_Check_Box.pptx
+++ b/Docs/Progress_Check_Box.pptx
@@ -5998,7 +5998,7 @@
             </a:r>
             <a:r>
               <a:rPr lang="en-US" sz="1600" dirty="0"/>
-              <a:t> – </a:t>
+              <a:t> – ✅</a:t>
             </a:r>
           </a:p>
           <a:p>
@@ -6009,7 +6009,7 @@
             </a:r>
             <a:r>
               <a:rPr lang="en-US" sz="1600" dirty="0"/>
-              <a:t> – </a:t>
+              <a:t> – ✅</a:t>
             </a:r>
           </a:p>
           <a:p>
@@ -6020,7 +6020,7 @@
             </a:r>
             <a:r>
               <a:rPr lang="en-US" sz="1600" dirty="0"/>
-              <a:t> – </a:t>
+              <a:t> – ✅</a:t>
             </a:r>
           </a:p>
           <a:p>

--- a/Docs/Progress_Check_Box.pptx
+++ b/Docs/Progress_Check_Box.pptx
@@ -5,24 +5,39 @@
     <p:sldMasterId id="2147483648" r:id="rId1"/>
   </p:sldMasterIdLst>
   <p:notesMasterIdLst>
-    <p:notesMasterId r:id="rId17"/>
+    <p:notesMasterId r:id="rId32"/>
   </p:notesMasterIdLst>
   <p:sldIdLst>
-    <p:sldId id="256" r:id="rId2"/>
-    <p:sldId id="257" r:id="rId3"/>
-    <p:sldId id="258" r:id="rId4"/>
-    <p:sldId id="259" r:id="rId5"/>
-    <p:sldId id="260" r:id="rId6"/>
-    <p:sldId id="268" r:id="rId7"/>
-    <p:sldId id="261" r:id="rId8"/>
-    <p:sldId id="267" r:id="rId9"/>
-    <p:sldId id="262" r:id="rId10"/>
-    <p:sldId id="269" r:id="rId11"/>
-    <p:sldId id="263" r:id="rId12"/>
-    <p:sldId id="264" r:id="rId13"/>
-    <p:sldId id="265" r:id="rId14"/>
-    <p:sldId id="266" r:id="rId15"/>
-    <p:sldId id="270" r:id="rId16"/>
+    <p:sldId id="272" r:id="rId2"/>
+    <p:sldId id="256" r:id="rId3"/>
+    <p:sldId id="273" r:id="rId4"/>
+    <p:sldId id="257" r:id="rId5"/>
+    <p:sldId id="274" r:id="rId6"/>
+    <p:sldId id="258" r:id="rId7"/>
+    <p:sldId id="259" r:id="rId8"/>
+    <p:sldId id="275" r:id="rId9"/>
+    <p:sldId id="260" r:id="rId10"/>
+    <p:sldId id="268" r:id="rId11"/>
+    <p:sldId id="284" r:id="rId12"/>
+    <p:sldId id="276" r:id="rId13"/>
+    <p:sldId id="261" r:id="rId14"/>
+    <p:sldId id="277" r:id="rId15"/>
+    <p:sldId id="267" r:id="rId16"/>
+    <p:sldId id="278" r:id="rId17"/>
+    <p:sldId id="262" r:id="rId18"/>
+    <p:sldId id="269" r:id="rId19"/>
+    <p:sldId id="285" r:id="rId20"/>
+    <p:sldId id="279" r:id="rId21"/>
+    <p:sldId id="263" r:id="rId22"/>
+    <p:sldId id="280" r:id="rId23"/>
+    <p:sldId id="264" r:id="rId24"/>
+    <p:sldId id="281" r:id="rId25"/>
+    <p:sldId id="265" r:id="rId26"/>
+    <p:sldId id="282" r:id="rId27"/>
+    <p:sldId id="266" r:id="rId28"/>
+    <p:sldId id="283" r:id="rId29"/>
+    <p:sldId id="271" r:id="rId30"/>
+    <p:sldId id="270" r:id="rId31"/>
   </p:sldIdLst>
   <p:sldSz cx="12192000" cy="6858000"/>
   <p:notesSz cx="6858000" cy="9144000"/>
@@ -211,7 +226,7 @@
           <a:p>
             <a:fld id="{9CD5D8E4-A320-4C82-BF1E-497B145FD5B9}" type="datetimeFigureOut">
               <a:rPr lang="en-US" smtClean="0"/>
-              <a:t>1/22/2026</a:t>
+              <a:t>1/29/2026</a:t>
             </a:fld>
             <a:endParaRPr lang="en-US"/>
           </a:p>
@@ -478,6 +493,174 @@
 </p:notesMaster>
 </file>
 
+<file path=ppt/notesSlides/notesSlide1.xml><?xml version="1.0" encoding="utf-8"?>
+<p:notes xmlns:a="http://schemas.openxmlformats.org/drawingml/2006/main" xmlns:r="http://schemas.openxmlformats.org/officeDocument/2006/relationships" xmlns:p="http://schemas.openxmlformats.org/presentationml/2006/main">
+  <p:cSld>
+    <p:spTree>
+      <p:nvGrpSpPr>
+        <p:cNvPr id="1" name=""/>
+        <p:cNvGrpSpPr/>
+        <p:nvPr/>
+      </p:nvGrpSpPr>
+      <p:grpSpPr>
+        <a:xfrm>
+          <a:off x="0" y="0"/>
+          <a:ext cx="0" cy="0"/>
+          <a:chOff x="0" y="0"/>
+          <a:chExt cx="0" cy="0"/>
+        </a:xfrm>
+      </p:grpSpPr>
+      <p:sp>
+        <p:nvSpPr>
+          <p:cNvPr id="2" name="Slide Image Placeholder 1"/>
+          <p:cNvSpPr>
+            <a:spLocks noGrp="1" noRot="1" noChangeAspect="1"/>
+          </p:cNvSpPr>
+          <p:nvPr>
+            <p:ph type="sldImg"/>
+          </p:nvPr>
+        </p:nvSpPr>
+        <p:spPr/>
+      </p:sp>
+      <p:sp>
+        <p:nvSpPr>
+          <p:cNvPr id="3" name="Notes Placeholder 2"/>
+          <p:cNvSpPr>
+            <a:spLocks noGrp="1"/>
+          </p:cNvSpPr>
+          <p:nvPr>
+            <p:ph type="body" idx="1"/>
+          </p:nvPr>
+        </p:nvSpPr>
+        <p:spPr/>
+        <p:txBody>
+          <a:bodyPr/>
+          <a:lstStyle/>
+          <a:p>
+            <a:endParaRPr lang="en-US" dirty="0"/>
+          </a:p>
+        </p:txBody>
+      </p:sp>
+      <p:sp>
+        <p:nvSpPr>
+          <p:cNvPr id="4" name="Slide Number Placeholder 3"/>
+          <p:cNvSpPr>
+            <a:spLocks noGrp="1"/>
+          </p:cNvSpPr>
+          <p:nvPr>
+            <p:ph type="sldNum" sz="quarter" idx="5"/>
+          </p:nvPr>
+        </p:nvSpPr>
+        <p:spPr/>
+        <p:txBody>
+          <a:bodyPr/>
+          <a:lstStyle/>
+          <a:p>
+            <a:fld id="{3D47B12C-7140-415A-B0C1-FFF42EF0303A}" type="slidenum">
+              <a:rPr lang="en-US" smtClean="0"/>
+              <a:t>7</a:t>
+            </a:fld>
+            <a:endParaRPr lang="en-US"/>
+          </a:p>
+        </p:txBody>
+      </p:sp>
+    </p:spTree>
+    <p:extLst>
+      <p:ext uri="{BB962C8B-B14F-4D97-AF65-F5344CB8AC3E}">
+        <p14:creationId xmlns:p14="http://schemas.microsoft.com/office/powerpoint/2010/main" val="3270421550"/>
+      </p:ext>
+    </p:extLst>
+  </p:cSld>
+  <p:clrMapOvr>
+    <a:masterClrMapping/>
+  </p:clrMapOvr>
+</p:notes>
+</file>
+
+<file path=ppt/notesSlides/notesSlide2.xml><?xml version="1.0" encoding="utf-8"?>
+<p:notes xmlns:a="http://schemas.openxmlformats.org/drawingml/2006/main" xmlns:r="http://schemas.openxmlformats.org/officeDocument/2006/relationships" xmlns:p="http://schemas.openxmlformats.org/presentationml/2006/main">
+  <p:cSld>
+    <p:spTree>
+      <p:nvGrpSpPr>
+        <p:cNvPr id="1" name=""/>
+        <p:cNvGrpSpPr/>
+        <p:nvPr/>
+      </p:nvGrpSpPr>
+      <p:grpSpPr>
+        <a:xfrm>
+          <a:off x="0" y="0"/>
+          <a:ext cx="0" cy="0"/>
+          <a:chOff x="0" y="0"/>
+          <a:chExt cx="0" cy="0"/>
+        </a:xfrm>
+      </p:grpSpPr>
+      <p:sp>
+        <p:nvSpPr>
+          <p:cNvPr id="2" name="Slide Image Placeholder 1"/>
+          <p:cNvSpPr>
+            <a:spLocks noGrp="1" noRot="1" noChangeAspect="1"/>
+          </p:cNvSpPr>
+          <p:nvPr>
+            <p:ph type="sldImg"/>
+          </p:nvPr>
+        </p:nvSpPr>
+        <p:spPr/>
+      </p:sp>
+      <p:sp>
+        <p:nvSpPr>
+          <p:cNvPr id="3" name="Notes Placeholder 2"/>
+          <p:cNvSpPr>
+            <a:spLocks noGrp="1"/>
+          </p:cNvSpPr>
+          <p:nvPr>
+            <p:ph type="body" idx="1"/>
+          </p:nvPr>
+        </p:nvSpPr>
+        <p:spPr/>
+        <p:txBody>
+          <a:bodyPr/>
+          <a:lstStyle/>
+          <a:p>
+            <a:endParaRPr lang="en-US" dirty="0"/>
+          </a:p>
+        </p:txBody>
+      </p:sp>
+      <p:sp>
+        <p:nvSpPr>
+          <p:cNvPr id="4" name="Slide Number Placeholder 3"/>
+          <p:cNvSpPr>
+            <a:spLocks noGrp="1"/>
+          </p:cNvSpPr>
+          <p:nvPr>
+            <p:ph type="sldNum" sz="quarter" idx="5"/>
+          </p:nvPr>
+        </p:nvSpPr>
+        <p:spPr/>
+        <p:txBody>
+          <a:bodyPr/>
+          <a:lstStyle/>
+          <a:p>
+            <a:fld id="{3D47B12C-7140-415A-B0C1-FFF42EF0303A}" type="slidenum">
+              <a:rPr lang="en-US" smtClean="0"/>
+              <a:t>9</a:t>
+            </a:fld>
+            <a:endParaRPr lang="en-US"/>
+          </a:p>
+        </p:txBody>
+      </p:sp>
+    </p:spTree>
+    <p:extLst>
+      <p:ext uri="{BB962C8B-B14F-4D97-AF65-F5344CB8AC3E}">
+        <p14:creationId xmlns:p14="http://schemas.microsoft.com/office/powerpoint/2010/main" val="2792595153"/>
+      </p:ext>
+    </p:extLst>
+  </p:cSld>
+  <p:clrMapOvr>
+    <a:masterClrMapping/>
+  </p:clrMapOvr>
+</p:notes>
+</file>
+
 <file path=ppt/slideLayouts/slideLayout1.xml><?xml version="1.0" encoding="utf-8"?>
 <p:sldLayout xmlns:a="http://schemas.openxmlformats.org/drawingml/2006/main" xmlns:r="http://schemas.openxmlformats.org/officeDocument/2006/relationships" xmlns:p="http://schemas.openxmlformats.org/presentationml/2006/main" type="title" preserve="1">
   <p:cSld name="Title Slide">
@@ -625,7 +808,7 @@
           <a:p>
             <a:fld id="{B1CD814F-3A2E-4FCD-B679-678770FA1B7D}" type="datetimeFigureOut">
               <a:rPr lang="en-US" smtClean="0"/>
-              <a:t>1/22/2026</a:t>
+              <a:t>1/29/2026</a:t>
             </a:fld>
             <a:endParaRPr lang="en-US"/>
           </a:p>
@@ -823,7 +1006,7 @@
           <a:p>
             <a:fld id="{B1CD814F-3A2E-4FCD-B679-678770FA1B7D}" type="datetimeFigureOut">
               <a:rPr lang="en-US" smtClean="0"/>
-              <a:t>1/22/2026</a:t>
+              <a:t>1/29/2026</a:t>
             </a:fld>
             <a:endParaRPr lang="en-US"/>
           </a:p>
@@ -1031,7 +1214,7 @@
           <a:p>
             <a:fld id="{B1CD814F-3A2E-4FCD-B679-678770FA1B7D}" type="datetimeFigureOut">
               <a:rPr lang="en-US" smtClean="0"/>
-              <a:t>1/22/2026</a:t>
+              <a:t>1/29/2026</a:t>
             </a:fld>
             <a:endParaRPr lang="en-US"/>
           </a:p>
@@ -1229,7 +1412,7 @@
           <a:p>
             <a:fld id="{B1CD814F-3A2E-4FCD-B679-678770FA1B7D}" type="datetimeFigureOut">
               <a:rPr lang="en-US" smtClean="0"/>
-              <a:t>1/22/2026</a:t>
+              <a:t>1/29/2026</a:t>
             </a:fld>
             <a:endParaRPr lang="en-US"/>
           </a:p>
@@ -1504,7 +1687,7 @@
           <a:p>
             <a:fld id="{B1CD814F-3A2E-4FCD-B679-678770FA1B7D}" type="datetimeFigureOut">
               <a:rPr lang="en-US" smtClean="0"/>
-              <a:t>1/22/2026</a:t>
+              <a:t>1/29/2026</a:t>
             </a:fld>
             <a:endParaRPr lang="en-US"/>
           </a:p>
@@ -1769,7 +1952,7 @@
           <a:p>
             <a:fld id="{B1CD814F-3A2E-4FCD-B679-678770FA1B7D}" type="datetimeFigureOut">
               <a:rPr lang="en-US" smtClean="0"/>
-              <a:t>1/22/2026</a:t>
+              <a:t>1/29/2026</a:t>
             </a:fld>
             <a:endParaRPr lang="en-US"/>
           </a:p>
@@ -2181,7 +2364,7 @@
           <a:p>
             <a:fld id="{B1CD814F-3A2E-4FCD-B679-678770FA1B7D}" type="datetimeFigureOut">
               <a:rPr lang="en-US" smtClean="0"/>
-              <a:t>1/22/2026</a:t>
+              <a:t>1/29/2026</a:t>
             </a:fld>
             <a:endParaRPr lang="en-US"/>
           </a:p>
@@ -2322,7 +2505,7 @@
           <a:p>
             <a:fld id="{B1CD814F-3A2E-4FCD-B679-678770FA1B7D}" type="datetimeFigureOut">
               <a:rPr lang="en-US" smtClean="0"/>
-              <a:t>1/22/2026</a:t>
+              <a:t>1/29/2026</a:t>
             </a:fld>
             <a:endParaRPr lang="en-US"/>
           </a:p>
@@ -2435,7 +2618,7 @@
           <a:p>
             <a:fld id="{B1CD814F-3A2E-4FCD-B679-678770FA1B7D}" type="datetimeFigureOut">
               <a:rPr lang="en-US" smtClean="0"/>
-              <a:t>1/22/2026</a:t>
+              <a:t>1/29/2026</a:t>
             </a:fld>
             <a:endParaRPr lang="en-US"/>
           </a:p>
@@ -2746,7 +2929,7 @@
           <a:p>
             <a:fld id="{B1CD814F-3A2E-4FCD-B679-678770FA1B7D}" type="datetimeFigureOut">
               <a:rPr lang="en-US" smtClean="0"/>
-              <a:t>1/22/2026</a:t>
+              <a:t>1/29/2026</a:t>
             </a:fld>
             <a:endParaRPr lang="en-US"/>
           </a:p>
@@ -3034,7 +3217,7 @@
           <a:p>
             <a:fld id="{B1CD814F-3A2E-4FCD-B679-678770FA1B7D}" type="datetimeFigureOut">
               <a:rPr lang="en-US" smtClean="0"/>
-              <a:t>1/22/2026</a:t>
+              <a:t>1/29/2026</a:t>
             </a:fld>
             <a:endParaRPr lang="en-US"/>
           </a:p>
@@ -3275,7 +3458,7 @@
           <a:p>
             <a:fld id="{B1CD814F-3A2E-4FCD-B679-678770FA1B7D}" type="datetimeFigureOut">
               <a:rPr lang="en-US" smtClean="0"/>
-              <a:t>1/22/2026</a:t>
+              <a:t>1/29/2026</a:t>
             </a:fld>
             <a:endParaRPr lang="en-US"/>
           </a:p>
@@ -3680,7 +3863,13 @@
   <p:cSld>
     <p:spTree>
       <p:nvGrpSpPr>
-        <p:cNvPr id="1" name=""/>
+        <p:cNvPr id="1" name="">
+          <a:extLst>
+            <a:ext uri="{FF2B5EF4-FFF2-40B4-BE49-F238E27FC236}">
+              <a16:creationId xmlns:a16="http://schemas.microsoft.com/office/drawing/2014/main" id="{86A30A58-6F12-57E8-067E-778380931F45}"/>
+            </a:ext>
+          </a:extLst>
+        </p:cNvPr>
         <p:cNvGrpSpPr/>
         <p:nvPr/>
       </p:nvGrpSpPr>
@@ -3694,10 +3883,10 @@
       </p:grpSpPr>
       <p:sp>
         <p:nvSpPr>
-          <p:cNvPr id="3" name="Subtitle 2">
-            <a:extLst>
-              <a:ext uri="{FF2B5EF4-FFF2-40B4-BE49-F238E27FC236}">
-                <a16:creationId xmlns:a16="http://schemas.microsoft.com/office/drawing/2014/main" id="{933A5C60-4C47-A859-5AF8-BA3EB255F843}"/>
+          <p:cNvPr id="5" name="Subtitle 4">
+            <a:extLst>
+              <a:ext uri="{FF2B5EF4-FFF2-40B4-BE49-F238E27FC236}">
+                <a16:creationId xmlns:a16="http://schemas.microsoft.com/office/drawing/2014/main" id="{92FA0D19-4D20-EFAB-8B89-EC92C74C9E3F}"/>
               </a:ext>
             </a:extLst>
           </p:cNvPr>
@@ -3710,81 +3899,50 @@
         </p:nvSpPr>
         <p:spPr>
           <a:xfrm>
-            <a:off x="106680" y="99886"/>
-            <a:ext cx="11990832" cy="6666674"/>
+            <a:off x="73152" y="91440"/>
+            <a:ext cx="12042648" cy="6693408"/>
           </a:xfrm>
+          <a:solidFill>
+            <a:schemeClr val="accent4">
+              <a:lumMod val="40000"/>
+              <a:lumOff val="60000"/>
+            </a:schemeClr>
+          </a:solidFill>
         </p:spPr>
         <p:txBody>
-          <a:bodyPr>
-            <a:normAutofit/>
-          </a:bodyPr>
+          <a:bodyPr/>
           <a:lstStyle/>
           <a:p>
-            <a:pPr algn="l"/>
-            <a:r>
-              <a:rPr lang="en-US" sz="1800" b="1" dirty="0" err="1"/>
+            <a:endParaRPr lang="en-US" dirty="0"/>
+          </a:p>
+          <a:p>
+            <a:endParaRPr lang="en-US" dirty="0"/>
+          </a:p>
+          <a:p>
+            <a:endParaRPr lang="en-US" dirty="0"/>
+          </a:p>
+          <a:p>
+            <a:endParaRPr lang="en-US" dirty="0"/>
+          </a:p>
+          <a:p>
+            <a:endParaRPr lang="en-US" dirty="0"/>
+          </a:p>
+          <a:p>
+            <a:endParaRPr lang="en-US" dirty="0"/>
+          </a:p>
+          <a:p>
+            <a:r>
+              <a:rPr lang="en-US" sz="4000" b="1" dirty="0" err="1"/>
               <a:t>LoginPage</a:t>
             </a:r>
-            <a:r>
-              <a:rPr lang="en-US" sz="1800" b="1" dirty="0"/>
-              <a:t> Class:</a:t>
-            </a:r>
-          </a:p>
-          <a:p>
-            <a:pPr algn="l"/>
-            <a:r>
-              <a:rPr lang="en-US" sz="1600" dirty="0"/>
-              <a:t>Init – ✅</a:t>
-            </a:r>
-            <a:endParaRPr lang="en-US" sz="1100" dirty="0"/>
-          </a:p>
-          <a:p>
-            <a:pPr algn="l"/>
-            <a:r>
-              <a:rPr lang="en-US" sz="1600" dirty="0" err="1"/>
-              <a:t>goto</a:t>
-            </a:r>
-            <a:r>
-              <a:rPr lang="en-US" sz="1600" dirty="0"/>
-              <a:t> – ✅</a:t>
-            </a:r>
-          </a:p>
-          <a:p>
-            <a:pPr algn="l"/>
-            <a:r>
-              <a:rPr lang="en-US" sz="1600" dirty="0"/>
-              <a:t>login – ✅</a:t>
-            </a:r>
-          </a:p>
-          <a:p>
-            <a:pPr algn="l"/>
-            <a:r>
-              <a:rPr lang="en-US" sz="1600" dirty="0"/>
-              <a:t>logout – ✅</a:t>
-            </a:r>
-          </a:p>
-          <a:p>
-            <a:pPr algn="l"/>
-            <a:r>
-              <a:rPr lang="en-US" sz="1600" dirty="0" err="1"/>
-              <a:t>click_reload_button</a:t>
-            </a:r>
-            <a:r>
-              <a:rPr lang="en-US" sz="1600" dirty="0"/>
-              <a:t> - ✅</a:t>
-            </a:r>
-            <a:endParaRPr lang="en-US" sz="1100" dirty="0"/>
-          </a:p>
-          <a:p>
-            <a:pPr algn="l"/>
-            <a:endParaRPr lang="en-US" sz="1600" dirty="0"/>
+            <a:endParaRPr lang="en-US" sz="4000" b="1" dirty="0"/>
           </a:p>
         </p:txBody>
       </p:sp>
     </p:spTree>
     <p:extLst>
       <p:ext uri="{BB962C8B-B14F-4D97-AF65-F5344CB8AC3E}">
-        <p14:creationId xmlns:p14="http://schemas.microsoft.com/office/powerpoint/2010/main" val="1250013317"/>
+        <p14:creationId xmlns:p14="http://schemas.microsoft.com/office/powerpoint/2010/main" val="3367218478"/>
       </p:ext>
     </p:extLst>
   </p:cSld>
@@ -3795,6 +3953,1316 @@
 </file>
 
 <file path=ppt/slides/slide10.xml><?xml version="1.0" encoding="utf-8"?>
+<p:sld xmlns:a="http://schemas.openxmlformats.org/drawingml/2006/main" xmlns:r="http://schemas.openxmlformats.org/officeDocument/2006/relationships" xmlns:p="http://schemas.openxmlformats.org/presentationml/2006/main">
+  <p:cSld>
+    <p:spTree>
+      <p:nvGrpSpPr>
+        <p:cNvPr id="1" name="">
+          <a:extLst>
+            <a:ext uri="{FF2B5EF4-FFF2-40B4-BE49-F238E27FC236}">
+              <a16:creationId xmlns:a16="http://schemas.microsoft.com/office/drawing/2014/main" id="{48D0B079-D69F-0795-1382-F10BD17D7F95}"/>
+            </a:ext>
+          </a:extLst>
+        </p:cNvPr>
+        <p:cNvGrpSpPr/>
+        <p:nvPr/>
+      </p:nvGrpSpPr>
+      <p:grpSpPr>
+        <a:xfrm>
+          <a:off x="0" y="0"/>
+          <a:ext cx="0" cy="0"/>
+          <a:chOff x="0" y="0"/>
+          <a:chExt cx="0" cy="0"/>
+        </a:xfrm>
+      </p:grpSpPr>
+      <p:sp>
+        <p:nvSpPr>
+          <p:cNvPr id="3" name="Subtitle 2">
+            <a:extLst>
+              <a:ext uri="{FF2B5EF4-FFF2-40B4-BE49-F238E27FC236}">
+                <a16:creationId xmlns:a16="http://schemas.microsoft.com/office/drawing/2014/main" id="{155A71B0-B782-8ADE-17B0-B576B10E79A6}"/>
+              </a:ext>
+            </a:extLst>
+          </p:cNvPr>
+          <p:cNvSpPr>
+            <a:spLocks noGrp="1"/>
+          </p:cNvSpPr>
+          <p:nvPr>
+            <p:ph type="subTitle" idx="1"/>
+          </p:nvPr>
+        </p:nvSpPr>
+        <p:spPr>
+          <a:xfrm>
+            <a:off x="106680" y="99886"/>
+            <a:ext cx="11990832" cy="6666674"/>
+          </a:xfrm>
+        </p:spPr>
+        <p:txBody>
+          <a:bodyPr>
+            <a:normAutofit fontScale="92500" lnSpcReduction="20000"/>
+          </a:bodyPr>
+          <a:lstStyle/>
+          <a:p>
+            <a:pPr algn="l"/>
+            <a:r>
+              <a:rPr lang="en-US" sz="1800" b="1" dirty="0" err="1"/>
+              <a:t>service_list</a:t>
+            </a:r>
+            <a:r>
+              <a:rPr lang="en-US" sz="1800" b="1" dirty="0"/>
+              <a:t>:</a:t>
+            </a:r>
+          </a:p>
+          <a:p>
+            <a:pPr algn="l"/>
+            <a:r>
+              <a:rPr lang="en-US" sz="1600" dirty="0" err="1"/>
+              <a:t>set_message</a:t>
+            </a:r>
+            <a:r>
+              <a:rPr lang="en-US" sz="1600" dirty="0"/>
+              <a:t> - ✅</a:t>
+            </a:r>
+          </a:p>
+          <a:p>
+            <a:pPr algn="l"/>
+            <a:r>
+              <a:rPr lang="en-US" sz="1600" dirty="0" err="1"/>
+              <a:t>get_order_by</a:t>
+            </a:r>
+            <a:r>
+              <a:rPr lang="en-US" sz="1600" dirty="0"/>
+              <a:t> – ✅</a:t>
+            </a:r>
+          </a:p>
+          <a:p>
+            <a:pPr algn="l"/>
+            <a:r>
+              <a:rPr lang="en-US" sz="1600" dirty="0" err="1"/>
+              <a:t>set_order_by</a:t>
+            </a:r>
+            <a:r>
+              <a:rPr lang="en-US" sz="1600" dirty="0"/>
+              <a:t> – ✅</a:t>
+            </a:r>
+          </a:p>
+          <a:p>
+            <a:pPr algn="l"/>
+            <a:r>
+              <a:rPr lang="en-US" sz="1600" dirty="0" err="1"/>
+              <a:t>set_order_by_all</a:t>
+            </a:r>
+            <a:r>
+              <a:rPr lang="en-US" sz="1600" dirty="0"/>
+              <a:t> – ✅</a:t>
+            </a:r>
+          </a:p>
+          <a:p>
+            <a:pPr algn="l"/>
+            <a:r>
+              <a:rPr lang="en-US" sz="1600" dirty="0" err="1"/>
+              <a:t>enable_descending_order</a:t>
+            </a:r>
+            <a:r>
+              <a:rPr lang="en-US" sz="1600" dirty="0"/>
+              <a:t> – ✅</a:t>
+            </a:r>
+          </a:p>
+          <a:p>
+            <a:pPr algn="l"/>
+            <a:r>
+              <a:rPr lang="en-US" sz="1600" dirty="0" err="1"/>
+              <a:t>disable_descending_order</a:t>
+            </a:r>
+            <a:r>
+              <a:rPr lang="en-US" sz="1600" dirty="0"/>
+              <a:t> – ✅</a:t>
+            </a:r>
+          </a:p>
+          <a:p>
+            <a:pPr algn="l"/>
+            <a:r>
+              <a:rPr lang="en-US" sz="1600" dirty="0" err="1"/>
+              <a:t>click_previous</a:t>
+            </a:r>
+            <a:r>
+              <a:rPr lang="en-US" sz="1600" dirty="0"/>
+              <a:t> – ✅</a:t>
+            </a:r>
+          </a:p>
+          <a:p>
+            <a:pPr algn="l"/>
+            <a:r>
+              <a:rPr lang="en-US" sz="1600" dirty="0" err="1"/>
+              <a:t>click_next</a:t>
+            </a:r>
+            <a:r>
+              <a:rPr lang="en-US" sz="1600" dirty="0"/>
+              <a:t> – ✅</a:t>
+            </a:r>
+          </a:p>
+          <a:p>
+            <a:pPr algn="l"/>
+            <a:r>
+              <a:rPr lang="en-US" sz="1600" dirty="0" err="1"/>
+              <a:t>open_events_alarms</a:t>
+            </a:r>
+            <a:r>
+              <a:rPr lang="en-US" sz="1600" dirty="0"/>
+              <a:t> – ✅</a:t>
+            </a:r>
+          </a:p>
+          <a:p>
+            <a:pPr algn="l"/>
+            <a:r>
+              <a:rPr lang="en-US" sz="1600" dirty="0" err="1"/>
+              <a:t>click_on_events_history</a:t>
+            </a:r>
+            <a:r>
+              <a:rPr lang="en-US" sz="1600" dirty="0"/>
+              <a:t> – ✅</a:t>
+            </a:r>
+          </a:p>
+          <a:p>
+            <a:pPr algn="l"/>
+            <a:r>
+              <a:rPr lang="en-US" sz="1600" dirty="0" err="1"/>
+              <a:t>click_on_alarms</a:t>
+            </a:r>
+            <a:r>
+              <a:rPr lang="en-US" sz="1600" dirty="0"/>
+              <a:t> - ✅</a:t>
+            </a:r>
+          </a:p>
+          <a:p>
+            <a:pPr algn="l"/>
+            <a:r>
+              <a:rPr lang="en-US" sz="1600" dirty="0" err="1"/>
+              <a:t>click_on_alarms_summary</a:t>
+            </a:r>
+            <a:r>
+              <a:rPr lang="en-US" sz="1600" dirty="0"/>
+              <a:t> - ✅</a:t>
+            </a:r>
+          </a:p>
+          <a:p>
+            <a:pPr algn="l"/>
+            <a:r>
+              <a:rPr lang="en-US" sz="1600" dirty="0" err="1"/>
+              <a:t>get_all_events_history</a:t>
+            </a:r>
+            <a:r>
+              <a:rPr lang="en-US" sz="1600" dirty="0"/>
+              <a:t> -  </a:t>
+            </a:r>
+          </a:p>
+          <a:p>
+            <a:pPr algn="l"/>
+            <a:r>
+              <a:rPr lang="en-US" sz="1600" dirty="0" err="1"/>
+              <a:t>get_all_alarms</a:t>
+            </a:r>
+            <a:r>
+              <a:rPr lang="en-US" sz="1600" dirty="0"/>
+              <a:t> – </a:t>
+            </a:r>
+          </a:p>
+          <a:p>
+            <a:pPr algn="l"/>
+            <a:r>
+              <a:rPr lang="en-US" sz="1600" dirty="0" err="1"/>
+              <a:t>get_alarms_summary</a:t>
+            </a:r>
+            <a:r>
+              <a:rPr lang="en-US" sz="1600" dirty="0"/>
+              <a:t> - </a:t>
+            </a:r>
+          </a:p>
+          <a:p>
+            <a:pPr algn="l"/>
+            <a:r>
+              <a:rPr lang="en-US" sz="1600" dirty="0" err="1"/>
+              <a:t>close_events_alarms</a:t>
+            </a:r>
+            <a:r>
+              <a:rPr lang="en-US" sz="1600" dirty="0"/>
+              <a:t> – ✅</a:t>
+            </a:r>
+          </a:p>
+          <a:p>
+            <a:pPr algn="l"/>
+            <a:endParaRPr lang="en-US" sz="1600" dirty="0"/>
+          </a:p>
+          <a:p>
+            <a:pPr algn="l"/>
+            <a:endParaRPr lang="en-US" sz="1600" dirty="0"/>
+          </a:p>
+          <a:p>
+            <a:pPr algn="l"/>
+            <a:endParaRPr lang="en-US" sz="1600" dirty="0"/>
+          </a:p>
+          <a:p>
+            <a:pPr algn="l"/>
+            <a:endParaRPr lang="en-US" sz="1600" dirty="0"/>
+          </a:p>
+          <a:p>
+            <a:pPr algn="l"/>
+            <a:r>
+              <a:rPr lang="en-US" sz="1600" dirty="0" err="1"/>
+              <a:t>Fuctions</a:t>
+            </a:r>
+            <a:r>
+              <a:rPr lang="en-US" sz="1600" dirty="0"/>
+              <a:t> on Events/Alarms table content…..</a:t>
+            </a:r>
+          </a:p>
+          <a:p>
+            <a:pPr algn="l"/>
+            <a:endParaRPr lang="en-US" sz="1600" dirty="0"/>
+          </a:p>
+          <a:p>
+            <a:pPr algn="l"/>
+            <a:endParaRPr lang="en-US" sz="1600" dirty="0"/>
+          </a:p>
+          <a:p>
+            <a:pPr algn="l"/>
+            <a:endParaRPr lang="en-US" sz="1600" dirty="0"/>
+          </a:p>
+          <a:p>
+            <a:pPr algn="l"/>
+            <a:endParaRPr lang="en-US" sz="1600" dirty="0"/>
+          </a:p>
+          <a:p>
+            <a:pPr algn="l"/>
+            <a:endParaRPr lang="en-US" sz="1600" dirty="0"/>
+          </a:p>
+        </p:txBody>
+      </p:sp>
+    </p:spTree>
+    <p:extLst>
+      <p:ext uri="{BB962C8B-B14F-4D97-AF65-F5344CB8AC3E}">
+        <p14:creationId xmlns:p14="http://schemas.microsoft.com/office/powerpoint/2010/main" val="38413639"/>
+      </p:ext>
+    </p:extLst>
+  </p:cSld>
+  <p:clrMapOvr>
+    <a:masterClrMapping/>
+  </p:clrMapOvr>
+</p:sld>
+</file>
+
+<file path=ppt/slides/slide11.xml><?xml version="1.0" encoding="utf-8"?>
+<p:sld xmlns:a="http://schemas.openxmlformats.org/drawingml/2006/main" xmlns:r="http://schemas.openxmlformats.org/officeDocument/2006/relationships" xmlns:p="http://schemas.openxmlformats.org/presentationml/2006/main">
+  <p:cSld>
+    <p:spTree>
+      <p:nvGrpSpPr>
+        <p:cNvPr id="1" name="">
+          <a:extLst>
+            <a:ext uri="{FF2B5EF4-FFF2-40B4-BE49-F238E27FC236}">
+              <a16:creationId xmlns:a16="http://schemas.microsoft.com/office/drawing/2014/main" id="{646C7353-2538-3D94-64E4-3480F295D5B9}"/>
+            </a:ext>
+          </a:extLst>
+        </p:cNvPr>
+        <p:cNvGrpSpPr/>
+        <p:nvPr/>
+      </p:nvGrpSpPr>
+      <p:grpSpPr>
+        <a:xfrm>
+          <a:off x="0" y="0"/>
+          <a:ext cx="0" cy="0"/>
+          <a:chOff x="0" y="0"/>
+          <a:chExt cx="0" cy="0"/>
+        </a:xfrm>
+      </p:grpSpPr>
+      <p:sp>
+        <p:nvSpPr>
+          <p:cNvPr id="3" name="Subtitle 2">
+            <a:extLst>
+              <a:ext uri="{FF2B5EF4-FFF2-40B4-BE49-F238E27FC236}">
+                <a16:creationId xmlns:a16="http://schemas.microsoft.com/office/drawing/2014/main" id="{63CEBC5D-5075-B35A-3806-9CC2FAD5F3D2}"/>
+              </a:ext>
+            </a:extLst>
+          </p:cNvPr>
+          <p:cNvSpPr>
+            <a:spLocks noGrp="1"/>
+          </p:cNvSpPr>
+          <p:nvPr>
+            <p:ph type="subTitle" idx="1"/>
+          </p:nvPr>
+        </p:nvSpPr>
+        <p:spPr>
+          <a:xfrm>
+            <a:off x="106680" y="99886"/>
+            <a:ext cx="11990832" cy="6666674"/>
+          </a:xfrm>
+        </p:spPr>
+        <p:txBody>
+          <a:bodyPr>
+            <a:normAutofit/>
+          </a:bodyPr>
+          <a:lstStyle/>
+          <a:p>
+            <a:pPr algn="l"/>
+            <a:r>
+              <a:rPr lang="en-US" sz="1800" b="1" dirty="0" err="1"/>
+              <a:t>service_list</a:t>
+            </a:r>
+            <a:r>
+              <a:rPr lang="en-US" sz="1800" b="1" dirty="0"/>
+              <a:t>:</a:t>
+            </a:r>
+            <a:endParaRPr lang="en-US" sz="1600" dirty="0"/>
+          </a:p>
+          <a:p>
+            <a:pPr algn="l"/>
+            <a:r>
+              <a:rPr lang="en-US" sz="1600" dirty="0" err="1"/>
+              <a:t>click_edit_columns</a:t>
+            </a:r>
+            <a:r>
+              <a:rPr lang="en-US" sz="1600" dirty="0"/>
+              <a:t> – ✅</a:t>
+            </a:r>
+          </a:p>
+          <a:p>
+            <a:pPr algn="l"/>
+            <a:r>
+              <a:rPr lang="en-US" sz="1600" dirty="0" err="1"/>
+              <a:t>click_save_changes</a:t>
+            </a:r>
+            <a:r>
+              <a:rPr lang="en-US" sz="1600" dirty="0"/>
+              <a:t> – ✅</a:t>
+            </a:r>
+          </a:p>
+          <a:p>
+            <a:pPr algn="l"/>
+            <a:r>
+              <a:rPr lang="en-US" sz="1600" dirty="0" err="1"/>
+              <a:t>click_revert_changes</a:t>
+            </a:r>
+            <a:r>
+              <a:rPr lang="en-US" sz="1600" dirty="0"/>
+              <a:t> - ✅</a:t>
+            </a:r>
+          </a:p>
+          <a:p>
+            <a:pPr algn="l"/>
+            <a:endParaRPr lang="en-US" sz="1600" dirty="0"/>
+          </a:p>
+          <a:p>
+            <a:pPr algn="l"/>
+            <a:r>
+              <a:rPr lang="en-US" sz="1600" dirty="0" err="1"/>
+              <a:t>Fuctions</a:t>
+            </a:r>
+            <a:r>
+              <a:rPr lang="en-US" sz="1600" dirty="0"/>
+              <a:t> on the table content…..</a:t>
+            </a:r>
+          </a:p>
+          <a:p>
+            <a:pPr algn="l"/>
+            <a:endParaRPr lang="en-US" sz="1600" dirty="0"/>
+          </a:p>
+          <a:p>
+            <a:pPr algn="l"/>
+            <a:endParaRPr lang="en-US" sz="1600" dirty="0"/>
+          </a:p>
+          <a:p>
+            <a:pPr algn="l"/>
+            <a:endParaRPr lang="en-US" sz="1600" dirty="0"/>
+          </a:p>
+          <a:p>
+            <a:pPr algn="l"/>
+            <a:endParaRPr lang="en-US" sz="1600" dirty="0"/>
+          </a:p>
+        </p:txBody>
+      </p:sp>
+      <p:sp>
+        <p:nvSpPr>
+          <p:cNvPr id="4" name="TextBox 3">
+            <a:extLst>
+              <a:ext uri="{FF2B5EF4-FFF2-40B4-BE49-F238E27FC236}">
+                <a16:creationId xmlns:a16="http://schemas.microsoft.com/office/drawing/2014/main" id="{BB3DB260-E4C5-1F77-3774-75A0E6971505}"/>
+              </a:ext>
+            </a:extLst>
+          </p:cNvPr>
+          <p:cNvSpPr txBox="1"/>
+          <p:nvPr/>
+        </p:nvSpPr>
+        <p:spPr>
+          <a:xfrm>
+            <a:off x="9858568" y="199942"/>
+            <a:ext cx="1982724" cy="369332"/>
+          </a:xfrm>
+          <a:prstGeom prst="rect">
+            <a:avLst/>
+          </a:prstGeom>
+          <a:noFill/>
+        </p:spPr>
+        <p:txBody>
+          <a:bodyPr wrap="square" rtlCol="0">
+            <a:spAutoFit/>
+          </a:bodyPr>
+          <a:lstStyle/>
+          <a:p>
+            <a:r>
+              <a:rPr lang="en-US" b="1" dirty="0">
+                <a:highlight>
+                  <a:srgbClr val="FFFF00"/>
+                </a:highlight>
+              </a:rPr>
+              <a:t>Summary: 80%</a:t>
+            </a:r>
+            <a:endParaRPr lang="en-US" sz="1200" b="1" dirty="0">
+              <a:highlight>
+                <a:srgbClr val="FFFF00"/>
+              </a:highlight>
+            </a:endParaRPr>
+          </a:p>
+        </p:txBody>
+      </p:sp>
+    </p:spTree>
+    <p:extLst>
+      <p:ext uri="{BB962C8B-B14F-4D97-AF65-F5344CB8AC3E}">
+        <p14:creationId xmlns:p14="http://schemas.microsoft.com/office/powerpoint/2010/main" val="246296374"/>
+      </p:ext>
+    </p:extLst>
+  </p:cSld>
+  <p:clrMapOvr>
+    <a:masterClrMapping/>
+  </p:clrMapOvr>
+</p:sld>
+</file>
+
+<file path=ppt/slides/slide12.xml><?xml version="1.0" encoding="utf-8"?>
+<p:sld xmlns:a="http://schemas.openxmlformats.org/drawingml/2006/main" xmlns:r="http://schemas.openxmlformats.org/officeDocument/2006/relationships" xmlns:p="http://schemas.openxmlformats.org/presentationml/2006/main">
+  <p:cSld>
+    <p:spTree>
+      <p:nvGrpSpPr>
+        <p:cNvPr id="1" name="">
+          <a:extLst>
+            <a:ext uri="{FF2B5EF4-FFF2-40B4-BE49-F238E27FC236}">
+              <a16:creationId xmlns:a16="http://schemas.microsoft.com/office/drawing/2014/main" id="{0BEC9D46-3792-211E-0FD0-58A7856CEB5F}"/>
+            </a:ext>
+          </a:extLst>
+        </p:cNvPr>
+        <p:cNvGrpSpPr/>
+        <p:nvPr/>
+      </p:nvGrpSpPr>
+      <p:grpSpPr>
+        <a:xfrm>
+          <a:off x="0" y="0"/>
+          <a:ext cx="0" cy="0"/>
+          <a:chOff x="0" y="0"/>
+          <a:chExt cx="0" cy="0"/>
+        </a:xfrm>
+      </p:grpSpPr>
+      <p:sp>
+        <p:nvSpPr>
+          <p:cNvPr id="5" name="Subtitle 4">
+            <a:extLst>
+              <a:ext uri="{FF2B5EF4-FFF2-40B4-BE49-F238E27FC236}">
+                <a16:creationId xmlns:a16="http://schemas.microsoft.com/office/drawing/2014/main" id="{65EDD87A-4C6E-FFCC-58DF-A3D91FB8CE07}"/>
+              </a:ext>
+            </a:extLst>
+          </p:cNvPr>
+          <p:cNvSpPr>
+            <a:spLocks noGrp="1"/>
+          </p:cNvSpPr>
+          <p:nvPr>
+            <p:ph type="subTitle" idx="1"/>
+          </p:nvPr>
+        </p:nvSpPr>
+        <p:spPr>
+          <a:xfrm>
+            <a:off x="73152" y="91440"/>
+            <a:ext cx="12042648" cy="6693408"/>
+          </a:xfrm>
+          <a:solidFill>
+            <a:schemeClr val="accent4">
+              <a:lumMod val="40000"/>
+              <a:lumOff val="60000"/>
+            </a:schemeClr>
+          </a:solidFill>
+        </p:spPr>
+        <p:txBody>
+          <a:bodyPr/>
+          <a:lstStyle/>
+          <a:p>
+            <a:endParaRPr lang="en-US" dirty="0"/>
+          </a:p>
+          <a:p>
+            <a:endParaRPr lang="en-US" dirty="0"/>
+          </a:p>
+          <a:p>
+            <a:endParaRPr lang="en-US" dirty="0"/>
+          </a:p>
+          <a:p>
+            <a:endParaRPr lang="en-US" dirty="0"/>
+          </a:p>
+          <a:p>
+            <a:endParaRPr lang="en-US" dirty="0"/>
+          </a:p>
+          <a:p>
+            <a:endParaRPr lang="en-US" dirty="0"/>
+          </a:p>
+          <a:p>
+            <a:r>
+              <a:rPr lang="en-US" sz="4000" b="1" dirty="0" err="1"/>
+              <a:t>ServiceProvisioning</a:t>
+            </a:r>
+            <a:endParaRPr lang="en-US" sz="4000" b="1" dirty="0"/>
+          </a:p>
+        </p:txBody>
+      </p:sp>
+    </p:spTree>
+    <p:extLst>
+      <p:ext uri="{BB962C8B-B14F-4D97-AF65-F5344CB8AC3E}">
+        <p14:creationId xmlns:p14="http://schemas.microsoft.com/office/powerpoint/2010/main" val="383824092"/>
+      </p:ext>
+    </p:extLst>
+  </p:cSld>
+  <p:clrMapOvr>
+    <a:masterClrMapping/>
+  </p:clrMapOvr>
+</p:sld>
+</file>
+
+<file path=ppt/slides/slide13.xml><?xml version="1.0" encoding="utf-8"?>
+<p:sld xmlns:a="http://schemas.openxmlformats.org/drawingml/2006/main" xmlns:r="http://schemas.openxmlformats.org/officeDocument/2006/relationships" xmlns:p="http://schemas.openxmlformats.org/presentationml/2006/main">
+  <p:cSld>
+    <p:spTree>
+      <p:nvGrpSpPr>
+        <p:cNvPr id="1" name="">
+          <a:extLst>
+            <a:ext uri="{FF2B5EF4-FFF2-40B4-BE49-F238E27FC236}">
+              <a16:creationId xmlns:a16="http://schemas.microsoft.com/office/drawing/2014/main" id="{A069CE3B-863D-897C-4680-1DDCEB0D6DCE}"/>
+            </a:ext>
+          </a:extLst>
+        </p:cNvPr>
+        <p:cNvGrpSpPr/>
+        <p:nvPr/>
+      </p:nvGrpSpPr>
+      <p:grpSpPr>
+        <a:xfrm>
+          <a:off x="0" y="0"/>
+          <a:ext cx="0" cy="0"/>
+          <a:chOff x="0" y="0"/>
+          <a:chExt cx="0" cy="0"/>
+        </a:xfrm>
+      </p:grpSpPr>
+      <p:sp>
+        <p:nvSpPr>
+          <p:cNvPr id="3" name="Subtitle 2">
+            <a:extLst>
+              <a:ext uri="{FF2B5EF4-FFF2-40B4-BE49-F238E27FC236}">
+                <a16:creationId xmlns:a16="http://schemas.microsoft.com/office/drawing/2014/main" id="{97C16FB8-3E89-BCE1-A6C8-A74EAE096571}"/>
+              </a:ext>
+            </a:extLst>
+          </p:cNvPr>
+          <p:cNvSpPr>
+            <a:spLocks noGrp="1"/>
+          </p:cNvSpPr>
+          <p:nvPr>
+            <p:ph type="subTitle" idx="1"/>
+          </p:nvPr>
+        </p:nvSpPr>
+        <p:spPr>
+          <a:xfrm>
+            <a:off x="106680" y="99886"/>
+            <a:ext cx="11990832" cy="6666674"/>
+          </a:xfrm>
+        </p:spPr>
+        <p:txBody>
+          <a:bodyPr>
+            <a:normAutofit/>
+          </a:bodyPr>
+          <a:lstStyle/>
+          <a:p>
+            <a:pPr algn="l"/>
+            <a:r>
+              <a:rPr lang="en-US" sz="1800" b="1" dirty="0" err="1"/>
+              <a:t>service_provisioning</a:t>
+            </a:r>
+            <a:r>
+              <a:rPr lang="en-US" sz="1800" b="1" dirty="0"/>
+              <a:t>:</a:t>
+            </a:r>
+          </a:p>
+          <a:p>
+            <a:pPr algn="l"/>
+            <a:r>
+              <a:rPr lang="en-US" sz="1600" dirty="0" err="1"/>
+              <a:t>create_ROADM_service</a:t>
+            </a:r>
+            <a:r>
+              <a:rPr lang="en-US" sz="1600" dirty="0"/>
+              <a:t> – ✅</a:t>
+            </a:r>
+          </a:p>
+          <a:p>
+            <a:pPr algn="l"/>
+            <a:r>
+              <a:rPr lang="en-US" sz="1600" dirty="0" err="1"/>
+              <a:t>create_OTN_service</a:t>
+            </a:r>
+            <a:r>
+              <a:rPr lang="en-US" sz="1600" dirty="0"/>
+              <a:t> – ✅</a:t>
+            </a:r>
+          </a:p>
+          <a:p>
+            <a:pPr algn="l"/>
+            <a:r>
+              <a:rPr lang="en-US" sz="1600" dirty="0" err="1"/>
+              <a:t>create_CHASSIS_service</a:t>
+            </a:r>
+            <a:r>
+              <a:rPr lang="en-US" sz="1600" dirty="0"/>
+              <a:t> – ✅</a:t>
+            </a:r>
+          </a:p>
+          <a:p>
+            <a:pPr algn="l"/>
+            <a:r>
+              <a:rPr lang="en-US" sz="1600" dirty="0" err="1"/>
+              <a:t>click_exit</a:t>
+            </a:r>
+            <a:r>
+              <a:rPr lang="en-US" sz="1600" dirty="0"/>
+              <a:t> - ✅</a:t>
+            </a:r>
+          </a:p>
+          <a:p>
+            <a:pPr algn="l"/>
+            <a:endParaRPr lang="en-US" sz="1600" dirty="0"/>
+          </a:p>
+          <a:p>
+            <a:pPr algn="l"/>
+            <a:endParaRPr lang="en-US" sz="1600" dirty="0"/>
+          </a:p>
+        </p:txBody>
+      </p:sp>
+      <p:sp>
+        <p:nvSpPr>
+          <p:cNvPr id="4" name="TextBox 3">
+            <a:extLst>
+              <a:ext uri="{FF2B5EF4-FFF2-40B4-BE49-F238E27FC236}">
+                <a16:creationId xmlns:a16="http://schemas.microsoft.com/office/drawing/2014/main" id="{CC128BF2-8D6D-35E5-85E0-D8A5C98E87C4}"/>
+              </a:ext>
+            </a:extLst>
+          </p:cNvPr>
+          <p:cNvSpPr txBox="1"/>
+          <p:nvPr/>
+        </p:nvSpPr>
+        <p:spPr>
+          <a:xfrm>
+            <a:off x="9858568" y="199942"/>
+            <a:ext cx="1982724" cy="369332"/>
+          </a:xfrm>
+          <a:prstGeom prst="rect">
+            <a:avLst/>
+          </a:prstGeom>
+          <a:noFill/>
+        </p:spPr>
+        <p:txBody>
+          <a:bodyPr wrap="square" rtlCol="0">
+            <a:spAutoFit/>
+          </a:bodyPr>
+          <a:lstStyle/>
+          <a:p>
+            <a:r>
+              <a:rPr lang="en-US" b="1" dirty="0">
+                <a:highlight>
+                  <a:srgbClr val="00FF00"/>
+                </a:highlight>
+              </a:rPr>
+              <a:t>Summary: 100%</a:t>
+            </a:r>
+            <a:endParaRPr lang="en-US" sz="1200" b="1" dirty="0">
+              <a:highlight>
+                <a:srgbClr val="00FF00"/>
+              </a:highlight>
+            </a:endParaRPr>
+          </a:p>
+        </p:txBody>
+      </p:sp>
+    </p:spTree>
+    <p:extLst>
+      <p:ext uri="{BB962C8B-B14F-4D97-AF65-F5344CB8AC3E}">
+        <p14:creationId xmlns:p14="http://schemas.microsoft.com/office/powerpoint/2010/main" val="3322406573"/>
+      </p:ext>
+    </p:extLst>
+  </p:cSld>
+  <p:clrMapOvr>
+    <a:masterClrMapping/>
+  </p:clrMapOvr>
+</p:sld>
+</file>
+
+<file path=ppt/slides/slide14.xml><?xml version="1.0" encoding="utf-8"?>
+<p:sld xmlns:a="http://schemas.openxmlformats.org/drawingml/2006/main" xmlns:r="http://schemas.openxmlformats.org/officeDocument/2006/relationships" xmlns:p="http://schemas.openxmlformats.org/presentationml/2006/main">
+  <p:cSld>
+    <p:spTree>
+      <p:nvGrpSpPr>
+        <p:cNvPr id="1" name="">
+          <a:extLst>
+            <a:ext uri="{FF2B5EF4-FFF2-40B4-BE49-F238E27FC236}">
+              <a16:creationId xmlns:a16="http://schemas.microsoft.com/office/drawing/2014/main" id="{8DB480DE-6450-A357-846F-0C6AE08BC766}"/>
+            </a:ext>
+          </a:extLst>
+        </p:cNvPr>
+        <p:cNvGrpSpPr/>
+        <p:nvPr/>
+      </p:nvGrpSpPr>
+      <p:grpSpPr>
+        <a:xfrm>
+          <a:off x="0" y="0"/>
+          <a:ext cx="0" cy="0"/>
+          <a:chOff x="0" y="0"/>
+          <a:chExt cx="0" cy="0"/>
+        </a:xfrm>
+      </p:grpSpPr>
+      <p:sp>
+        <p:nvSpPr>
+          <p:cNvPr id="5" name="Subtitle 4">
+            <a:extLst>
+              <a:ext uri="{FF2B5EF4-FFF2-40B4-BE49-F238E27FC236}">
+                <a16:creationId xmlns:a16="http://schemas.microsoft.com/office/drawing/2014/main" id="{7D43B129-6B14-2652-80FF-C5DD1ED93073}"/>
+              </a:ext>
+            </a:extLst>
+          </p:cNvPr>
+          <p:cNvSpPr>
+            <a:spLocks noGrp="1"/>
+          </p:cNvSpPr>
+          <p:nvPr>
+            <p:ph type="subTitle" idx="1"/>
+          </p:nvPr>
+        </p:nvSpPr>
+        <p:spPr>
+          <a:xfrm>
+            <a:off x="73152" y="91440"/>
+            <a:ext cx="12042648" cy="6693408"/>
+          </a:xfrm>
+          <a:solidFill>
+            <a:schemeClr val="accent4">
+              <a:lumMod val="40000"/>
+              <a:lumOff val="60000"/>
+            </a:schemeClr>
+          </a:solidFill>
+        </p:spPr>
+        <p:txBody>
+          <a:bodyPr/>
+          <a:lstStyle/>
+          <a:p>
+            <a:endParaRPr lang="en-US" dirty="0"/>
+          </a:p>
+          <a:p>
+            <a:endParaRPr lang="en-US" dirty="0"/>
+          </a:p>
+          <a:p>
+            <a:endParaRPr lang="en-US" dirty="0"/>
+          </a:p>
+          <a:p>
+            <a:endParaRPr lang="en-US" dirty="0"/>
+          </a:p>
+          <a:p>
+            <a:endParaRPr lang="en-US" dirty="0"/>
+          </a:p>
+          <a:p>
+            <a:endParaRPr lang="en-US" dirty="0"/>
+          </a:p>
+          <a:p>
+            <a:r>
+              <a:rPr lang="en-US" sz="4000" b="1" dirty="0"/>
+              <a:t>Performance</a:t>
+            </a:r>
+          </a:p>
+        </p:txBody>
+      </p:sp>
+    </p:spTree>
+    <p:extLst>
+      <p:ext uri="{BB962C8B-B14F-4D97-AF65-F5344CB8AC3E}">
+        <p14:creationId xmlns:p14="http://schemas.microsoft.com/office/powerpoint/2010/main" val="1388659852"/>
+      </p:ext>
+    </p:extLst>
+  </p:cSld>
+  <p:clrMapOvr>
+    <a:masterClrMapping/>
+  </p:clrMapOvr>
+</p:sld>
+</file>
+
+<file path=ppt/slides/slide15.xml><?xml version="1.0" encoding="utf-8"?>
+<p:sld xmlns:a="http://schemas.openxmlformats.org/drawingml/2006/main" xmlns:r="http://schemas.openxmlformats.org/officeDocument/2006/relationships" xmlns:p="http://schemas.openxmlformats.org/presentationml/2006/main">
+  <p:cSld>
+    <p:spTree>
+      <p:nvGrpSpPr>
+        <p:cNvPr id="1" name="">
+          <a:extLst>
+            <a:ext uri="{FF2B5EF4-FFF2-40B4-BE49-F238E27FC236}">
+              <a16:creationId xmlns:a16="http://schemas.microsoft.com/office/drawing/2014/main" id="{6472B45C-1FDE-27C1-140E-3DB8635A05F5}"/>
+            </a:ext>
+          </a:extLst>
+        </p:cNvPr>
+        <p:cNvGrpSpPr/>
+        <p:nvPr/>
+      </p:nvGrpSpPr>
+      <p:grpSpPr>
+        <a:xfrm>
+          <a:off x="0" y="0"/>
+          <a:ext cx="0" cy="0"/>
+          <a:chOff x="0" y="0"/>
+          <a:chExt cx="0" cy="0"/>
+        </a:xfrm>
+      </p:grpSpPr>
+      <p:sp>
+        <p:nvSpPr>
+          <p:cNvPr id="3" name="Subtitle 2">
+            <a:extLst>
+              <a:ext uri="{FF2B5EF4-FFF2-40B4-BE49-F238E27FC236}">
+                <a16:creationId xmlns:a16="http://schemas.microsoft.com/office/drawing/2014/main" id="{EBD874AC-1F4C-340F-8921-2E87923F49B1}"/>
+              </a:ext>
+            </a:extLst>
+          </p:cNvPr>
+          <p:cNvSpPr>
+            <a:spLocks noGrp="1"/>
+          </p:cNvSpPr>
+          <p:nvPr>
+            <p:ph type="subTitle" idx="1"/>
+          </p:nvPr>
+        </p:nvSpPr>
+        <p:spPr>
+          <a:xfrm>
+            <a:off x="106680" y="99886"/>
+            <a:ext cx="11990832" cy="6666674"/>
+          </a:xfrm>
+        </p:spPr>
+        <p:txBody>
+          <a:bodyPr>
+            <a:normAutofit/>
+          </a:bodyPr>
+          <a:lstStyle/>
+          <a:p>
+            <a:pPr algn="l"/>
+            <a:r>
+              <a:rPr lang="en-US" sz="1800" b="1" dirty="0"/>
+              <a:t>performance:</a:t>
+            </a:r>
+          </a:p>
+          <a:p>
+            <a:pPr algn="l"/>
+            <a:r>
+              <a:rPr lang="en-US" sz="1600" dirty="0"/>
+              <a:t>pass</a:t>
+            </a:r>
+          </a:p>
+          <a:p>
+            <a:pPr algn="l"/>
+            <a:endParaRPr lang="en-US" sz="1600" dirty="0"/>
+          </a:p>
+          <a:p>
+            <a:pPr algn="l"/>
+            <a:endParaRPr lang="en-US" sz="1600" dirty="0"/>
+          </a:p>
+        </p:txBody>
+      </p:sp>
+      <p:sp>
+        <p:nvSpPr>
+          <p:cNvPr id="2" name="TextBox 1">
+            <a:extLst>
+              <a:ext uri="{FF2B5EF4-FFF2-40B4-BE49-F238E27FC236}">
+                <a16:creationId xmlns:a16="http://schemas.microsoft.com/office/drawing/2014/main" id="{DCCA1AD1-2C93-BF47-8C33-925EB29D908E}"/>
+              </a:ext>
+            </a:extLst>
+          </p:cNvPr>
+          <p:cNvSpPr txBox="1"/>
+          <p:nvPr/>
+        </p:nvSpPr>
+        <p:spPr>
+          <a:xfrm>
+            <a:off x="9858568" y="199942"/>
+            <a:ext cx="1982724" cy="369332"/>
+          </a:xfrm>
+          <a:prstGeom prst="rect">
+            <a:avLst/>
+          </a:prstGeom>
+          <a:noFill/>
+        </p:spPr>
+        <p:txBody>
+          <a:bodyPr wrap="square" rtlCol="0">
+            <a:spAutoFit/>
+          </a:bodyPr>
+          <a:lstStyle/>
+          <a:p>
+            <a:r>
+              <a:rPr lang="en-US" b="1" dirty="0">
+                <a:highlight>
+                  <a:srgbClr val="FFFF00"/>
+                </a:highlight>
+              </a:rPr>
+              <a:t>Summary: 0%</a:t>
+            </a:r>
+            <a:endParaRPr lang="en-US" sz="1200" b="1" dirty="0">
+              <a:highlight>
+                <a:srgbClr val="FFFF00"/>
+              </a:highlight>
+            </a:endParaRPr>
+          </a:p>
+        </p:txBody>
+      </p:sp>
+    </p:spTree>
+    <p:extLst>
+      <p:ext uri="{BB962C8B-B14F-4D97-AF65-F5344CB8AC3E}">
+        <p14:creationId xmlns:p14="http://schemas.microsoft.com/office/powerpoint/2010/main" val="4052525924"/>
+      </p:ext>
+    </p:extLst>
+  </p:cSld>
+  <p:clrMapOvr>
+    <a:masterClrMapping/>
+  </p:clrMapOvr>
+</p:sld>
+</file>
+
+<file path=ppt/slides/slide16.xml><?xml version="1.0" encoding="utf-8"?>
+<p:sld xmlns:a="http://schemas.openxmlformats.org/drawingml/2006/main" xmlns:r="http://schemas.openxmlformats.org/officeDocument/2006/relationships" xmlns:p="http://schemas.openxmlformats.org/presentationml/2006/main">
+  <p:cSld>
+    <p:spTree>
+      <p:nvGrpSpPr>
+        <p:cNvPr id="1" name="">
+          <a:extLst>
+            <a:ext uri="{FF2B5EF4-FFF2-40B4-BE49-F238E27FC236}">
+              <a16:creationId xmlns:a16="http://schemas.microsoft.com/office/drawing/2014/main" id="{3343BCD5-DC82-4F09-E2CE-2519EA751777}"/>
+            </a:ext>
+          </a:extLst>
+        </p:cNvPr>
+        <p:cNvGrpSpPr/>
+        <p:nvPr/>
+      </p:nvGrpSpPr>
+      <p:grpSpPr>
+        <a:xfrm>
+          <a:off x="0" y="0"/>
+          <a:ext cx="0" cy="0"/>
+          <a:chOff x="0" y="0"/>
+          <a:chExt cx="0" cy="0"/>
+        </a:xfrm>
+      </p:grpSpPr>
+      <p:sp>
+        <p:nvSpPr>
+          <p:cNvPr id="5" name="Subtitle 4">
+            <a:extLst>
+              <a:ext uri="{FF2B5EF4-FFF2-40B4-BE49-F238E27FC236}">
+                <a16:creationId xmlns:a16="http://schemas.microsoft.com/office/drawing/2014/main" id="{E1D2BD03-A369-1631-A929-185F1E3906C4}"/>
+              </a:ext>
+            </a:extLst>
+          </p:cNvPr>
+          <p:cNvSpPr>
+            <a:spLocks noGrp="1"/>
+          </p:cNvSpPr>
+          <p:nvPr>
+            <p:ph type="subTitle" idx="1"/>
+          </p:nvPr>
+        </p:nvSpPr>
+        <p:spPr>
+          <a:xfrm>
+            <a:off x="73152" y="91440"/>
+            <a:ext cx="12042648" cy="6693408"/>
+          </a:xfrm>
+          <a:solidFill>
+            <a:schemeClr val="accent4">
+              <a:lumMod val="40000"/>
+              <a:lumOff val="60000"/>
+            </a:schemeClr>
+          </a:solidFill>
+        </p:spPr>
+        <p:txBody>
+          <a:bodyPr/>
+          <a:lstStyle/>
+          <a:p>
+            <a:endParaRPr lang="en-US" dirty="0"/>
+          </a:p>
+          <a:p>
+            <a:endParaRPr lang="en-US" dirty="0"/>
+          </a:p>
+          <a:p>
+            <a:endParaRPr lang="en-US" dirty="0"/>
+          </a:p>
+          <a:p>
+            <a:endParaRPr lang="en-US" dirty="0"/>
+          </a:p>
+          <a:p>
+            <a:endParaRPr lang="en-US" dirty="0"/>
+          </a:p>
+          <a:p>
+            <a:endParaRPr lang="en-US" dirty="0"/>
+          </a:p>
+          <a:p>
+            <a:r>
+              <a:rPr lang="en-US" sz="4000" b="1" dirty="0" err="1"/>
+              <a:t>DeviceDiscovery</a:t>
+            </a:r>
+            <a:endParaRPr lang="en-US" sz="4000" b="1" dirty="0"/>
+          </a:p>
+        </p:txBody>
+      </p:sp>
+    </p:spTree>
+    <p:extLst>
+      <p:ext uri="{BB962C8B-B14F-4D97-AF65-F5344CB8AC3E}">
+        <p14:creationId xmlns:p14="http://schemas.microsoft.com/office/powerpoint/2010/main" val="1038265819"/>
+      </p:ext>
+    </p:extLst>
+  </p:cSld>
+  <p:clrMapOvr>
+    <a:masterClrMapping/>
+  </p:clrMapOvr>
+</p:sld>
+</file>
+
+<file path=ppt/slides/slide17.xml><?xml version="1.0" encoding="utf-8"?>
+<p:sld xmlns:a="http://schemas.openxmlformats.org/drawingml/2006/main" xmlns:r="http://schemas.openxmlformats.org/officeDocument/2006/relationships" xmlns:p="http://schemas.openxmlformats.org/presentationml/2006/main">
+  <p:cSld>
+    <p:spTree>
+      <p:nvGrpSpPr>
+        <p:cNvPr id="1" name="">
+          <a:extLst>
+            <a:ext uri="{FF2B5EF4-FFF2-40B4-BE49-F238E27FC236}">
+              <a16:creationId xmlns:a16="http://schemas.microsoft.com/office/drawing/2014/main" id="{837DB42F-BB84-0811-FA81-86E30F149767}"/>
+            </a:ext>
+          </a:extLst>
+        </p:cNvPr>
+        <p:cNvGrpSpPr/>
+        <p:nvPr/>
+      </p:nvGrpSpPr>
+      <p:grpSpPr>
+        <a:xfrm>
+          <a:off x="0" y="0"/>
+          <a:ext cx="0" cy="0"/>
+          <a:chOff x="0" y="0"/>
+          <a:chExt cx="0" cy="0"/>
+        </a:xfrm>
+      </p:grpSpPr>
+      <p:sp>
+        <p:nvSpPr>
+          <p:cNvPr id="3" name="Subtitle 2">
+            <a:extLst>
+              <a:ext uri="{FF2B5EF4-FFF2-40B4-BE49-F238E27FC236}">
+                <a16:creationId xmlns:a16="http://schemas.microsoft.com/office/drawing/2014/main" id="{B7504721-A6E2-B412-1136-64E6041FDAEA}"/>
+              </a:ext>
+            </a:extLst>
+          </p:cNvPr>
+          <p:cNvSpPr>
+            <a:spLocks noGrp="1"/>
+          </p:cNvSpPr>
+          <p:nvPr>
+            <p:ph type="subTitle" idx="1"/>
+          </p:nvPr>
+        </p:nvSpPr>
+        <p:spPr>
+          <a:xfrm>
+            <a:off x="106680" y="99886"/>
+            <a:ext cx="11990832" cy="6666674"/>
+          </a:xfrm>
+        </p:spPr>
+        <p:txBody>
+          <a:bodyPr>
+            <a:normAutofit/>
+          </a:bodyPr>
+          <a:lstStyle/>
+          <a:p>
+            <a:pPr algn="l"/>
+            <a:r>
+              <a:rPr lang="en-US" sz="1800" b="1" dirty="0" err="1"/>
+              <a:t>device_discovery</a:t>
+            </a:r>
+            <a:r>
+              <a:rPr lang="en-US" sz="1800" b="1" dirty="0"/>
+              <a:t>:</a:t>
+            </a:r>
+          </a:p>
+          <a:p>
+            <a:pPr algn="l"/>
+            <a:r>
+              <a:rPr lang="en-US" sz="1600" dirty="0" err="1"/>
+              <a:t>set_IP_address</a:t>
+            </a:r>
+            <a:r>
+              <a:rPr lang="en-US" sz="1600" dirty="0"/>
+              <a:t> – ✅</a:t>
+            </a:r>
+          </a:p>
+          <a:p>
+            <a:pPr algn="l"/>
+            <a:r>
+              <a:rPr lang="en-US" sz="1600" dirty="0" err="1"/>
+              <a:t>get_IP_address</a:t>
+            </a:r>
+            <a:r>
+              <a:rPr lang="en-US" sz="1600" dirty="0"/>
+              <a:t> – ✅</a:t>
+            </a:r>
+          </a:p>
+          <a:p>
+            <a:pPr algn="l"/>
+            <a:r>
+              <a:rPr lang="en-US" sz="1600" dirty="0" err="1"/>
+              <a:t>click_ICMP</a:t>
+            </a:r>
+            <a:r>
+              <a:rPr lang="en-US" sz="1600" dirty="0"/>
+              <a:t> – ✅</a:t>
+            </a:r>
+          </a:p>
+          <a:p>
+            <a:pPr algn="l"/>
+            <a:r>
+              <a:rPr lang="en-US" sz="1600" dirty="0"/>
+              <a:t>click_SNMPv2 – ✅</a:t>
+            </a:r>
+          </a:p>
+          <a:p>
+            <a:pPr algn="l"/>
+            <a:r>
+              <a:rPr lang="en-US" sz="1600" dirty="0"/>
+              <a:t>click_SNMPv3 - ✅</a:t>
+            </a:r>
+          </a:p>
+          <a:p>
+            <a:pPr algn="l"/>
+            <a:r>
+              <a:rPr lang="en-US" sz="1600" dirty="0" err="1"/>
+              <a:t>click_start_discovery_for_IP_range</a:t>
+            </a:r>
+            <a:r>
+              <a:rPr lang="en-US" sz="1600" dirty="0"/>
+              <a:t> – ✅</a:t>
+            </a:r>
+          </a:p>
+          <a:p>
+            <a:pPr algn="l"/>
+            <a:r>
+              <a:rPr lang="en-US" sz="1600" dirty="0" err="1"/>
+              <a:t>click_stop_discovery_for_ip_range</a:t>
+            </a:r>
+            <a:r>
+              <a:rPr lang="en-US" sz="1600" dirty="0"/>
+              <a:t> - ✅</a:t>
+            </a:r>
+          </a:p>
+          <a:p>
+            <a:pPr algn="l"/>
+            <a:r>
+              <a:rPr lang="en-US" sz="1600" dirty="0" err="1"/>
+              <a:t>set_start_IP_range</a:t>
+            </a:r>
+            <a:r>
+              <a:rPr lang="en-US" sz="1600" dirty="0"/>
+              <a:t> – ✅</a:t>
+            </a:r>
+          </a:p>
+          <a:p>
+            <a:pPr algn="l"/>
+            <a:r>
+              <a:rPr lang="en-US" sz="1600" dirty="0" err="1"/>
+              <a:t>get_start_IP_range</a:t>
+            </a:r>
+            <a:r>
+              <a:rPr lang="en-US" sz="1600" dirty="0"/>
+              <a:t> – ✅</a:t>
+            </a:r>
+          </a:p>
+          <a:p>
+            <a:pPr algn="l"/>
+            <a:r>
+              <a:rPr lang="en-US" sz="1600" dirty="0" err="1"/>
+              <a:t>set_end_IP_range</a:t>
+            </a:r>
+            <a:r>
+              <a:rPr lang="en-US" sz="1600" dirty="0"/>
+              <a:t> – ✅</a:t>
+            </a:r>
+          </a:p>
+          <a:p>
+            <a:pPr algn="l"/>
+            <a:r>
+              <a:rPr lang="en-US" sz="1600" dirty="0" err="1"/>
+              <a:t>get_end_IP_range</a:t>
+            </a:r>
+            <a:r>
+              <a:rPr lang="en-US" sz="1600" dirty="0"/>
+              <a:t> – ✅</a:t>
+            </a:r>
+          </a:p>
+          <a:p>
+            <a:pPr algn="l"/>
+            <a:r>
+              <a:rPr lang="en-US" sz="1600" dirty="0"/>
+              <a:t>ICMP??? </a:t>
+            </a:r>
+          </a:p>
+          <a:p>
+            <a:pPr algn="l"/>
+            <a:r>
+              <a:rPr lang="en-US" sz="1600" dirty="0"/>
+              <a:t>set_SNMPv2_read_community - ✅</a:t>
+            </a:r>
+          </a:p>
+          <a:p>
+            <a:pPr algn="l"/>
+            <a:r>
+              <a:rPr lang="en-US" sz="1600" dirty="0"/>
+              <a:t>get_SNMPv2_read_community - ✅</a:t>
+            </a:r>
+          </a:p>
+          <a:p>
+            <a:pPr algn="l"/>
+            <a:r>
+              <a:rPr lang="en-US" sz="1600" dirty="0"/>
+              <a:t>set_SNMPv2_write_community - ✅</a:t>
+            </a:r>
+          </a:p>
+          <a:p>
+            <a:pPr algn="l"/>
+            <a:r>
+              <a:rPr lang="en-US" sz="1600" dirty="0"/>
+              <a:t>get_SNMPv2_write_community - ✅</a:t>
+            </a:r>
+          </a:p>
+          <a:p>
+            <a:pPr algn="l"/>
+            <a:r>
+              <a:rPr lang="en-US" sz="1600" dirty="0"/>
+              <a:t>set_SNMPv2_admin_community - ✅</a:t>
+            </a:r>
+          </a:p>
+          <a:p>
+            <a:pPr algn="l"/>
+            <a:r>
+              <a:rPr lang="en-US" sz="1600" dirty="0"/>
+              <a:t>get_SNMPv2_admin_community - ✅</a:t>
+            </a:r>
+          </a:p>
+          <a:p>
+            <a:pPr algn="l"/>
+            <a:endParaRPr lang="en-US" sz="1600" dirty="0"/>
+          </a:p>
+        </p:txBody>
+      </p:sp>
+    </p:spTree>
+    <p:extLst>
+      <p:ext uri="{BB962C8B-B14F-4D97-AF65-F5344CB8AC3E}">
+        <p14:creationId xmlns:p14="http://schemas.microsoft.com/office/powerpoint/2010/main" val="792261236"/>
+      </p:ext>
+    </p:extLst>
+  </p:cSld>
+  <p:clrMapOvr>
+    <a:masterClrMapping/>
+  </p:clrMapOvr>
+</p:sld>
+</file>
+
+<file path=ppt/slides/slide18.xml><?xml version="1.0" encoding="utf-8"?>
 <p:sld xmlns:a="http://schemas.openxmlformats.org/drawingml/2006/main" xmlns:r="http://schemas.openxmlformats.org/officeDocument/2006/relationships" xmlns:p="http://schemas.openxmlformats.org/presentationml/2006/main">
   <p:cSld>
     <p:spTree>
@@ -3859,100 +5327,120 @@
             <a:pPr algn="l"/>
             <a:r>
               <a:rPr lang="en-US" sz="1600" dirty="0"/>
-              <a:t>set_SNMPv3_username – </a:t>
-            </a:r>
-          </a:p>
-          <a:p>
-            <a:pPr algn="l"/>
-            <a:r>
-              <a:rPr lang="en-US" sz="1600" dirty="0"/>
-              <a:t>get_SNMPv3_username – </a:t>
-            </a:r>
-          </a:p>
-          <a:p>
-            <a:pPr algn="l"/>
-            <a:r>
-              <a:rPr lang="en-US" sz="1600" dirty="0"/>
-              <a:t>set_SNMPv3_security_level – </a:t>
-            </a:r>
-          </a:p>
-          <a:p>
-            <a:pPr algn="l"/>
-            <a:r>
-              <a:rPr lang="en-US" sz="1600" dirty="0"/>
-              <a:t>get_SNMPv3_security_level – </a:t>
-            </a:r>
-          </a:p>
-          <a:p>
-            <a:pPr algn="l"/>
-            <a:r>
-              <a:rPr lang="en-US" sz="1600" dirty="0"/>
-              <a:t>set_SNMPv3_contact_port – </a:t>
-            </a:r>
-          </a:p>
-          <a:p>
-            <a:pPr algn="l"/>
-            <a:r>
-              <a:rPr lang="en-US" sz="1600" dirty="0"/>
-              <a:t>get_SNMPv3_contact_port – </a:t>
-            </a:r>
-          </a:p>
-          <a:p>
-            <a:pPr algn="l"/>
-            <a:r>
-              <a:rPr lang="en-US" sz="1600" dirty="0"/>
-              <a:t>set_SNMPv3_performance_transport_protocol - </a:t>
-            </a:r>
-          </a:p>
-          <a:p>
-            <a:pPr algn="l"/>
-            <a:r>
-              <a:rPr lang="en-US" sz="1600" dirty="0"/>
-              <a:t>get_SNMPv3_performance_transport_protocol - </a:t>
-            </a:r>
-          </a:p>
-          <a:p>
-            <a:pPr algn="l"/>
-            <a:r>
-              <a:rPr lang="en-US" sz="1600" dirty="0" err="1"/>
-              <a:t>reset_to_default</a:t>
-            </a:r>
-            <a:r>
-              <a:rPr lang="en-US" sz="1600" dirty="0"/>
-              <a:t> – </a:t>
-            </a:r>
-          </a:p>
-          <a:p>
-            <a:pPr algn="l"/>
-            <a:r>
-              <a:rPr lang="en-US" sz="1600" dirty="0" err="1"/>
-              <a:t>save_as_default</a:t>
-            </a:r>
-            <a:r>
-              <a:rPr lang="en-US" sz="1600" dirty="0"/>
-              <a:t> – </a:t>
-            </a:r>
-          </a:p>
-          <a:p>
-            <a:pPr algn="l"/>
-            <a:r>
-              <a:rPr lang="en-US" sz="1600" dirty="0" err="1"/>
-              <a:t>start_discovery</a:t>
-            </a:r>
-            <a:r>
-              <a:rPr lang="en-US" sz="1600" dirty="0"/>
-              <a:t> - </a:t>
-            </a:r>
-          </a:p>
-          <a:p>
-            <a:pPr algn="l"/>
-            <a:r>
-              <a:rPr lang="en-US" sz="1600" dirty="0" err="1"/>
-              <a:t>close_device_discovery</a:t>
-            </a:r>
-            <a:r>
-              <a:rPr lang="en-US" sz="1600" dirty="0"/>
-              <a:t> - </a:t>
+              <a:t>set_SNMPv2_contact_port - ✅</a:t>
+            </a:r>
+          </a:p>
+          <a:p>
+            <a:pPr algn="l"/>
+            <a:r>
+              <a:rPr lang="en-US" sz="1600" dirty="0"/>
+              <a:t>get_SNMPv2_contact_port - ✅</a:t>
+            </a:r>
+          </a:p>
+          <a:p>
+            <a:pPr algn="l"/>
+            <a:r>
+              <a:rPr lang="en-US" sz="1600" dirty="0" err="1"/>
+              <a:t>set_performance_transport_protocol</a:t>
+            </a:r>
+            <a:r>
+              <a:rPr lang="en-US" sz="1600" dirty="0"/>
+              <a:t> - ✅</a:t>
+            </a:r>
+          </a:p>
+          <a:p>
+            <a:pPr algn="l"/>
+            <a:r>
+              <a:rPr lang="en-US" sz="1600" dirty="0" err="1"/>
+              <a:t>get_performance_transport_protocol</a:t>
+            </a:r>
+            <a:r>
+              <a:rPr lang="en-US" sz="1600" dirty="0"/>
+              <a:t> – ✅</a:t>
+            </a:r>
+          </a:p>
+          <a:p>
+            <a:pPr algn="l"/>
+            <a:r>
+              <a:rPr lang="en-US" sz="1600" dirty="0"/>
+              <a:t>set_SNMPv3_username – ✅</a:t>
+            </a:r>
+          </a:p>
+          <a:p>
+            <a:pPr algn="l"/>
+            <a:r>
+              <a:rPr lang="en-US" sz="1600" dirty="0"/>
+              <a:t>get_SNMPv3_username – ✅</a:t>
+            </a:r>
+          </a:p>
+          <a:p>
+            <a:pPr algn="l"/>
+            <a:r>
+              <a:rPr lang="en-US" sz="1600" dirty="0"/>
+              <a:t>set_SNMPv3_security_level – ✅</a:t>
+            </a:r>
+          </a:p>
+          <a:p>
+            <a:pPr algn="l"/>
+            <a:r>
+              <a:rPr lang="en-US" sz="1600" dirty="0"/>
+              <a:t>get_SNMPv3_security_level – ✅</a:t>
+            </a:r>
+          </a:p>
+          <a:p>
+            <a:pPr algn="l"/>
+            <a:r>
+              <a:rPr lang="en-US" sz="1600" dirty="0"/>
+              <a:t>set_SNMPv3_authentication_protocol – ✅</a:t>
+            </a:r>
+          </a:p>
+          <a:p>
+            <a:pPr algn="l"/>
+            <a:r>
+              <a:rPr lang="en-US" sz="1600" dirty="0"/>
+              <a:t>get_SNMPv3_authentication_protocol – ✅</a:t>
+            </a:r>
+          </a:p>
+          <a:p>
+            <a:pPr algn="l"/>
+            <a:r>
+              <a:rPr lang="en-US" sz="1600" dirty="0"/>
+              <a:t>set_SNMPv3_authentication_password – ✅</a:t>
+            </a:r>
+          </a:p>
+          <a:p>
+            <a:pPr algn="l"/>
+            <a:r>
+              <a:rPr lang="en-US" sz="1600" dirty="0"/>
+              <a:t>get_SNMPv3_authentication_password – ✅</a:t>
+            </a:r>
+          </a:p>
+          <a:p>
+            <a:pPr algn="l"/>
+            <a:r>
+              <a:rPr lang="en-US" sz="1600" dirty="0"/>
+              <a:t>set_SNMPv3_privacy_protocol – ✅</a:t>
+            </a:r>
+          </a:p>
+          <a:p>
+            <a:pPr algn="l"/>
+            <a:r>
+              <a:rPr lang="en-US" sz="1600" dirty="0"/>
+              <a:t>get_SNMPv3_privacy_protocol – ✅</a:t>
+            </a:r>
+          </a:p>
+          <a:p>
+            <a:pPr algn="l"/>
+            <a:r>
+              <a:rPr lang="en-US" sz="1600" dirty="0"/>
+              <a:t>set_SNMPv3_privacy_password – ✅</a:t>
+            </a:r>
+          </a:p>
+          <a:p>
+            <a:pPr algn="l"/>
+            <a:r>
+              <a:rPr lang="en-US" sz="1600" dirty="0"/>
+              <a:t>get_SNMPv3_privacy_password - ✅ </a:t>
             </a:r>
           </a:p>
         </p:txBody>
@@ -3970,7 +5458,475 @@
 </p:sld>
 </file>
 
-<file path=ppt/slides/slide11.xml><?xml version="1.0" encoding="utf-8"?>
+<file path=ppt/slides/slide19.xml><?xml version="1.0" encoding="utf-8"?>
+<p:sld xmlns:a="http://schemas.openxmlformats.org/drawingml/2006/main" xmlns:r="http://schemas.openxmlformats.org/officeDocument/2006/relationships" xmlns:p="http://schemas.openxmlformats.org/presentationml/2006/main">
+  <p:cSld>
+    <p:spTree>
+      <p:nvGrpSpPr>
+        <p:cNvPr id="1" name="">
+          <a:extLst>
+            <a:ext uri="{FF2B5EF4-FFF2-40B4-BE49-F238E27FC236}">
+              <a16:creationId xmlns:a16="http://schemas.microsoft.com/office/drawing/2014/main" id="{A41E0A00-236B-F29C-BCBB-8C66723798A2}"/>
+            </a:ext>
+          </a:extLst>
+        </p:cNvPr>
+        <p:cNvGrpSpPr/>
+        <p:nvPr/>
+      </p:nvGrpSpPr>
+      <p:grpSpPr>
+        <a:xfrm>
+          <a:off x="0" y="0"/>
+          <a:ext cx="0" cy="0"/>
+          <a:chOff x="0" y="0"/>
+          <a:chExt cx="0" cy="0"/>
+        </a:xfrm>
+      </p:grpSpPr>
+      <p:sp>
+        <p:nvSpPr>
+          <p:cNvPr id="3" name="Subtitle 2">
+            <a:extLst>
+              <a:ext uri="{FF2B5EF4-FFF2-40B4-BE49-F238E27FC236}">
+                <a16:creationId xmlns:a16="http://schemas.microsoft.com/office/drawing/2014/main" id="{0E81F859-8B74-9346-6E3F-9BC02668C6B5}"/>
+              </a:ext>
+            </a:extLst>
+          </p:cNvPr>
+          <p:cNvSpPr>
+            <a:spLocks noGrp="1"/>
+          </p:cNvSpPr>
+          <p:nvPr>
+            <p:ph type="subTitle" idx="1"/>
+          </p:nvPr>
+        </p:nvSpPr>
+        <p:spPr>
+          <a:xfrm>
+            <a:off x="106680" y="99886"/>
+            <a:ext cx="11990832" cy="6666674"/>
+          </a:xfrm>
+        </p:spPr>
+        <p:txBody>
+          <a:bodyPr>
+            <a:normAutofit/>
+          </a:bodyPr>
+          <a:lstStyle/>
+          <a:p>
+            <a:pPr algn="l"/>
+            <a:r>
+              <a:rPr lang="en-US" sz="1800" b="1" dirty="0" err="1"/>
+              <a:t>device_discovery</a:t>
+            </a:r>
+            <a:r>
+              <a:rPr lang="en-US" sz="1800" b="1" dirty="0"/>
+              <a:t>:</a:t>
+            </a:r>
+          </a:p>
+          <a:p>
+            <a:pPr algn="l"/>
+            <a:r>
+              <a:rPr lang="en-US" sz="1800" dirty="0"/>
+              <a:t>set_SNMPv3_contact_port – ✅ </a:t>
+            </a:r>
+          </a:p>
+          <a:p>
+            <a:pPr algn="l"/>
+            <a:r>
+              <a:rPr lang="en-US" sz="1800" dirty="0"/>
+              <a:t>get_SNMPv3_contact_port – ✅</a:t>
+            </a:r>
+          </a:p>
+          <a:p>
+            <a:pPr algn="l"/>
+            <a:r>
+              <a:rPr lang="en-US" sz="1800" dirty="0" err="1"/>
+              <a:t>click_reset_to_default</a:t>
+            </a:r>
+            <a:r>
+              <a:rPr lang="en-US" sz="1800" dirty="0"/>
+              <a:t> – ✅</a:t>
+            </a:r>
+          </a:p>
+          <a:p>
+            <a:pPr algn="l"/>
+            <a:r>
+              <a:rPr lang="en-US" sz="1800" dirty="0" err="1"/>
+              <a:t>click_save_as_default</a:t>
+            </a:r>
+            <a:r>
+              <a:rPr lang="en-US" sz="1800" dirty="0"/>
+              <a:t> – ✅</a:t>
+            </a:r>
+          </a:p>
+          <a:p>
+            <a:pPr algn="l"/>
+            <a:r>
+              <a:rPr lang="en-US" sz="1800" dirty="0" err="1"/>
+              <a:t>confirm_default_override</a:t>
+            </a:r>
+            <a:r>
+              <a:rPr lang="en-US" sz="1800" dirty="0"/>
+              <a:t> - ✅</a:t>
+            </a:r>
+          </a:p>
+          <a:p>
+            <a:pPr algn="l"/>
+            <a:r>
+              <a:rPr lang="en-US" sz="1800" dirty="0" err="1"/>
+              <a:t>reject_default_override</a:t>
+            </a:r>
+            <a:r>
+              <a:rPr lang="en-US" sz="1800" dirty="0"/>
+              <a:t> - ✅</a:t>
+            </a:r>
+          </a:p>
+          <a:p>
+            <a:pPr algn="l"/>
+            <a:r>
+              <a:rPr lang="en-US" sz="1800" dirty="0" err="1"/>
+              <a:t>click_start_discovery</a:t>
+            </a:r>
+            <a:r>
+              <a:rPr lang="en-US" sz="1800" dirty="0"/>
+              <a:t> - ✅</a:t>
+            </a:r>
+          </a:p>
+          <a:p>
+            <a:pPr algn="l"/>
+            <a:r>
+              <a:rPr lang="en-US" sz="1800" dirty="0" err="1"/>
+              <a:t>close_device_discovery</a:t>
+            </a:r>
+            <a:r>
+              <a:rPr lang="en-US" sz="1800" dirty="0"/>
+              <a:t> - ✅</a:t>
+            </a:r>
+          </a:p>
+          <a:p>
+            <a:pPr algn="l"/>
+            <a:endParaRPr lang="en-US" sz="1800" b="1" dirty="0"/>
+          </a:p>
+        </p:txBody>
+      </p:sp>
+      <p:sp>
+        <p:nvSpPr>
+          <p:cNvPr id="4" name="TextBox 3">
+            <a:extLst>
+              <a:ext uri="{FF2B5EF4-FFF2-40B4-BE49-F238E27FC236}">
+                <a16:creationId xmlns:a16="http://schemas.microsoft.com/office/drawing/2014/main" id="{804D0AC7-5B97-6B06-6F5C-89570047182E}"/>
+              </a:ext>
+            </a:extLst>
+          </p:cNvPr>
+          <p:cNvSpPr txBox="1"/>
+          <p:nvPr/>
+        </p:nvSpPr>
+        <p:spPr>
+          <a:xfrm>
+            <a:off x="9858568" y="199942"/>
+            <a:ext cx="1982724" cy="369332"/>
+          </a:xfrm>
+          <a:prstGeom prst="rect">
+            <a:avLst/>
+          </a:prstGeom>
+          <a:noFill/>
+        </p:spPr>
+        <p:txBody>
+          <a:bodyPr wrap="square" rtlCol="0">
+            <a:spAutoFit/>
+          </a:bodyPr>
+          <a:lstStyle/>
+          <a:p>
+            <a:r>
+              <a:rPr lang="en-US" b="1" dirty="0">
+                <a:highlight>
+                  <a:srgbClr val="00FF00"/>
+                </a:highlight>
+              </a:rPr>
+              <a:t>Summary: 100%</a:t>
+            </a:r>
+            <a:endParaRPr lang="en-US" sz="1200" b="1" dirty="0">
+              <a:highlight>
+                <a:srgbClr val="00FF00"/>
+              </a:highlight>
+            </a:endParaRPr>
+          </a:p>
+        </p:txBody>
+      </p:sp>
+    </p:spTree>
+    <p:extLst>
+      <p:ext uri="{BB962C8B-B14F-4D97-AF65-F5344CB8AC3E}">
+        <p14:creationId xmlns:p14="http://schemas.microsoft.com/office/powerpoint/2010/main" val="2545360716"/>
+      </p:ext>
+    </p:extLst>
+  </p:cSld>
+  <p:clrMapOvr>
+    <a:masterClrMapping/>
+  </p:clrMapOvr>
+</p:sld>
+</file>
+
+<file path=ppt/slides/slide2.xml><?xml version="1.0" encoding="utf-8"?>
+<p:sld xmlns:a="http://schemas.openxmlformats.org/drawingml/2006/main" xmlns:r="http://schemas.openxmlformats.org/officeDocument/2006/relationships" xmlns:p="http://schemas.openxmlformats.org/presentationml/2006/main">
+  <p:cSld>
+    <p:spTree>
+      <p:nvGrpSpPr>
+        <p:cNvPr id="1" name=""/>
+        <p:cNvGrpSpPr/>
+        <p:nvPr/>
+      </p:nvGrpSpPr>
+      <p:grpSpPr>
+        <a:xfrm>
+          <a:off x="0" y="0"/>
+          <a:ext cx="0" cy="0"/>
+          <a:chOff x="0" y="0"/>
+          <a:chExt cx="0" cy="0"/>
+        </a:xfrm>
+      </p:grpSpPr>
+      <p:sp>
+        <p:nvSpPr>
+          <p:cNvPr id="3" name="Subtitle 2">
+            <a:extLst>
+              <a:ext uri="{FF2B5EF4-FFF2-40B4-BE49-F238E27FC236}">
+                <a16:creationId xmlns:a16="http://schemas.microsoft.com/office/drawing/2014/main" id="{933A5C60-4C47-A859-5AF8-BA3EB255F843}"/>
+              </a:ext>
+            </a:extLst>
+          </p:cNvPr>
+          <p:cNvSpPr>
+            <a:spLocks noGrp="1"/>
+          </p:cNvSpPr>
+          <p:nvPr>
+            <p:ph type="subTitle" idx="1"/>
+          </p:nvPr>
+        </p:nvSpPr>
+        <p:spPr>
+          <a:xfrm>
+            <a:off x="106680" y="99886"/>
+            <a:ext cx="11990832" cy="6666674"/>
+          </a:xfrm>
+        </p:spPr>
+        <p:txBody>
+          <a:bodyPr>
+            <a:normAutofit/>
+          </a:bodyPr>
+          <a:lstStyle/>
+          <a:p>
+            <a:pPr algn="l"/>
+            <a:r>
+              <a:rPr lang="en-US" sz="1800" b="1" dirty="0" err="1"/>
+              <a:t>LoginPage</a:t>
+            </a:r>
+            <a:r>
+              <a:rPr lang="en-US" sz="1800" b="1" dirty="0"/>
+              <a:t>:</a:t>
+            </a:r>
+          </a:p>
+          <a:p>
+            <a:pPr algn="l"/>
+            <a:r>
+              <a:rPr lang="en-US" sz="1600" dirty="0"/>
+              <a:t>Init – ✅</a:t>
+            </a:r>
+            <a:endParaRPr lang="en-US" sz="1100" dirty="0"/>
+          </a:p>
+          <a:p>
+            <a:pPr algn="l"/>
+            <a:r>
+              <a:rPr lang="en-US" sz="1600" dirty="0" err="1"/>
+              <a:t>goto</a:t>
+            </a:r>
+            <a:r>
+              <a:rPr lang="en-US" sz="1600" dirty="0"/>
+              <a:t> – ✅</a:t>
+            </a:r>
+          </a:p>
+          <a:p>
+            <a:pPr algn="l"/>
+            <a:r>
+              <a:rPr lang="en-US" sz="1600" dirty="0"/>
+              <a:t>login – ✅</a:t>
+            </a:r>
+          </a:p>
+          <a:p>
+            <a:pPr algn="l"/>
+            <a:r>
+              <a:rPr lang="en-US" sz="1600" dirty="0"/>
+              <a:t>logout – ✅</a:t>
+            </a:r>
+          </a:p>
+          <a:p>
+            <a:pPr algn="l"/>
+            <a:r>
+              <a:rPr lang="en-US" sz="1600" dirty="0" err="1"/>
+              <a:t>click_reload_button</a:t>
+            </a:r>
+            <a:r>
+              <a:rPr lang="en-US" sz="1600" dirty="0"/>
+              <a:t> - ✅</a:t>
+            </a:r>
+          </a:p>
+          <a:p>
+            <a:pPr algn="l"/>
+            <a:endParaRPr lang="en-US" sz="1600" dirty="0"/>
+          </a:p>
+          <a:p>
+            <a:pPr algn="l"/>
+            <a:endParaRPr lang="en-US" sz="1600" dirty="0"/>
+          </a:p>
+          <a:p>
+            <a:pPr algn="l"/>
+            <a:endParaRPr lang="en-US" sz="1600" dirty="0"/>
+          </a:p>
+        </p:txBody>
+      </p:sp>
+      <p:sp>
+        <p:nvSpPr>
+          <p:cNvPr id="2" name="TextBox 1">
+            <a:extLst>
+              <a:ext uri="{FF2B5EF4-FFF2-40B4-BE49-F238E27FC236}">
+                <a16:creationId xmlns:a16="http://schemas.microsoft.com/office/drawing/2014/main" id="{8BAF9ABF-B641-109B-83DF-254ABB4659FF}"/>
+              </a:ext>
+            </a:extLst>
+          </p:cNvPr>
+          <p:cNvSpPr txBox="1"/>
+          <p:nvPr/>
+        </p:nvSpPr>
+        <p:spPr>
+          <a:xfrm>
+            <a:off x="9858568" y="199942"/>
+            <a:ext cx="1982724" cy="369332"/>
+          </a:xfrm>
+          <a:prstGeom prst="rect">
+            <a:avLst/>
+          </a:prstGeom>
+          <a:noFill/>
+        </p:spPr>
+        <p:txBody>
+          <a:bodyPr wrap="square" rtlCol="0">
+            <a:spAutoFit/>
+          </a:bodyPr>
+          <a:lstStyle/>
+          <a:p>
+            <a:r>
+              <a:rPr lang="en-US" b="1" dirty="0">
+                <a:highlight>
+                  <a:srgbClr val="00FF00"/>
+                </a:highlight>
+              </a:rPr>
+              <a:t>Summary: 100%</a:t>
+            </a:r>
+            <a:endParaRPr lang="en-US" sz="1200" b="1" dirty="0">
+              <a:highlight>
+                <a:srgbClr val="00FF00"/>
+              </a:highlight>
+            </a:endParaRPr>
+          </a:p>
+        </p:txBody>
+      </p:sp>
+    </p:spTree>
+    <p:extLst>
+      <p:ext uri="{BB962C8B-B14F-4D97-AF65-F5344CB8AC3E}">
+        <p14:creationId xmlns:p14="http://schemas.microsoft.com/office/powerpoint/2010/main" val="1250013317"/>
+      </p:ext>
+    </p:extLst>
+  </p:cSld>
+  <p:clrMapOvr>
+    <a:masterClrMapping/>
+  </p:clrMapOvr>
+</p:sld>
+</file>
+
+<file path=ppt/slides/slide20.xml><?xml version="1.0" encoding="utf-8"?>
+<p:sld xmlns:a="http://schemas.openxmlformats.org/drawingml/2006/main" xmlns:r="http://schemas.openxmlformats.org/officeDocument/2006/relationships" xmlns:p="http://schemas.openxmlformats.org/presentationml/2006/main">
+  <p:cSld>
+    <p:spTree>
+      <p:nvGrpSpPr>
+        <p:cNvPr id="1" name="">
+          <a:extLst>
+            <a:ext uri="{FF2B5EF4-FFF2-40B4-BE49-F238E27FC236}">
+              <a16:creationId xmlns:a16="http://schemas.microsoft.com/office/drawing/2014/main" id="{B93E4BDF-0816-5E11-9FA2-DE07C4D17A10}"/>
+            </a:ext>
+          </a:extLst>
+        </p:cNvPr>
+        <p:cNvGrpSpPr/>
+        <p:nvPr/>
+      </p:nvGrpSpPr>
+      <p:grpSpPr>
+        <a:xfrm>
+          <a:off x="0" y="0"/>
+          <a:ext cx="0" cy="0"/>
+          <a:chOff x="0" y="0"/>
+          <a:chExt cx="0" cy="0"/>
+        </a:xfrm>
+      </p:grpSpPr>
+      <p:sp>
+        <p:nvSpPr>
+          <p:cNvPr id="5" name="Subtitle 4">
+            <a:extLst>
+              <a:ext uri="{FF2B5EF4-FFF2-40B4-BE49-F238E27FC236}">
+                <a16:creationId xmlns:a16="http://schemas.microsoft.com/office/drawing/2014/main" id="{32F55FD8-5028-8AEB-A47D-B215E49F3A9E}"/>
+              </a:ext>
+            </a:extLst>
+          </p:cNvPr>
+          <p:cNvSpPr>
+            <a:spLocks noGrp="1"/>
+          </p:cNvSpPr>
+          <p:nvPr>
+            <p:ph type="subTitle" idx="1"/>
+          </p:nvPr>
+        </p:nvSpPr>
+        <p:spPr>
+          <a:xfrm>
+            <a:off x="73152" y="91440"/>
+            <a:ext cx="12042648" cy="6693408"/>
+          </a:xfrm>
+          <a:solidFill>
+            <a:schemeClr val="accent4">
+              <a:lumMod val="40000"/>
+              <a:lumOff val="60000"/>
+            </a:schemeClr>
+          </a:solidFill>
+        </p:spPr>
+        <p:txBody>
+          <a:bodyPr/>
+          <a:lstStyle/>
+          <a:p>
+            <a:endParaRPr lang="en-US" dirty="0"/>
+          </a:p>
+          <a:p>
+            <a:endParaRPr lang="en-US" dirty="0"/>
+          </a:p>
+          <a:p>
+            <a:endParaRPr lang="en-US" dirty="0"/>
+          </a:p>
+          <a:p>
+            <a:endParaRPr lang="en-US" dirty="0"/>
+          </a:p>
+          <a:p>
+            <a:endParaRPr lang="en-US" dirty="0"/>
+          </a:p>
+          <a:p>
+            <a:endParaRPr lang="en-US" dirty="0"/>
+          </a:p>
+          <a:p>
+            <a:r>
+              <a:rPr lang="en-US" sz="4000" b="1" dirty="0" err="1"/>
+              <a:t>DomainManagement</a:t>
+            </a:r>
+            <a:endParaRPr lang="en-US" sz="4000" b="1" dirty="0"/>
+          </a:p>
+        </p:txBody>
+      </p:sp>
+    </p:spTree>
+    <p:extLst>
+      <p:ext uri="{BB962C8B-B14F-4D97-AF65-F5344CB8AC3E}">
+        <p14:creationId xmlns:p14="http://schemas.microsoft.com/office/powerpoint/2010/main" val="1825907236"/>
+      </p:ext>
+    </p:extLst>
+  </p:cSld>
+  <p:clrMapOvr>
+    <a:masterClrMapping/>
+  </p:clrMapOvr>
+</p:sld>
+</file>
+
+<file path=ppt/slides/slide21.xml><?xml version="1.0" encoding="utf-8"?>
 <p:sld xmlns:a="http://schemas.openxmlformats.org/drawingml/2006/main" xmlns:r="http://schemas.openxmlformats.org/officeDocument/2006/relationships" xmlns:p="http://schemas.openxmlformats.org/presentationml/2006/main">
   <p:cSld>
     <p:spTree>
@@ -4035,10 +5991,54 @@
             <a:pPr algn="l"/>
             <a:r>
               <a:rPr lang="en-US" sz="1600" dirty="0" err="1"/>
+              <a:t>click_add_domain</a:t>
+            </a:r>
+            <a:r>
+              <a:rPr lang="en-US" sz="1600" dirty="0"/>
+              <a:t> - ✅</a:t>
+            </a:r>
+          </a:p>
+          <a:p>
+            <a:pPr algn="l"/>
+            <a:r>
+              <a:rPr lang="en-US" sz="1600" dirty="0" err="1"/>
               <a:t>add_domain</a:t>
             </a:r>
             <a:r>
               <a:rPr lang="en-US" sz="1600" dirty="0"/>
+              <a:t> – ✅</a:t>
+            </a:r>
+          </a:p>
+          <a:p>
+            <a:pPr algn="l"/>
+            <a:r>
+              <a:rPr lang="en-US" sz="1600" dirty="0" err="1"/>
+              <a:t>remove_domain</a:t>
+            </a:r>
+            <a:r>
+              <a:rPr lang="en-US" sz="1600" dirty="0"/>
+              <a:t> –</a:t>
+            </a:r>
+          </a:p>
+          <a:p>
+            <a:pPr algn="l"/>
+            <a:r>
+              <a:rPr lang="en-US" sz="1600" dirty="0" err="1"/>
+              <a:t>click_rename_chassis</a:t>
+            </a:r>
+            <a:r>
+              <a:rPr lang="en-US" sz="1600" dirty="0"/>
+              <a:t> -</a:t>
+            </a:r>
+          </a:p>
+          <a:p>
+            <a:pPr algn="l"/>
+            <a:r>
+              <a:rPr lang="en-US" sz="1600" dirty="0" err="1"/>
+              <a:t>rename_domain</a:t>
+            </a:r>
+            <a:r>
+              <a:rPr lang="en-US" sz="1600" dirty="0"/>
               <a:t> – </a:t>
             </a:r>
           </a:p>
@@ -4046,18 +6046,18 @@
             <a:pPr algn="l"/>
             <a:r>
               <a:rPr lang="en-US" sz="1600" dirty="0" err="1"/>
-              <a:t>remove_domain</a:t>
-            </a:r>
-            <a:r>
-              <a:rPr lang="en-US" sz="1600" dirty="0"/>
-              <a:t> –</a:t>
-            </a:r>
-          </a:p>
-          <a:p>
-            <a:pPr algn="l"/>
-            <a:r>
-              <a:rPr lang="en-US" sz="1600" dirty="0" err="1"/>
-              <a:t>rename_domain</a:t>
+              <a:t>click_change_CHASSIS_ID</a:t>
+            </a:r>
+            <a:r>
+              <a:rPr lang="en-US" sz="1600" dirty="0"/>
+              <a:t> -</a:t>
+            </a:r>
+          </a:p>
+          <a:p>
+            <a:pPr algn="l"/>
+            <a:r>
+              <a:rPr lang="en-US" sz="1600" dirty="0" err="1"/>
+              <a:t>change_CHASSIS_ID</a:t>
             </a:r>
             <a:r>
               <a:rPr lang="en-US" sz="1600" dirty="0"/>
@@ -4068,11 +6068,11 @@
             <a:pPr algn="l"/>
             <a:r>
               <a:rPr lang="en-US" sz="1600" dirty="0" err="1"/>
-              <a:t>change_CHASSIS_ID</a:t>
-            </a:r>
-            <a:r>
-              <a:rPr lang="en-US" sz="1600" dirty="0"/>
-              <a:t> – </a:t>
+              <a:t>click_move_to_domain_mode</a:t>
+            </a:r>
+            <a:r>
+              <a:rPr lang="en-US" sz="1600" dirty="0"/>
+              <a:t> -</a:t>
             </a:r>
           </a:p>
           <a:p>
@@ -4093,6 +6093,50 @@
           <a:p>
             <a:pPr algn="l"/>
             <a:endParaRPr lang="en-US" sz="1600" dirty="0"/>
+          </a:p>
+        </p:txBody>
+      </p:sp>
+      <p:sp>
+        <p:nvSpPr>
+          <p:cNvPr id="2" name="TextBox 1">
+            <a:extLst>
+              <a:ext uri="{FF2B5EF4-FFF2-40B4-BE49-F238E27FC236}">
+                <a16:creationId xmlns:a16="http://schemas.microsoft.com/office/drawing/2014/main" id="{1A525798-5B44-006C-54E9-CBF1DB5BEE35}"/>
+              </a:ext>
+            </a:extLst>
+          </p:cNvPr>
+          <p:cNvSpPr txBox="1"/>
+          <p:nvPr/>
+        </p:nvSpPr>
+        <p:spPr>
+          <a:xfrm>
+            <a:off x="9858568" y="199942"/>
+            <a:ext cx="1982724" cy="369332"/>
+          </a:xfrm>
+          <a:prstGeom prst="rect">
+            <a:avLst/>
+          </a:prstGeom>
+          <a:noFill/>
+        </p:spPr>
+        <p:txBody>
+          <a:bodyPr wrap="square" rtlCol="0">
+            <a:spAutoFit/>
+          </a:bodyPr>
+          <a:lstStyle/>
+          <a:p>
+            <a:r>
+              <a:rPr lang="en-US" b="1" dirty="0">
+                <a:highlight>
+                  <a:srgbClr val="FFFF00"/>
+                </a:highlight>
+              </a:rPr>
+              <a:t>Summary: 0%</a:t>
+            </a:r>
+            <a:endParaRPr lang="en-US" sz="1200" b="1" dirty="0">
+              <a:highlight>
+                <a:srgbClr val="FFFF00"/>
+              </a:highlight>
+            </a:endParaRPr>
           </a:p>
         </p:txBody>
       </p:sp>
@@ -4109,7 +6153,100 @@
 </p:sld>
 </file>
 
-<file path=ppt/slides/slide12.xml><?xml version="1.0" encoding="utf-8"?>
+<file path=ppt/slides/slide22.xml><?xml version="1.0" encoding="utf-8"?>
+<p:sld xmlns:a="http://schemas.openxmlformats.org/drawingml/2006/main" xmlns:r="http://schemas.openxmlformats.org/officeDocument/2006/relationships" xmlns:p="http://schemas.openxmlformats.org/presentationml/2006/main">
+  <p:cSld>
+    <p:spTree>
+      <p:nvGrpSpPr>
+        <p:cNvPr id="1" name="">
+          <a:extLst>
+            <a:ext uri="{FF2B5EF4-FFF2-40B4-BE49-F238E27FC236}">
+              <a16:creationId xmlns:a16="http://schemas.microsoft.com/office/drawing/2014/main" id="{0D1B1FA5-73CC-9237-9B1E-D0040A687AF2}"/>
+            </a:ext>
+          </a:extLst>
+        </p:cNvPr>
+        <p:cNvGrpSpPr/>
+        <p:nvPr/>
+      </p:nvGrpSpPr>
+      <p:grpSpPr>
+        <a:xfrm>
+          <a:off x="0" y="0"/>
+          <a:ext cx="0" cy="0"/>
+          <a:chOff x="0" y="0"/>
+          <a:chExt cx="0" cy="0"/>
+        </a:xfrm>
+      </p:grpSpPr>
+      <p:sp>
+        <p:nvSpPr>
+          <p:cNvPr id="5" name="Subtitle 4">
+            <a:extLst>
+              <a:ext uri="{FF2B5EF4-FFF2-40B4-BE49-F238E27FC236}">
+                <a16:creationId xmlns:a16="http://schemas.microsoft.com/office/drawing/2014/main" id="{025F3653-7CB3-F05E-4D8F-574AC960C41D}"/>
+              </a:ext>
+            </a:extLst>
+          </p:cNvPr>
+          <p:cNvSpPr>
+            <a:spLocks noGrp="1"/>
+          </p:cNvSpPr>
+          <p:nvPr>
+            <p:ph type="subTitle" idx="1"/>
+          </p:nvPr>
+        </p:nvSpPr>
+        <p:spPr>
+          <a:xfrm>
+            <a:off x="73152" y="91440"/>
+            <a:ext cx="12042648" cy="6693408"/>
+          </a:xfrm>
+          <a:solidFill>
+            <a:schemeClr val="accent4">
+              <a:lumMod val="40000"/>
+              <a:lumOff val="60000"/>
+            </a:schemeClr>
+          </a:solidFill>
+        </p:spPr>
+        <p:txBody>
+          <a:bodyPr/>
+          <a:lstStyle/>
+          <a:p>
+            <a:endParaRPr lang="en-US" dirty="0"/>
+          </a:p>
+          <a:p>
+            <a:endParaRPr lang="en-US" dirty="0"/>
+          </a:p>
+          <a:p>
+            <a:endParaRPr lang="en-US" dirty="0"/>
+          </a:p>
+          <a:p>
+            <a:endParaRPr lang="en-US" dirty="0"/>
+          </a:p>
+          <a:p>
+            <a:endParaRPr lang="en-US" dirty="0"/>
+          </a:p>
+          <a:p>
+            <a:endParaRPr lang="en-US" dirty="0"/>
+          </a:p>
+          <a:p>
+            <a:r>
+              <a:rPr lang="en-US" sz="4000" b="1" dirty="0"/>
+              <a:t>Inventory</a:t>
+            </a:r>
+          </a:p>
+        </p:txBody>
+      </p:sp>
+    </p:spTree>
+    <p:extLst>
+      <p:ext uri="{BB962C8B-B14F-4D97-AF65-F5344CB8AC3E}">
+        <p14:creationId xmlns:p14="http://schemas.microsoft.com/office/powerpoint/2010/main" val="3758202765"/>
+      </p:ext>
+    </p:extLst>
+  </p:cSld>
+  <p:clrMapOvr>
+    <a:masterClrMapping/>
+  </p:clrMapOvr>
+</p:sld>
+</file>
+
+<file path=ppt/slides/slide23.xml><?xml version="1.0" encoding="utf-8"?>
 <p:sld xmlns:a="http://schemas.openxmlformats.org/drawingml/2006/main" xmlns:r="http://schemas.openxmlformats.org/officeDocument/2006/relationships" xmlns:p="http://schemas.openxmlformats.org/presentationml/2006/main">
   <p:cSld>
     <p:spTree>
@@ -4183,6 +6320,50 @@
           </a:p>
         </p:txBody>
       </p:sp>
+      <p:sp>
+        <p:nvSpPr>
+          <p:cNvPr id="2" name="TextBox 1">
+            <a:extLst>
+              <a:ext uri="{FF2B5EF4-FFF2-40B4-BE49-F238E27FC236}">
+                <a16:creationId xmlns:a16="http://schemas.microsoft.com/office/drawing/2014/main" id="{0FE668BA-BFB9-8E1F-7769-3B26A71174CE}"/>
+              </a:ext>
+            </a:extLst>
+          </p:cNvPr>
+          <p:cNvSpPr txBox="1"/>
+          <p:nvPr/>
+        </p:nvSpPr>
+        <p:spPr>
+          <a:xfrm>
+            <a:off x="9858568" y="199942"/>
+            <a:ext cx="1982724" cy="369332"/>
+          </a:xfrm>
+          <a:prstGeom prst="rect">
+            <a:avLst/>
+          </a:prstGeom>
+          <a:noFill/>
+        </p:spPr>
+        <p:txBody>
+          <a:bodyPr wrap="square" rtlCol="0">
+            <a:spAutoFit/>
+          </a:bodyPr>
+          <a:lstStyle/>
+          <a:p>
+            <a:r>
+              <a:rPr lang="en-US" b="1" dirty="0">
+                <a:highlight>
+                  <a:srgbClr val="FFFF00"/>
+                </a:highlight>
+              </a:rPr>
+              <a:t>Summary: 0%</a:t>
+            </a:r>
+            <a:endParaRPr lang="en-US" sz="1200" b="1" dirty="0">
+              <a:highlight>
+                <a:srgbClr val="FFFF00"/>
+              </a:highlight>
+            </a:endParaRPr>
+          </a:p>
+        </p:txBody>
+      </p:sp>
     </p:spTree>
     <p:extLst>
       <p:ext uri="{BB962C8B-B14F-4D97-AF65-F5344CB8AC3E}">
@@ -4196,7 +6377,100 @@
 </p:sld>
 </file>
 
-<file path=ppt/slides/slide13.xml><?xml version="1.0" encoding="utf-8"?>
+<file path=ppt/slides/slide24.xml><?xml version="1.0" encoding="utf-8"?>
+<p:sld xmlns:a="http://schemas.openxmlformats.org/drawingml/2006/main" xmlns:r="http://schemas.openxmlformats.org/officeDocument/2006/relationships" xmlns:p="http://schemas.openxmlformats.org/presentationml/2006/main">
+  <p:cSld>
+    <p:spTree>
+      <p:nvGrpSpPr>
+        <p:cNvPr id="1" name="">
+          <a:extLst>
+            <a:ext uri="{FF2B5EF4-FFF2-40B4-BE49-F238E27FC236}">
+              <a16:creationId xmlns:a16="http://schemas.microsoft.com/office/drawing/2014/main" id="{995475FA-681D-A19E-4F19-9C5ECBA689CB}"/>
+            </a:ext>
+          </a:extLst>
+        </p:cNvPr>
+        <p:cNvGrpSpPr/>
+        <p:nvPr/>
+      </p:nvGrpSpPr>
+      <p:grpSpPr>
+        <a:xfrm>
+          <a:off x="0" y="0"/>
+          <a:ext cx="0" cy="0"/>
+          <a:chOff x="0" y="0"/>
+          <a:chExt cx="0" cy="0"/>
+        </a:xfrm>
+      </p:grpSpPr>
+      <p:sp>
+        <p:nvSpPr>
+          <p:cNvPr id="5" name="Subtitle 4">
+            <a:extLst>
+              <a:ext uri="{FF2B5EF4-FFF2-40B4-BE49-F238E27FC236}">
+                <a16:creationId xmlns:a16="http://schemas.microsoft.com/office/drawing/2014/main" id="{FD50B5ED-76A2-528B-5BFF-E199171F4C8D}"/>
+              </a:ext>
+            </a:extLst>
+          </p:cNvPr>
+          <p:cNvSpPr>
+            <a:spLocks noGrp="1"/>
+          </p:cNvSpPr>
+          <p:nvPr>
+            <p:ph type="subTitle" idx="1"/>
+          </p:nvPr>
+        </p:nvSpPr>
+        <p:spPr>
+          <a:xfrm>
+            <a:off x="73152" y="91440"/>
+            <a:ext cx="12042648" cy="6693408"/>
+          </a:xfrm>
+          <a:solidFill>
+            <a:schemeClr val="accent4">
+              <a:lumMod val="40000"/>
+              <a:lumOff val="60000"/>
+            </a:schemeClr>
+          </a:solidFill>
+        </p:spPr>
+        <p:txBody>
+          <a:bodyPr/>
+          <a:lstStyle/>
+          <a:p>
+            <a:endParaRPr lang="en-US" dirty="0"/>
+          </a:p>
+          <a:p>
+            <a:endParaRPr lang="en-US" dirty="0"/>
+          </a:p>
+          <a:p>
+            <a:endParaRPr lang="en-US" dirty="0"/>
+          </a:p>
+          <a:p>
+            <a:endParaRPr lang="en-US" dirty="0"/>
+          </a:p>
+          <a:p>
+            <a:endParaRPr lang="en-US" dirty="0"/>
+          </a:p>
+          <a:p>
+            <a:endParaRPr lang="en-US" dirty="0"/>
+          </a:p>
+          <a:p>
+            <a:r>
+              <a:rPr lang="en-US" sz="4000" b="1" dirty="0"/>
+              <a:t>Alarms and Events</a:t>
+            </a:r>
+          </a:p>
+        </p:txBody>
+      </p:sp>
+    </p:spTree>
+    <p:extLst>
+      <p:ext uri="{BB962C8B-B14F-4D97-AF65-F5344CB8AC3E}">
+        <p14:creationId xmlns:p14="http://schemas.microsoft.com/office/powerpoint/2010/main" val="980340704"/>
+      </p:ext>
+    </p:extLst>
+  </p:cSld>
+  <p:clrMapOvr>
+    <a:masterClrMapping/>
+  </p:clrMapOvr>
+</p:sld>
+</file>
+
+<file path=ppt/slides/slide25.xml><?xml version="1.0" encoding="utf-8"?>
 <p:sld xmlns:a="http://schemas.openxmlformats.org/drawingml/2006/main" xmlns:r="http://schemas.openxmlformats.org/officeDocument/2006/relationships" xmlns:p="http://schemas.openxmlformats.org/presentationml/2006/main">
   <p:cSld>
     <p:spTree>
@@ -4425,6 +6699,50 @@
           </a:p>
         </p:txBody>
       </p:sp>
+      <p:sp>
+        <p:nvSpPr>
+          <p:cNvPr id="2" name="TextBox 1">
+            <a:extLst>
+              <a:ext uri="{FF2B5EF4-FFF2-40B4-BE49-F238E27FC236}">
+                <a16:creationId xmlns:a16="http://schemas.microsoft.com/office/drawing/2014/main" id="{6DA6FFF5-287F-A1ED-0659-317193390BDD}"/>
+              </a:ext>
+            </a:extLst>
+          </p:cNvPr>
+          <p:cNvSpPr txBox="1"/>
+          <p:nvPr/>
+        </p:nvSpPr>
+        <p:spPr>
+          <a:xfrm>
+            <a:off x="9858568" y="199942"/>
+            <a:ext cx="1982724" cy="369332"/>
+          </a:xfrm>
+          <a:prstGeom prst="rect">
+            <a:avLst/>
+          </a:prstGeom>
+          <a:noFill/>
+        </p:spPr>
+        <p:txBody>
+          <a:bodyPr wrap="square" rtlCol="0">
+            <a:spAutoFit/>
+          </a:bodyPr>
+          <a:lstStyle/>
+          <a:p>
+            <a:r>
+              <a:rPr lang="en-US" b="1" dirty="0">
+                <a:highlight>
+                  <a:srgbClr val="FFFF00"/>
+                </a:highlight>
+              </a:rPr>
+              <a:t>Summary: 0%</a:t>
+            </a:r>
+            <a:endParaRPr lang="en-US" sz="1200" b="1" dirty="0">
+              <a:highlight>
+                <a:srgbClr val="FFFF00"/>
+              </a:highlight>
+            </a:endParaRPr>
+          </a:p>
+        </p:txBody>
+      </p:sp>
     </p:spTree>
     <p:extLst>
       <p:ext uri="{BB962C8B-B14F-4D97-AF65-F5344CB8AC3E}">
@@ -4438,7 +6756,101 @@
 </p:sld>
 </file>
 
-<file path=ppt/slides/slide14.xml><?xml version="1.0" encoding="utf-8"?>
+<file path=ppt/slides/slide26.xml><?xml version="1.0" encoding="utf-8"?>
+<p:sld xmlns:a="http://schemas.openxmlformats.org/drawingml/2006/main" xmlns:r="http://schemas.openxmlformats.org/officeDocument/2006/relationships" xmlns:p="http://schemas.openxmlformats.org/presentationml/2006/main">
+  <p:cSld>
+    <p:spTree>
+      <p:nvGrpSpPr>
+        <p:cNvPr id="1" name="">
+          <a:extLst>
+            <a:ext uri="{FF2B5EF4-FFF2-40B4-BE49-F238E27FC236}">
+              <a16:creationId xmlns:a16="http://schemas.microsoft.com/office/drawing/2014/main" id="{54478EF2-C6B9-71AD-D6A3-57607E3A8552}"/>
+            </a:ext>
+          </a:extLst>
+        </p:cNvPr>
+        <p:cNvGrpSpPr/>
+        <p:nvPr/>
+      </p:nvGrpSpPr>
+      <p:grpSpPr>
+        <a:xfrm>
+          <a:off x="0" y="0"/>
+          <a:ext cx="0" cy="0"/>
+          <a:chOff x="0" y="0"/>
+          <a:chExt cx="0" cy="0"/>
+        </a:xfrm>
+      </p:grpSpPr>
+      <p:sp>
+        <p:nvSpPr>
+          <p:cNvPr id="5" name="Subtitle 4">
+            <a:extLst>
+              <a:ext uri="{FF2B5EF4-FFF2-40B4-BE49-F238E27FC236}">
+                <a16:creationId xmlns:a16="http://schemas.microsoft.com/office/drawing/2014/main" id="{FD4B3B28-6DF9-616B-1EA8-1567C246E9C3}"/>
+              </a:ext>
+            </a:extLst>
+          </p:cNvPr>
+          <p:cNvSpPr>
+            <a:spLocks noGrp="1"/>
+          </p:cNvSpPr>
+          <p:nvPr>
+            <p:ph type="subTitle" idx="1"/>
+          </p:nvPr>
+        </p:nvSpPr>
+        <p:spPr>
+          <a:xfrm>
+            <a:off x="73152" y="91440"/>
+            <a:ext cx="12042648" cy="6693408"/>
+          </a:xfrm>
+          <a:solidFill>
+            <a:schemeClr val="accent4">
+              <a:lumMod val="40000"/>
+              <a:lumOff val="60000"/>
+            </a:schemeClr>
+          </a:solidFill>
+        </p:spPr>
+        <p:txBody>
+          <a:bodyPr/>
+          <a:lstStyle/>
+          <a:p>
+            <a:endParaRPr lang="en-US" dirty="0"/>
+          </a:p>
+          <a:p>
+            <a:endParaRPr lang="en-US" dirty="0"/>
+          </a:p>
+          <a:p>
+            <a:endParaRPr lang="en-US" dirty="0"/>
+          </a:p>
+          <a:p>
+            <a:endParaRPr lang="en-US" dirty="0"/>
+          </a:p>
+          <a:p>
+            <a:endParaRPr lang="en-US" dirty="0"/>
+          </a:p>
+          <a:p>
+            <a:endParaRPr lang="en-US" dirty="0"/>
+          </a:p>
+          <a:p>
+            <a:r>
+              <a:rPr lang="en-US" sz="4000" b="1" dirty="0" err="1"/>
+              <a:t>CommonFunctions</a:t>
+            </a:r>
+            <a:endParaRPr lang="en-US" sz="4000" b="1" dirty="0"/>
+          </a:p>
+        </p:txBody>
+      </p:sp>
+    </p:spTree>
+    <p:extLst>
+      <p:ext uri="{BB962C8B-B14F-4D97-AF65-F5344CB8AC3E}">
+        <p14:creationId xmlns:p14="http://schemas.microsoft.com/office/powerpoint/2010/main" val="1122448426"/>
+      </p:ext>
+    </p:extLst>
+  </p:cSld>
+  <p:clrMapOvr>
+    <a:masterClrMapping/>
+  </p:clrMapOvr>
+</p:sld>
+</file>
+
+<file path=ppt/slides/slide27.xml><?xml version="1.0" encoding="utf-8"?>
 <p:sld xmlns:a="http://schemas.openxmlformats.org/drawingml/2006/main" xmlns:r="http://schemas.openxmlformats.org/officeDocument/2006/relationships" xmlns:p="http://schemas.openxmlformats.org/presentationml/2006/main">
   <p:cSld>
     <p:spTree>
@@ -4558,7 +6970,7 @@
             </a:r>
             <a:r>
               <a:rPr lang="en-US" sz="1600" dirty="0"/>
-              <a:t> –</a:t>
+              <a:t> – ✅</a:t>
             </a:r>
           </a:p>
           <a:p>
@@ -4613,6 +7025,50 @@
           <a:p>
             <a:pPr algn="l"/>
             <a:endParaRPr lang="en-US" sz="1600" dirty="0"/>
+          </a:p>
+        </p:txBody>
+      </p:sp>
+      <p:sp>
+        <p:nvSpPr>
+          <p:cNvPr id="2" name="TextBox 1">
+            <a:extLst>
+              <a:ext uri="{FF2B5EF4-FFF2-40B4-BE49-F238E27FC236}">
+                <a16:creationId xmlns:a16="http://schemas.microsoft.com/office/drawing/2014/main" id="{EDEDE7F8-7FCC-694F-4F6C-53ACBB2CC093}"/>
+              </a:ext>
+            </a:extLst>
+          </p:cNvPr>
+          <p:cNvSpPr txBox="1"/>
+          <p:nvPr/>
+        </p:nvSpPr>
+        <p:spPr>
+          <a:xfrm>
+            <a:off x="9858568" y="199942"/>
+            <a:ext cx="1982724" cy="369332"/>
+          </a:xfrm>
+          <a:prstGeom prst="rect">
+            <a:avLst/>
+          </a:prstGeom>
+          <a:noFill/>
+        </p:spPr>
+        <p:txBody>
+          <a:bodyPr wrap="square" rtlCol="0">
+            <a:spAutoFit/>
+          </a:bodyPr>
+          <a:lstStyle/>
+          <a:p>
+            <a:r>
+              <a:rPr lang="en-US" b="1" dirty="0">
+                <a:highlight>
+                  <a:srgbClr val="00FF00"/>
+                </a:highlight>
+              </a:rPr>
+              <a:t>Summary: 100%</a:t>
+            </a:r>
+            <a:endParaRPr lang="en-US" sz="1200" b="1" dirty="0">
+              <a:highlight>
+                <a:srgbClr val="00FF00"/>
+              </a:highlight>
+            </a:endParaRPr>
           </a:p>
         </p:txBody>
       </p:sp>
@@ -4629,7 +7085,511 @@
 </p:sld>
 </file>
 
-<file path=ppt/slides/slide15.xml><?xml version="1.0" encoding="utf-8"?>
+<file path=ppt/slides/slide28.xml><?xml version="1.0" encoding="utf-8"?>
+<p:sld xmlns:a="http://schemas.openxmlformats.org/drawingml/2006/main" xmlns:r="http://schemas.openxmlformats.org/officeDocument/2006/relationships" xmlns:p="http://schemas.openxmlformats.org/presentationml/2006/main">
+  <p:cSld>
+    <p:spTree>
+      <p:nvGrpSpPr>
+        <p:cNvPr id="1" name="">
+          <a:extLst>
+            <a:ext uri="{FF2B5EF4-FFF2-40B4-BE49-F238E27FC236}">
+              <a16:creationId xmlns:a16="http://schemas.microsoft.com/office/drawing/2014/main" id="{3D3B0079-7319-3CFA-B0EA-1A211C0E1854}"/>
+            </a:ext>
+          </a:extLst>
+        </p:cNvPr>
+        <p:cNvGrpSpPr/>
+        <p:nvPr/>
+      </p:nvGrpSpPr>
+      <p:grpSpPr>
+        <a:xfrm>
+          <a:off x="0" y="0"/>
+          <a:ext cx="0" cy="0"/>
+          <a:chOff x="0" y="0"/>
+          <a:chExt cx="0" cy="0"/>
+        </a:xfrm>
+      </p:grpSpPr>
+      <p:sp>
+        <p:nvSpPr>
+          <p:cNvPr id="5" name="Subtitle 4">
+            <a:extLst>
+              <a:ext uri="{FF2B5EF4-FFF2-40B4-BE49-F238E27FC236}">
+                <a16:creationId xmlns:a16="http://schemas.microsoft.com/office/drawing/2014/main" id="{A6A62573-F0CF-1D7C-1A8C-A5867DD6D916}"/>
+              </a:ext>
+            </a:extLst>
+          </p:cNvPr>
+          <p:cNvSpPr>
+            <a:spLocks noGrp="1"/>
+          </p:cNvSpPr>
+          <p:nvPr>
+            <p:ph type="subTitle" idx="1"/>
+          </p:nvPr>
+        </p:nvSpPr>
+        <p:spPr>
+          <a:xfrm>
+            <a:off x="73152" y="91440"/>
+            <a:ext cx="12042648" cy="6693408"/>
+          </a:xfrm>
+          <a:solidFill>
+            <a:schemeClr val="accent4">
+              <a:lumMod val="40000"/>
+              <a:lumOff val="60000"/>
+            </a:schemeClr>
+          </a:solidFill>
+        </p:spPr>
+        <p:txBody>
+          <a:bodyPr/>
+          <a:lstStyle/>
+          <a:p>
+            <a:endParaRPr lang="en-US" dirty="0"/>
+          </a:p>
+          <a:p>
+            <a:endParaRPr lang="en-US" dirty="0"/>
+          </a:p>
+          <a:p>
+            <a:endParaRPr lang="en-US" dirty="0"/>
+          </a:p>
+          <a:p>
+            <a:endParaRPr lang="en-US" dirty="0"/>
+          </a:p>
+          <a:p>
+            <a:endParaRPr lang="en-US" dirty="0"/>
+          </a:p>
+          <a:p>
+            <a:endParaRPr lang="en-US" dirty="0"/>
+          </a:p>
+          <a:p>
+            <a:r>
+              <a:rPr lang="en-US" sz="4000" b="1" dirty="0" err="1"/>
+              <a:t>UpperPanel</a:t>
+            </a:r>
+            <a:endParaRPr lang="en-US" sz="4000" b="1" dirty="0"/>
+          </a:p>
+        </p:txBody>
+      </p:sp>
+    </p:spTree>
+    <p:extLst>
+      <p:ext uri="{BB962C8B-B14F-4D97-AF65-F5344CB8AC3E}">
+        <p14:creationId xmlns:p14="http://schemas.microsoft.com/office/powerpoint/2010/main" val="4234215970"/>
+      </p:ext>
+    </p:extLst>
+  </p:cSld>
+  <p:clrMapOvr>
+    <a:masterClrMapping/>
+  </p:clrMapOvr>
+</p:sld>
+</file>
+
+<file path=ppt/slides/slide29.xml><?xml version="1.0" encoding="utf-8"?>
+<p:sld xmlns:a="http://schemas.openxmlformats.org/drawingml/2006/main" xmlns:r="http://schemas.openxmlformats.org/officeDocument/2006/relationships" xmlns:p="http://schemas.openxmlformats.org/presentationml/2006/main">
+  <p:cSld>
+    <p:spTree>
+      <p:nvGrpSpPr>
+        <p:cNvPr id="1" name="">
+          <a:extLst>
+            <a:ext uri="{FF2B5EF4-FFF2-40B4-BE49-F238E27FC236}">
+              <a16:creationId xmlns:a16="http://schemas.microsoft.com/office/drawing/2014/main" id="{8C6D14C1-12E4-39B3-6222-2761FFB27BF8}"/>
+            </a:ext>
+          </a:extLst>
+        </p:cNvPr>
+        <p:cNvGrpSpPr/>
+        <p:nvPr/>
+      </p:nvGrpSpPr>
+      <p:grpSpPr>
+        <a:xfrm>
+          <a:off x="0" y="0"/>
+          <a:ext cx="0" cy="0"/>
+          <a:chOff x="0" y="0"/>
+          <a:chExt cx="0" cy="0"/>
+        </a:xfrm>
+      </p:grpSpPr>
+      <p:sp>
+        <p:nvSpPr>
+          <p:cNvPr id="3" name="Subtitle 2">
+            <a:extLst>
+              <a:ext uri="{FF2B5EF4-FFF2-40B4-BE49-F238E27FC236}">
+                <a16:creationId xmlns:a16="http://schemas.microsoft.com/office/drawing/2014/main" id="{0528B494-2BF6-D126-2627-C250C35A6459}"/>
+              </a:ext>
+            </a:extLst>
+          </p:cNvPr>
+          <p:cNvSpPr>
+            <a:spLocks noGrp="1"/>
+          </p:cNvSpPr>
+          <p:nvPr>
+            <p:ph type="subTitle" idx="1"/>
+          </p:nvPr>
+        </p:nvSpPr>
+        <p:spPr>
+          <a:xfrm>
+            <a:off x="106680" y="99886"/>
+            <a:ext cx="11990832" cy="6666674"/>
+          </a:xfrm>
+        </p:spPr>
+        <p:txBody>
+          <a:bodyPr>
+            <a:normAutofit/>
+          </a:bodyPr>
+          <a:lstStyle/>
+          <a:p>
+            <a:pPr algn="l"/>
+            <a:r>
+              <a:rPr lang="en-US" sz="1800" b="1" dirty="0" err="1"/>
+              <a:t>upper_panel</a:t>
+            </a:r>
+            <a:r>
+              <a:rPr lang="en-US" sz="1800" b="1" dirty="0"/>
+              <a:t>:</a:t>
+            </a:r>
+          </a:p>
+          <a:p>
+            <a:pPr algn="l"/>
+            <a:r>
+              <a:rPr lang="en-US" sz="1600" dirty="0"/>
+              <a:t>Init – </a:t>
+            </a:r>
+          </a:p>
+          <a:p>
+            <a:pPr algn="l"/>
+            <a:r>
+              <a:rPr lang="en-US" sz="1600" dirty="0" err="1"/>
+              <a:t>click_on_avatar_icon</a:t>
+            </a:r>
+            <a:r>
+              <a:rPr lang="en-US" sz="1600" dirty="0"/>
+              <a:t> –</a:t>
+            </a:r>
+          </a:p>
+          <a:p>
+            <a:pPr algn="l"/>
+            <a:r>
+              <a:rPr lang="en-US" sz="1600" dirty="0" err="1"/>
+              <a:t>click_on_change_password</a:t>
+            </a:r>
+            <a:r>
+              <a:rPr lang="en-US" sz="1600" dirty="0"/>
+              <a:t> – </a:t>
+            </a:r>
+          </a:p>
+          <a:p>
+            <a:pPr algn="l"/>
+            <a:r>
+              <a:rPr lang="en-US" sz="1600" dirty="0" err="1"/>
+              <a:t>get_username</a:t>
+            </a:r>
+            <a:r>
+              <a:rPr lang="en-US" sz="1600" dirty="0"/>
+              <a:t> –</a:t>
+            </a:r>
+          </a:p>
+          <a:p>
+            <a:pPr algn="l"/>
+            <a:r>
+              <a:rPr lang="en-US" sz="1600" dirty="0" err="1"/>
+              <a:t>set_username</a:t>
+            </a:r>
+            <a:r>
+              <a:rPr lang="en-US" sz="1600" dirty="0"/>
+              <a:t> – </a:t>
+            </a:r>
+          </a:p>
+          <a:p>
+            <a:pPr algn="l"/>
+            <a:r>
+              <a:rPr lang="en-US" sz="1600" dirty="0" err="1"/>
+              <a:t>set_current_password</a:t>
+            </a:r>
+            <a:r>
+              <a:rPr lang="en-US" sz="1600" dirty="0"/>
+              <a:t> – </a:t>
+            </a:r>
+          </a:p>
+          <a:p>
+            <a:pPr algn="l"/>
+            <a:r>
+              <a:rPr lang="en-US" sz="1600" dirty="0" err="1"/>
+              <a:t>set_new_password</a:t>
+            </a:r>
+            <a:r>
+              <a:rPr lang="en-US" sz="1600" dirty="0"/>
+              <a:t> – </a:t>
+            </a:r>
+          </a:p>
+          <a:p>
+            <a:pPr algn="l"/>
+            <a:r>
+              <a:rPr lang="en-US" sz="1600" dirty="0" err="1"/>
+              <a:t>set_confirm_password</a:t>
+            </a:r>
+            <a:r>
+              <a:rPr lang="en-US" sz="1600" dirty="0"/>
+              <a:t> – </a:t>
+            </a:r>
+          </a:p>
+          <a:p>
+            <a:pPr algn="l"/>
+            <a:r>
+              <a:rPr lang="en-US" sz="1600" dirty="0" err="1"/>
+              <a:t>click_save_new_password</a:t>
+            </a:r>
+            <a:r>
+              <a:rPr lang="en-US" sz="1600" dirty="0"/>
+              <a:t> – </a:t>
+            </a:r>
+          </a:p>
+          <a:p>
+            <a:pPr algn="l"/>
+            <a:r>
+              <a:rPr lang="en-US" sz="1600" dirty="0" err="1"/>
+              <a:t>click_on_global_search</a:t>
+            </a:r>
+            <a:r>
+              <a:rPr lang="en-US" sz="1600" dirty="0"/>
+              <a:t> – </a:t>
+            </a:r>
+          </a:p>
+          <a:p>
+            <a:pPr algn="l"/>
+            <a:r>
+              <a:rPr lang="en-US" sz="1600" dirty="0" err="1"/>
+              <a:t>set_global_search_value</a:t>
+            </a:r>
+            <a:r>
+              <a:rPr lang="en-US" sz="1600" dirty="0"/>
+              <a:t> –</a:t>
+            </a:r>
+          </a:p>
+          <a:p>
+            <a:pPr algn="l"/>
+            <a:r>
+              <a:rPr lang="en-US" sz="1600" dirty="0" err="1"/>
+              <a:t>close_global_search</a:t>
+            </a:r>
+            <a:r>
+              <a:rPr lang="en-US" sz="1600" dirty="0"/>
+              <a:t> – </a:t>
+            </a:r>
+          </a:p>
+          <a:p>
+            <a:pPr algn="l"/>
+            <a:r>
+              <a:rPr lang="en-US" sz="1600" dirty="0" err="1"/>
+              <a:t>click_on_sub_domains_dropdown</a:t>
+            </a:r>
+            <a:r>
+              <a:rPr lang="en-US" sz="1600" dirty="0"/>
+              <a:t> – </a:t>
+            </a:r>
+          </a:p>
+          <a:p>
+            <a:pPr algn="l"/>
+            <a:r>
+              <a:rPr lang="en-US" sz="1600" dirty="0" err="1"/>
+              <a:t>select_sub_domain</a:t>
+            </a:r>
+            <a:r>
+              <a:rPr lang="en-US" sz="1600" dirty="0"/>
+              <a:t> –</a:t>
+            </a:r>
+          </a:p>
+          <a:p>
+            <a:pPr algn="l"/>
+            <a:r>
+              <a:rPr lang="en-US" sz="1600" dirty="0" err="1"/>
+              <a:t>click_on_domains_dropdown</a:t>
+            </a:r>
+            <a:r>
+              <a:rPr lang="en-US" sz="1600" dirty="0"/>
+              <a:t> – </a:t>
+            </a:r>
+          </a:p>
+          <a:p>
+            <a:pPr algn="l"/>
+            <a:r>
+              <a:rPr lang="en-US" sz="1600" dirty="0" err="1"/>
+              <a:t>select_domain</a:t>
+            </a:r>
+            <a:r>
+              <a:rPr lang="en-US" sz="1600" dirty="0"/>
+              <a:t> –</a:t>
+            </a:r>
+          </a:p>
+          <a:p>
+            <a:pPr algn="l"/>
+            <a:endParaRPr lang="en-US" sz="1600" dirty="0"/>
+          </a:p>
+          <a:p>
+            <a:pPr algn="l"/>
+            <a:endParaRPr lang="en-US" sz="1600" dirty="0"/>
+          </a:p>
+          <a:p>
+            <a:pPr algn="l"/>
+            <a:endParaRPr lang="en-US" sz="1100" dirty="0"/>
+          </a:p>
+          <a:p>
+            <a:pPr algn="l"/>
+            <a:endParaRPr lang="en-US" sz="1600" dirty="0"/>
+          </a:p>
+          <a:p>
+            <a:pPr algn="l"/>
+            <a:endParaRPr lang="en-US" sz="1600" dirty="0"/>
+          </a:p>
+          <a:p>
+            <a:pPr algn="l"/>
+            <a:endParaRPr lang="en-US" sz="1600" dirty="0"/>
+          </a:p>
+        </p:txBody>
+      </p:sp>
+      <p:sp>
+        <p:nvSpPr>
+          <p:cNvPr id="2" name="TextBox 1">
+            <a:extLst>
+              <a:ext uri="{FF2B5EF4-FFF2-40B4-BE49-F238E27FC236}">
+                <a16:creationId xmlns:a16="http://schemas.microsoft.com/office/drawing/2014/main" id="{F7BD85CC-DEA6-5756-19AA-2817939B29DA}"/>
+              </a:ext>
+            </a:extLst>
+          </p:cNvPr>
+          <p:cNvSpPr txBox="1"/>
+          <p:nvPr/>
+        </p:nvSpPr>
+        <p:spPr>
+          <a:xfrm>
+            <a:off x="9858568" y="199942"/>
+            <a:ext cx="1982724" cy="369332"/>
+          </a:xfrm>
+          <a:prstGeom prst="rect">
+            <a:avLst/>
+          </a:prstGeom>
+          <a:noFill/>
+        </p:spPr>
+        <p:txBody>
+          <a:bodyPr wrap="square" rtlCol="0">
+            <a:spAutoFit/>
+          </a:bodyPr>
+          <a:lstStyle/>
+          <a:p>
+            <a:r>
+              <a:rPr lang="en-US" b="1" dirty="0">
+                <a:highlight>
+                  <a:srgbClr val="FFFF00"/>
+                </a:highlight>
+              </a:rPr>
+              <a:t>Summary: 0%</a:t>
+            </a:r>
+            <a:endParaRPr lang="en-US" sz="1200" b="1" dirty="0">
+              <a:highlight>
+                <a:srgbClr val="FFFF00"/>
+              </a:highlight>
+            </a:endParaRPr>
+          </a:p>
+        </p:txBody>
+      </p:sp>
+    </p:spTree>
+    <p:extLst>
+      <p:ext uri="{BB962C8B-B14F-4D97-AF65-F5344CB8AC3E}">
+        <p14:creationId xmlns:p14="http://schemas.microsoft.com/office/powerpoint/2010/main" val="2582646343"/>
+      </p:ext>
+    </p:extLst>
+  </p:cSld>
+  <p:clrMapOvr>
+    <a:masterClrMapping/>
+  </p:clrMapOvr>
+</p:sld>
+</file>
+
+<file path=ppt/slides/slide3.xml><?xml version="1.0" encoding="utf-8"?>
+<p:sld xmlns:a="http://schemas.openxmlformats.org/drawingml/2006/main" xmlns:r="http://schemas.openxmlformats.org/officeDocument/2006/relationships" xmlns:p="http://schemas.openxmlformats.org/presentationml/2006/main">
+  <p:cSld>
+    <p:spTree>
+      <p:nvGrpSpPr>
+        <p:cNvPr id="1" name="">
+          <a:extLst>
+            <a:ext uri="{FF2B5EF4-FFF2-40B4-BE49-F238E27FC236}">
+              <a16:creationId xmlns:a16="http://schemas.microsoft.com/office/drawing/2014/main" id="{5C64B11F-A55B-E9B5-C6C7-DAF74071081C}"/>
+            </a:ext>
+          </a:extLst>
+        </p:cNvPr>
+        <p:cNvGrpSpPr/>
+        <p:nvPr/>
+      </p:nvGrpSpPr>
+      <p:grpSpPr>
+        <a:xfrm>
+          <a:off x="0" y="0"/>
+          <a:ext cx="0" cy="0"/>
+          <a:chOff x="0" y="0"/>
+          <a:chExt cx="0" cy="0"/>
+        </a:xfrm>
+      </p:grpSpPr>
+      <p:sp>
+        <p:nvSpPr>
+          <p:cNvPr id="5" name="Subtitle 4">
+            <a:extLst>
+              <a:ext uri="{FF2B5EF4-FFF2-40B4-BE49-F238E27FC236}">
+                <a16:creationId xmlns:a16="http://schemas.microsoft.com/office/drawing/2014/main" id="{35A42E39-8F35-C972-FD23-519C3B9C8F54}"/>
+              </a:ext>
+            </a:extLst>
+          </p:cNvPr>
+          <p:cNvSpPr>
+            <a:spLocks noGrp="1"/>
+          </p:cNvSpPr>
+          <p:nvPr>
+            <p:ph type="subTitle" idx="1"/>
+          </p:nvPr>
+        </p:nvSpPr>
+        <p:spPr>
+          <a:xfrm>
+            <a:off x="73152" y="91440"/>
+            <a:ext cx="12042648" cy="6693408"/>
+          </a:xfrm>
+          <a:solidFill>
+            <a:schemeClr val="accent4">
+              <a:lumMod val="40000"/>
+              <a:lumOff val="60000"/>
+            </a:schemeClr>
+          </a:solidFill>
+        </p:spPr>
+        <p:txBody>
+          <a:bodyPr/>
+          <a:lstStyle/>
+          <a:p>
+            <a:endParaRPr lang="en-US" dirty="0"/>
+          </a:p>
+          <a:p>
+            <a:endParaRPr lang="en-US" dirty="0"/>
+          </a:p>
+          <a:p>
+            <a:endParaRPr lang="en-US" dirty="0"/>
+          </a:p>
+          <a:p>
+            <a:endParaRPr lang="en-US" dirty="0"/>
+          </a:p>
+          <a:p>
+            <a:endParaRPr lang="en-US" dirty="0"/>
+          </a:p>
+          <a:p>
+            <a:endParaRPr lang="en-US" dirty="0"/>
+          </a:p>
+          <a:p>
+            <a:r>
+              <a:rPr lang="en-US" sz="4000" b="1" dirty="0" err="1"/>
+              <a:t>LeftPanel</a:t>
+            </a:r>
+            <a:endParaRPr lang="en-US" sz="4000" b="1" dirty="0"/>
+          </a:p>
+        </p:txBody>
+      </p:sp>
+    </p:spTree>
+    <p:extLst>
+      <p:ext uri="{BB962C8B-B14F-4D97-AF65-F5344CB8AC3E}">
+        <p14:creationId xmlns:p14="http://schemas.microsoft.com/office/powerpoint/2010/main" val="4157029216"/>
+      </p:ext>
+    </p:extLst>
+  </p:cSld>
+  <p:clrMapOvr>
+    <a:masterClrMapping/>
+  </p:clrMapOvr>
+</p:sld>
+</file>
+
+<file path=ppt/slides/slide30.xml><?xml version="1.0" encoding="utf-8"?>
 <p:sld xmlns:a="http://schemas.openxmlformats.org/drawingml/2006/main" xmlns:r="http://schemas.openxmlformats.org/officeDocument/2006/relationships" xmlns:p="http://schemas.openxmlformats.org/presentationml/2006/main">
   <p:cSld>
     <p:spTree>
@@ -5417,7 +8377,7 @@
 </p:sld>
 </file>
 
-<file path=ppt/slides/slide2.xml><?xml version="1.0" encoding="utf-8"?>
+<file path=ppt/slides/slide4.xml><?xml version="1.0" encoding="utf-8"?>
 <p:sld xmlns:a="http://schemas.openxmlformats.org/drawingml/2006/main" xmlns:r="http://schemas.openxmlformats.org/officeDocument/2006/relationships" xmlns:p="http://schemas.openxmlformats.org/presentationml/2006/main">
   <p:cSld>
     <p:spTree>
@@ -5638,7 +8598,50 @@
               <a:rPr lang="en-US" sz="1600" dirty="0"/>
               <a:t> - ✅</a:t>
             </a:r>
-            <a:endParaRPr lang="en-US" sz="1100" dirty="0"/>
+          </a:p>
+        </p:txBody>
+      </p:sp>
+      <p:sp>
+        <p:nvSpPr>
+          <p:cNvPr id="5" name="TextBox 4">
+            <a:extLst>
+              <a:ext uri="{FF2B5EF4-FFF2-40B4-BE49-F238E27FC236}">
+                <a16:creationId xmlns:a16="http://schemas.microsoft.com/office/drawing/2014/main" id="{DCC09108-7A95-0D0E-CFEE-3D8DD8B9F91C}"/>
+              </a:ext>
+            </a:extLst>
+          </p:cNvPr>
+          <p:cNvSpPr txBox="1"/>
+          <p:nvPr/>
+        </p:nvSpPr>
+        <p:spPr>
+          <a:xfrm>
+            <a:off x="9858568" y="199942"/>
+            <a:ext cx="1982724" cy="369332"/>
+          </a:xfrm>
+          <a:prstGeom prst="rect">
+            <a:avLst/>
+          </a:prstGeom>
+          <a:noFill/>
+        </p:spPr>
+        <p:txBody>
+          <a:bodyPr wrap="square" rtlCol="0">
+            <a:spAutoFit/>
+          </a:bodyPr>
+          <a:lstStyle/>
+          <a:p>
+            <a:r>
+              <a:rPr lang="en-US" b="1" dirty="0">
+                <a:highlight>
+                  <a:srgbClr val="00FF00"/>
+                </a:highlight>
+              </a:rPr>
+              <a:t>Summary: 100%</a:t>
+            </a:r>
+            <a:endParaRPr lang="en-US" sz="1200" b="1" dirty="0">
+              <a:highlight>
+                <a:srgbClr val="00FF00"/>
+              </a:highlight>
+            </a:endParaRPr>
           </a:p>
         </p:txBody>
       </p:sp>
@@ -5655,7 +8658,101 @@
 </p:sld>
 </file>
 
-<file path=ppt/slides/slide3.xml><?xml version="1.0" encoding="utf-8"?>
+<file path=ppt/slides/slide5.xml><?xml version="1.0" encoding="utf-8"?>
+<p:sld xmlns:a="http://schemas.openxmlformats.org/drawingml/2006/main" xmlns:r="http://schemas.openxmlformats.org/officeDocument/2006/relationships" xmlns:p="http://schemas.openxmlformats.org/presentationml/2006/main">
+  <p:cSld>
+    <p:spTree>
+      <p:nvGrpSpPr>
+        <p:cNvPr id="1" name="">
+          <a:extLst>
+            <a:ext uri="{FF2B5EF4-FFF2-40B4-BE49-F238E27FC236}">
+              <a16:creationId xmlns:a16="http://schemas.microsoft.com/office/drawing/2014/main" id="{23FA6A20-FE58-B85C-A834-9F8123B76648}"/>
+            </a:ext>
+          </a:extLst>
+        </p:cNvPr>
+        <p:cNvGrpSpPr/>
+        <p:nvPr/>
+      </p:nvGrpSpPr>
+      <p:grpSpPr>
+        <a:xfrm>
+          <a:off x="0" y="0"/>
+          <a:ext cx="0" cy="0"/>
+          <a:chOff x="0" y="0"/>
+          <a:chExt cx="0" cy="0"/>
+        </a:xfrm>
+      </p:grpSpPr>
+      <p:sp>
+        <p:nvSpPr>
+          <p:cNvPr id="5" name="Subtitle 4">
+            <a:extLst>
+              <a:ext uri="{FF2B5EF4-FFF2-40B4-BE49-F238E27FC236}">
+                <a16:creationId xmlns:a16="http://schemas.microsoft.com/office/drawing/2014/main" id="{A5CE5B26-66CB-4C53-263C-6E22693E47A9}"/>
+              </a:ext>
+            </a:extLst>
+          </p:cNvPr>
+          <p:cNvSpPr>
+            <a:spLocks noGrp="1"/>
+          </p:cNvSpPr>
+          <p:nvPr>
+            <p:ph type="subTitle" idx="1"/>
+          </p:nvPr>
+        </p:nvSpPr>
+        <p:spPr>
+          <a:xfrm>
+            <a:off x="73152" y="91440"/>
+            <a:ext cx="12042648" cy="6693408"/>
+          </a:xfrm>
+          <a:solidFill>
+            <a:schemeClr val="accent4">
+              <a:lumMod val="40000"/>
+              <a:lumOff val="60000"/>
+            </a:schemeClr>
+          </a:solidFill>
+        </p:spPr>
+        <p:txBody>
+          <a:bodyPr/>
+          <a:lstStyle/>
+          <a:p>
+            <a:endParaRPr lang="en-US" dirty="0"/>
+          </a:p>
+          <a:p>
+            <a:endParaRPr lang="en-US" dirty="0"/>
+          </a:p>
+          <a:p>
+            <a:endParaRPr lang="en-US" dirty="0"/>
+          </a:p>
+          <a:p>
+            <a:endParaRPr lang="en-US" dirty="0"/>
+          </a:p>
+          <a:p>
+            <a:endParaRPr lang="en-US" dirty="0"/>
+          </a:p>
+          <a:p>
+            <a:endParaRPr lang="en-US" dirty="0"/>
+          </a:p>
+          <a:p>
+            <a:r>
+              <a:rPr lang="en-US" sz="4000" b="1" dirty="0" err="1"/>
+              <a:t>ManagementMap</a:t>
+            </a:r>
+            <a:endParaRPr lang="en-US" sz="4000" b="1" dirty="0"/>
+          </a:p>
+        </p:txBody>
+      </p:sp>
+    </p:spTree>
+    <p:extLst>
+      <p:ext uri="{BB962C8B-B14F-4D97-AF65-F5344CB8AC3E}">
+        <p14:creationId xmlns:p14="http://schemas.microsoft.com/office/powerpoint/2010/main" val="3983084802"/>
+      </p:ext>
+    </p:extLst>
+  </p:cSld>
+  <p:clrMapOvr>
+    <a:masterClrMapping/>
+  </p:clrMapOvr>
+</p:sld>
+</file>
+
+<file path=ppt/slides/slide6.xml><?xml version="1.0" encoding="utf-8"?>
 <p:sld xmlns:a="http://schemas.openxmlformats.org/drawingml/2006/main" xmlns:r="http://schemas.openxmlformats.org/officeDocument/2006/relationships" xmlns:p="http://schemas.openxmlformats.org/presentationml/2006/main">
   <p:cSld>
     <p:spTree>
@@ -5929,7 +9026,7 @@
 </p:sld>
 </file>
 
-<file path=ppt/slides/slide4.xml><?xml version="1.0" encoding="utf-8"?>
+<file path=ppt/slides/slide7.xml><?xml version="1.0" encoding="utf-8"?>
 <p:sld xmlns:a="http://schemas.openxmlformats.org/drawingml/2006/main" xmlns:r="http://schemas.openxmlformats.org/officeDocument/2006/relationships" xmlns:p="http://schemas.openxmlformats.org/presentationml/2006/main">
   <p:cSld>
     <p:spTree>
@@ -6031,7 +9128,7 @@
             </a:r>
             <a:r>
               <a:rPr lang="en-US" sz="1600" dirty="0"/>
-              <a:t> – </a:t>
+              <a:t> – ✅</a:t>
             </a:r>
           </a:p>
           <a:p>
@@ -6042,40 +9139,73 @@
             </a:r>
             <a:r>
               <a:rPr lang="en-US" sz="1600" dirty="0"/>
-              <a:t> – </a:t>
-            </a:r>
-          </a:p>
-          <a:p>
-            <a:pPr algn="l"/>
-            <a:r>
-              <a:rPr lang="en-US" sz="1600" dirty="0" err="1"/>
-              <a:t>element_details_chassis</a:t>
-            </a:r>
-            <a:r>
-              <a:rPr lang="en-US" sz="1600" dirty="0"/>
-              <a:t> –</a:t>
-            </a:r>
-          </a:p>
-          <a:p>
-            <a:pPr algn="l"/>
-            <a:r>
-              <a:rPr lang="en-US" sz="1600" dirty="0" err="1"/>
-              <a:t>element_details_services</a:t>
-            </a:r>
-            <a:r>
-              <a:rPr lang="en-US" sz="1600" dirty="0"/>
-              <a:t> –</a:t>
-            </a:r>
-          </a:p>
-          <a:p>
-            <a:pPr algn="l"/>
-            <a:r>
-              <a:rPr lang="en-US" sz="1600" dirty="0" err="1"/>
-              <a:t>element_details_faults</a:t>
-            </a:r>
-            <a:r>
-              <a:rPr lang="en-US" sz="1600" dirty="0"/>
-              <a:t> –</a:t>
+              <a:t> – ✅</a:t>
+            </a:r>
+          </a:p>
+          <a:p>
+            <a:pPr algn="l"/>
+            <a:r>
+              <a:rPr lang="en-US" sz="1600" dirty="0" err="1"/>
+              <a:t>navigation_info_expand_element_byClick_on_arrow</a:t>
+            </a:r>
+            <a:r>
+              <a:rPr lang="en-US" sz="1600" dirty="0"/>
+              <a:t> -  ✅</a:t>
+            </a:r>
+          </a:p>
+          <a:p>
+            <a:pPr algn="l"/>
+            <a:r>
+              <a:rPr lang="en-US" sz="1600" dirty="0" err="1"/>
+              <a:t>navigation_info_shrink_element_byClick_on_arrow</a:t>
+            </a:r>
+            <a:r>
+              <a:rPr lang="en-US" sz="1600" dirty="0"/>
+              <a:t> -  ✅</a:t>
+            </a:r>
+          </a:p>
+          <a:p>
+            <a:pPr algn="l"/>
+            <a:r>
+              <a:rPr lang="en-US" sz="1600" dirty="0" err="1"/>
+              <a:t>element_details_click_chassis</a:t>
+            </a:r>
+            <a:r>
+              <a:rPr lang="en-US" sz="1600" dirty="0"/>
+              <a:t> – ✅</a:t>
+            </a:r>
+          </a:p>
+          <a:p>
+            <a:pPr algn="l"/>
+            <a:r>
+              <a:rPr lang="en-US" sz="1600" dirty="0" err="1"/>
+              <a:t>element_details_click_services</a:t>
+            </a:r>
+            <a:r>
+              <a:rPr lang="en-US" sz="1600" dirty="0"/>
+              <a:t> – ✅</a:t>
+            </a:r>
+          </a:p>
+          <a:p>
+            <a:pPr algn="l"/>
+            <a:r>
+              <a:rPr lang="en-US" sz="1600" dirty="0" err="1"/>
+              <a:t>element_details_click_faults</a:t>
+            </a:r>
+            <a:r>
+              <a:rPr lang="en-US" sz="1600" dirty="0"/>
+              <a:t> – ✅</a:t>
+            </a:r>
+          </a:p>
+          <a:p>
+            <a:pPr algn="l"/>
+            <a:r>
+              <a:rPr lang="en-US" sz="1600" dirty="0" err="1"/>
+              <a:t>element_details_click_Info</a:t>
+            </a:r>
+            <a:r>
+              <a:rPr lang="en-US" sz="1600" dirty="0"/>
+              <a:t> – ✅</a:t>
             </a:r>
           </a:p>
           <a:p>
@@ -6086,7 +9216,7 @@
             </a:r>
             <a:r>
               <a:rPr lang="en-US" sz="1600" dirty="0"/>
-              <a:t> –</a:t>
+              <a:t> – ✅</a:t>
             </a:r>
           </a:p>
           <a:p>
@@ -6097,7 +9227,7 @@
             </a:r>
             <a:r>
               <a:rPr lang="en-US" sz="1600" dirty="0"/>
-              <a:t> –</a:t>
+              <a:t> – ✅</a:t>
             </a:r>
           </a:p>
           <a:p>
@@ -6108,7 +9238,7 @@
             </a:r>
             <a:r>
               <a:rPr lang="en-US" sz="1600" dirty="0"/>
-              <a:t> –</a:t>
+              <a:t> – ✅</a:t>
             </a:r>
           </a:p>
           <a:p>
@@ -6119,7 +9249,7 @@
             </a:r>
             <a:r>
               <a:rPr lang="en-US" sz="1600" dirty="0"/>
-              <a:t> –</a:t>
+              <a:t> – ✅</a:t>
             </a:r>
           </a:p>
           <a:p>
@@ -6130,7 +9260,7 @@
             </a:r>
             <a:r>
               <a:rPr lang="en-US" sz="1600" dirty="0"/>
-              <a:t> _events –</a:t>
+              <a:t> _events – ✅</a:t>
             </a:r>
           </a:p>
           <a:p>
@@ -6141,27 +9271,56 @@
             </a:r>
             <a:r>
               <a:rPr lang="en-US" sz="1600" dirty="0"/>
-              <a:t> _events –</a:t>
-            </a:r>
-          </a:p>
-          <a:p>
-            <a:pPr algn="l"/>
-            <a:r>
-              <a:rPr lang="en-US" sz="1600" dirty="0" err="1"/>
-              <a:t>element_details_info</a:t>
-            </a:r>
-            <a:r>
-              <a:rPr lang="en-US" sz="1600" dirty="0"/>
-              <a:t> –</a:t>
+              <a:t> _events – ✅</a:t>
             </a:r>
           </a:p>
           <a:p>
             <a:pPr algn="l"/>
             <a:endParaRPr lang="en-US" sz="1600" dirty="0"/>
           </a:p>
-          <a:p>
-            <a:pPr algn="l"/>
-            <a:endParaRPr lang="en-US" sz="1600" dirty="0"/>
+        </p:txBody>
+      </p:sp>
+      <p:sp>
+        <p:nvSpPr>
+          <p:cNvPr id="2" name="TextBox 1">
+            <a:extLst>
+              <a:ext uri="{FF2B5EF4-FFF2-40B4-BE49-F238E27FC236}">
+                <a16:creationId xmlns:a16="http://schemas.microsoft.com/office/drawing/2014/main" id="{9FC5E475-1F92-FE00-35EE-7AC729FBAEDD}"/>
+              </a:ext>
+            </a:extLst>
+          </p:cNvPr>
+          <p:cNvSpPr txBox="1"/>
+          <p:nvPr/>
+        </p:nvSpPr>
+        <p:spPr>
+          <a:xfrm>
+            <a:off x="9858568" y="199942"/>
+            <a:ext cx="1982724" cy="369332"/>
+          </a:xfrm>
+          <a:prstGeom prst="rect">
+            <a:avLst/>
+          </a:prstGeom>
+          <a:noFill/>
+        </p:spPr>
+        <p:txBody>
+          <a:bodyPr wrap="square" rtlCol="0">
+            <a:spAutoFit/>
+          </a:bodyPr>
+          <a:lstStyle/>
+          <a:p>
+            <a:r>
+              <a:rPr lang="en-US" b="1" dirty="0">
+                <a:highlight>
+                  <a:srgbClr val="00FF00"/>
+                </a:highlight>
+              </a:rPr>
+              <a:t>Summary: 100%</a:t>
+            </a:r>
+            <a:endParaRPr lang="en-US" sz="1200" b="1" dirty="0">
+              <a:highlight>
+                <a:srgbClr val="00FF00"/>
+              </a:highlight>
+            </a:endParaRPr>
           </a:p>
         </p:txBody>
       </p:sp>
@@ -6178,7 +9337,101 @@
 </p:sld>
 </file>
 
-<file path=ppt/slides/slide5.xml><?xml version="1.0" encoding="utf-8"?>
+<file path=ppt/slides/slide8.xml><?xml version="1.0" encoding="utf-8"?>
+<p:sld xmlns:a="http://schemas.openxmlformats.org/drawingml/2006/main" xmlns:r="http://schemas.openxmlformats.org/officeDocument/2006/relationships" xmlns:p="http://schemas.openxmlformats.org/presentationml/2006/main">
+  <p:cSld>
+    <p:spTree>
+      <p:nvGrpSpPr>
+        <p:cNvPr id="1" name="">
+          <a:extLst>
+            <a:ext uri="{FF2B5EF4-FFF2-40B4-BE49-F238E27FC236}">
+              <a16:creationId xmlns:a16="http://schemas.microsoft.com/office/drawing/2014/main" id="{76612214-F475-13D7-6DF1-5173A6845AF6}"/>
+            </a:ext>
+          </a:extLst>
+        </p:cNvPr>
+        <p:cNvGrpSpPr/>
+        <p:nvPr/>
+      </p:nvGrpSpPr>
+      <p:grpSpPr>
+        <a:xfrm>
+          <a:off x="0" y="0"/>
+          <a:ext cx="0" cy="0"/>
+          <a:chOff x="0" y="0"/>
+          <a:chExt cx="0" cy="0"/>
+        </a:xfrm>
+      </p:grpSpPr>
+      <p:sp>
+        <p:nvSpPr>
+          <p:cNvPr id="5" name="Subtitle 4">
+            <a:extLst>
+              <a:ext uri="{FF2B5EF4-FFF2-40B4-BE49-F238E27FC236}">
+                <a16:creationId xmlns:a16="http://schemas.microsoft.com/office/drawing/2014/main" id="{63AD3395-1344-BD92-8EB6-9F4683048F9C}"/>
+              </a:ext>
+            </a:extLst>
+          </p:cNvPr>
+          <p:cNvSpPr>
+            <a:spLocks noGrp="1"/>
+          </p:cNvSpPr>
+          <p:nvPr>
+            <p:ph type="subTitle" idx="1"/>
+          </p:nvPr>
+        </p:nvSpPr>
+        <p:spPr>
+          <a:xfrm>
+            <a:off x="73152" y="91440"/>
+            <a:ext cx="12042648" cy="6693408"/>
+          </a:xfrm>
+          <a:solidFill>
+            <a:schemeClr val="accent4">
+              <a:lumMod val="40000"/>
+              <a:lumOff val="60000"/>
+            </a:schemeClr>
+          </a:solidFill>
+        </p:spPr>
+        <p:txBody>
+          <a:bodyPr/>
+          <a:lstStyle/>
+          <a:p>
+            <a:endParaRPr lang="en-US" dirty="0"/>
+          </a:p>
+          <a:p>
+            <a:endParaRPr lang="en-US" dirty="0"/>
+          </a:p>
+          <a:p>
+            <a:endParaRPr lang="en-US" dirty="0"/>
+          </a:p>
+          <a:p>
+            <a:endParaRPr lang="en-US" dirty="0"/>
+          </a:p>
+          <a:p>
+            <a:endParaRPr lang="en-US" dirty="0"/>
+          </a:p>
+          <a:p>
+            <a:endParaRPr lang="en-US" dirty="0"/>
+          </a:p>
+          <a:p>
+            <a:r>
+              <a:rPr lang="en-US" sz="4000" b="1" dirty="0" err="1"/>
+              <a:t>ServiceList</a:t>
+            </a:r>
+            <a:endParaRPr lang="en-US" sz="4000" b="1" dirty="0"/>
+          </a:p>
+        </p:txBody>
+      </p:sp>
+    </p:spTree>
+    <p:extLst>
+      <p:ext uri="{BB962C8B-B14F-4D97-AF65-F5344CB8AC3E}">
+        <p14:creationId xmlns:p14="http://schemas.microsoft.com/office/powerpoint/2010/main" val="3311629244"/>
+      </p:ext>
+    </p:extLst>
+  </p:cSld>
+  <p:clrMapOvr>
+    <a:masterClrMapping/>
+  </p:clrMapOvr>
+</p:sld>
+</file>
+
+<file path=ppt/slides/slide9.xml><?xml version="1.0" encoding="utf-8"?>
 <p:sld xmlns:a="http://schemas.openxmlformats.org/drawingml/2006/main" xmlns:r="http://schemas.openxmlformats.org/officeDocument/2006/relationships" xmlns:p="http://schemas.openxmlformats.org/presentationml/2006/main">
   <p:cSld>
     <p:spTree>
@@ -6225,7 +9478,7 @@
         </p:spPr>
         <p:txBody>
           <a:bodyPr>
-            <a:normAutofit fontScale="92500" lnSpcReduction="10000"/>
+            <a:normAutofit fontScale="92500" lnSpcReduction="20000"/>
           </a:bodyPr>
           <a:lstStyle/>
           <a:p>
@@ -6247,7 +9500,7 @@
             </a:r>
             <a:r>
               <a:rPr lang="en-US" sz="1600" dirty="0"/>
-              <a:t> –</a:t>
+              <a:t> – ✅</a:t>
             </a:r>
           </a:p>
           <a:p>
@@ -6258,7 +9511,7 @@
             </a:r>
             <a:r>
               <a:rPr lang="en-US" sz="1600" dirty="0"/>
-              <a:t> – </a:t>
+              <a:t> –  ✅</a:t>
             </a:r>
           </a:p>
           <a:p>
@@ -6269,7 +9522,7 @@
             </a:r>
             <a:r>
               <a:rPr lang="en-US" sz="1600" dirty="0"/>
-              <a:t> –</a:t>
+              <a:t> – ✅</a:t>
             </a:r>
           </a:p>
           <a:p>
@@ -6280,7 +9533,7 @@
             </a:r>
             <a:r>
               <a:rPr lang="en-US" sz="1600" dirty="0"/>
-              <a:t> – </a:t>
+              <a:t> – ✅</a:t>
             </a:r>
           </a:p>
           <a:p>
@@ -6291,7 +9544,7 @@
             </a:r>
             <a:r>
               <a:rPr lang="en-US" sz="1600" dirty="0"/>
-              <a:t> –</a:t>
+              <a:t> – ✅</a:t>
             </a:r>
           </a:p>
           <a:p>
@@ -6302,7 +9555,7 @@
             </a:r>
             <a:r>
               <a:rPr lang="en-US" sz="1600" dirty="0"/>
-              <a:t> – </a:t>
+              <a:t> – ✅</a:t>
             </a:r>
           </a:p>
           <a:p>
@@ -6313,7 +9566,7 @@
             </a:r>
             <a:r>
               <a:rPr lang="en-US" sz="1600" dirty="0"/>
-              <a:t>(when Filter by is on Devices) –</a:t>
+              <a:t>(when Filter by is on Devices) – ✅</a:t>
             </a:r>
           </a:p>
           <a:p>
@@ -6324,7 +9577,7 @@
             </a:r>
             <a:r>
               <a:rPr lang="en-US" sz="1600" dirty="0"/>
-              <a:t>(when Filter by is on Devices) –</a:t>
+              <a:t>(when Filter by is on Devices) – ✅</a:t>
             </a:r>
           </a:p>
           <a:p>
@@ -6335,7 +9588,7 @@
             </a:r>
             <a:r>
               <a:rPr lang="en-US" sz="1600" dirty="0"/>
-              <a:t>(when Filter by is on Devices) –</a:t>
+              <a:t>(when Filter by is on Devices) – ✅</a:t>
             </a:r>
           </a:p>
           <a:p>
@@ -6346,7 +9599,18 @@
             </a:r>
             <a:r>
               <a:rPr lang="en-US" sz="1600" dirty="0"/>
-              <a:t>(when Filter by is on Devices) –</a:t>
+              <a:t>(when Filter by is on Devices) – ✅</a:t>
+            </a:r>
+          </a:p>
+          <a:p>
+            <a:pPr algn="l"/>
+            <a:r>
+              <a:rPr lang="en-US" sz="1600" dirty="0" err="1"/>
+              <a:t>remove_all_devices_filterBy_devices</a:t>
+            </a:r>
+            <a:r>
+              <a:rPr lang="en-US" sz="1600" dirty="0"/>
+              <a:t>(when Filter by is on Devices) – ✅</a:t>
             </a:r>
           </a:p>
           <a:p>
@@ -6357,7 +9621,7 @@
             </a:r>
             <a:r>
               <a:rPr lang="en-US" sz="1600" dirty="0"/>
-              <a:t>(when Filter by is on Domain/Chassis) –</a:t>
+              <a:t>(when Filter by is on Domain/Chassis) – ✅</a:t>
             </a:r>
           </a:p>
           <a:p>
@@ -6368,7 +9632,18 @@
             </a:r>
             <a:r>
               <a:rPr lang="en-US" sz="1600" dirty="0"/>
-              <a:t>(when Filter by is on Domain/Chassis) –</a:t>
+              <a:t>(when Filter by is on Domain/Chassis) – ✅</a:t>
+            </a:r>
+          </a:p>
+          <a:p>
+            <a:pPr algn="l"/>
+            <a:r>
+              <a:rPr lang="en-US" sz="1600" dirty="0" err="1"/>
+              <a:t>click_on_inventory_tree_icon</a:t>
+            </a:r>
+            <a:r>
+              <a:rPr lang="en-US" sz="1600" dirty="0"/>
+              <a:t> - ✅</a:t>
             </a:r>
           </a:p>
           <a:p>
@@ -6379,7 +9654,7 @@
             </a:r>
             <a:r>
               <a:rPr lang="en-US" sz="1600" dirty="0"/>
-              <a:t>(when Filter by is on Domain/Chassis) –</a:t>
+              <a:t>(when Filter by is on Domain/Chassis) – ✅</a:t>
             </a:r>
           </a:p>
           <a:p>
@@ -6430,11 +9705,22 @@
             <a:pPr algn="l"/>
             <a:r>
               <a:rPr lang="en-US" sz="1600" dirty="0" err="1"/>
+              <a:t>remove_all_devices_filterBy_device_type</a:t>
+            </a:r>
+            <a:r>
+              <a:rPr lang="en-US" sz="1600" dirty="0"/>
+              <a:t>(when Filter by is on Device type) –</a:t>
+            </a:r>
+          </a:p>
+          <a:p>
+            <a:pPr algn="l"/>
+            <a:r>
+              <a:rPr lang="en-US" sz="1600" dirty="0" err="1"/>
               <a:t>get_date</a:t>
             </a:r>
             <a:r>
               <a:rPr lang="en-US" sz="1600" dirty="0"/>
-              <a:t> – </a:t>
+              <a:t> – ✅</a:t>
             </a:r>
           </a:p>
           <a:p>
@@ -6445,19 +9731,12 @@
             </a:r>
             <a:r>
               <a:rPr lang="en-US" sz="1600" dirty="0"/>
-              <a:t> –</a:t>
-            </a:r>
-          </a:p>
-          <a:p>
-            <a:pPr algn="l"/>
-            <a:r>
-              <a:rPr lang="en-US" sz="1600" dirty="0" err="1"/>
-              <a:t>set_message</a:t>
-            </a:r>
-            <a:r>
-              <a:rPr lang="en-US" sz="1600" dirty="0"/>
-              <a:t> - </a:t>
-            </a:r>
+              <a:t> – ✅</a:t>
+            </a:r>
+          </a:p>
+          <a:p>
+            <a:pPr algn="l"/>
+            <a:endParaRPr lang="en-US" sz="1600" dirty="0"/>
           </a:p>
           <a:p>
             <a:pPr algn="l"/>
@@ -6485,709 +9764,6 @@
     <p:extLst>
       <p:ext uri="{BB962C8B-B14F-4D97-AF65-F5344CB8AC3E}">
         <p14:creationId xmlns:p14="http://schemas.microsoft.com/office/powerpoint/2010/main" val="3070944660"/>
-      </p:ext>
-    </p:extLst>
-  </p:cSld>
-  <p:clrMapOvr>
-    <a:masterClrMapping/>
-  </p:clrMapOvr>
-</p:sld>
-</file>
-
-<file path=ppt/slides/slide6.xml><?xml version="1.0" encoding="utf-8"?>
-<p:sld xmlns:a="http://schemas.openxmlformats.org/drawingml/2006/main" xmlns:r="http://schemas.openxmlformats.org/officeDocument/2006/relationships" xmlns:p="http://schemas.openxmlformats.org/presentationml/2006/main">
-  <p:cSld>
-    <p:spTree>
-      <p:nvGrpSpPr>
-        <p:cNvPr id="1" name="">
-          <a:extLst>
-            <a:ext uri="{FF2B5EF4-FFF2-40B4-BE49-F238E27FC236}">
-              <a16:creationId xmlns:a16="http://schemas.microsoft.com/office/drawing/2014/main" id="{48D0B079-D69F-0795-1382-F10BD17D7F95}"/>
-            </a:ext>
-          </a:extLst>
-        </p:cNvPr>
-        <p:cNvGrpSpPr/>
-        <p:nvPr/>
-      </p:nvGrpSpPr>
-      <p:grpSpPr>
-        <a:xfrm>
-          <a:off x="0" y="0"/>
-          <a:ext cx="0" cy="0"/>
-          <a:chOff x="0" y="0"/>
-          <a:chExt cx="0" cy="0"/>
-        </a:xfrm>
-      </p:grpSpPr>
-      <p:sp>
-        <p:nvSpPr>
-          <p:cNvPr id="3" name="Subtitle 2">
-            <a:extLst>
-              <a:ext uri="{FF2B5EF4-FFF2-40B4-BE49-F238E27FC236}">
-                <a16:creationId xmlns:a16="http://schemas.microsoft.com/office/drawing/2014/main" id="{155A71B0-B782-8ADE-17B0-B576B10E79A6}"/>
-              </a:ext>
-            </a:extLst>
-          </p:cNvPr>
-          <p:cNvSpPr>
-            <a:spLocks noGrp="1"/>
-          </p:cNvSpPr>
-          <p:nvPr>
-            <p:ph type="subTitle" idx="1"/>
-          </p:nvPr>
-        </p:nvSpPr>
-        <p:spPr>
-          <a:xfrm>
-            <a:off x="106680" y="99886"/>
-            <a:ext cx="11990832" cy="6666674"/>
-          </a:xfrm>
-        </p:spPr>
-        <p:txBody>
-          <a:bodyPr>
-            <a:normAutofit/>
-          </a:bodyPr>
-          <a:lstStyle/>
-          <a:p>
-            <a:pPr algn="l"/>
-            <a:r>
-              <a:rPr lang="en-US" sz="1800" b="1" dirty="0" err="1"/>
-              <a:t>service_list</a:t>
-            </a:r>
-            <a:r>
-              <a:rPr lang="en-US" sz="1800" b="1" dirty="0"/>
-              <a:t>:</a:t>
-            </a:r>
-          </a:p>
-          <a:p>
-            <a:pPr algn="l"/>
-            <a:r>
-              <a:rPr lang="en-US" sz="1600" dirty="0" err="1"/>
-              <a:t>get_order_by</a:t>
-            </a:r>
-            <a:r>
-              <a:rPr lang="en-US" sz="1600" dirty="0"/>
-              <a:t> –</a:t>
-            </a:r>
-          </a:p>
-          <a:p>
-            <a:pPr algn="l"/>
-            <a:r>
-              <a:rPr lang="en-US" sz="1600" dirty="0" err="1"/>
-              <a:t>set_order_by</a:t>
-            </a:r>
-            <a:r>
-              <a:rPr lang="en-US" sz="1600" dirty="0"/>
-              <a:t> –</a:t>
-            </a:r>
-          </a:p>
-          <a:p>
-            <a:pPr algn="l"/>
-            <a:r>
-              <a:rPr lang="en-US" sz="1600" dirty="0" err="1"/>
-              <a:t>set_order_by_all</a:t>
-            </a:r>
-            <a:r>
-              <a:rPr lang="en-US" sz="1600" dirty="0"/>
-              <a:t> – </a:t>
-            </a:r>
-          </a:p>
-          <a:p>
-            <a:pPr algn="l"/>
-            <a:r>
-              <a:rPr lang="en-US" sz="1600" dirty="0" err="1"/>
-              <a:t>enable_descending_order</a:t>
-            </a:r>
-            <a:r>
-              <a:rPr lang="en-US" sz="1600" dirty="0"/>
-              <a:t> – </a:t>
-            </a:r>
-          </a:p>
-          <a:p>
-            <a:pPr algn="l"/>
-            <a:r>
-              <a:rPr lang="en-US" sz="1600" dirty="0" err="1"/>
-              <a:t>disable_descending_order</a:t>
-            </a:r>
-            <a:r>
-              <a:rPr lang="en-US" sz="1600" dirty="0"/>
-              <a:t> – </a:t>
-            </a:r>
-          </a:p>
-          <a:p>
-            <a:pPr algn="l"/>
-            <a:r>
-              <a:rPr lang="en-US" sz="1600" dirty="0" err="1"/>
-              <a:t>click_previous</a:t>
-            </a:r>
-            <a:r>
-              <a:rPr lang="en-US" sz="1600" dirty="0"/>
-              <a:t> – </a:t>
-            </a:r>
-          </a:p>
-          <a:p>
-            <a:pPr algn="l"/>
-            <a:r>
-              <a:rPr lang="en-US" sz="1600" dirty="0" err="1"/>
-              <a:t>click_next</a:t>
-            </a:r>
-            <a:r>
-              <a:rPr lang="en-US" sz="1600" dirty="0"/>
-              <a:t> – </a:t>
-            </a:r>
-          </a:p>
-          <a:p>
-            <a:pPr algn="l"/>
-            <a:r>
-              <a:rPr lang="en-US" sz="1600" dirty="0" err="1"/>
-              <a:t>open_events_alarms</a:t>
-            </a:r>
-            <a:r>
-              <a:rPr lang="en-US" sz="1600" dirty="0"/>
-              <a:t> – </a:t>
-            </a:r>
-          </a:p>
-          <a:p>
-            <a:pPr algn="l"/>
-            <a:r>
-              <a:rPr lang="en-US" sz="1600" dirty="0" err="1"/>
-              <a:t>close_events_alarms</a:t>
-            </a:r>
-            <a:r>
-              <a:rPr lang="en-US" sz="1600" dirty="0"/>
-              <a:t> -</a:t>
-            </a:r>
-          </a:p>
-          <a:p>
-            <a:pPr algn="l"/>
-            <a:r>
-              <a:rPr lang="en-US" sz="1600" dirty="0" err="1"/>
-              <a:t>Fuctions</a:t>
-            </a:r>
-            <a:r>
-              <a:rPr lang="en-US" sz="1600" dirty="0"/>
-              <a:t> on Events/Alarms table content…..</a:t>
-            </a:r>
-          </a:p>
-          <a:p>
-            <a:pPr algn="l"/>
-            <a:endParaRPr lang="en-US" sz="1600" dirty="0"/>
-          </a:p>
-          <a:p>
-            <a:pPr algn="l"/>
-            <a:r>
-              <a:rPr lang="en-US" sz="1600" dirty="0" err="1"/>
-              <a:t>click_edit_columns</a:t>
-            </a:r>
-            <a:r>
-              <a:rPr lang="en-US" sz="1600" dirty="0"/>
-              <a:t> – </a:t>
-            </a:r>
-          </a:p>
-          <a:p>
-            <a:pPr algn="l"/>
-            <a:r>
-              <a:rPr lang="en-US" sz="1600" dirty="0" err="1"/>
-              <a:t>click_save_changes</a:t>
-            </a:r>
-            <a:r>
-              <a:rPr lang="en-US" sz="1600" dirty="0"/>
-              <a:t> – </a:t>
-            </a:r>
-          </a:p>
-          <a:p>
-            <a:pPr algn="l"/>
-            <a:r>
-              <a:rPr lang="en-US" sz="1600" dirty="0" err="1"/>
-              <a:t>click_revert_changes</a:t>
-            </a:r>
-            <a:r>
-              <a:rPr lang="en-US" sz="1600" dirty="0"/>
-              <a:t> - </a:t>
-            </a:r>
-          </a:p>
-          <a:p>
-            <a:pPr algn="l"/>
-            <a:endParaRPr lang="en-US" sz="1600" dirty="0"/>
-          </a:p>
-          <a:p>
-            <a:pPr algn="l"/>
-            <a:r>
-              <a:rPr lang="en-US" sz="1600" dirty="0" err="1"/>
-              <a:t>Fuctions</a:t>
-            </a:r>
-            <a:r>
-              <a:rPr lang="en-US" sz="1600" dirty="0"/>
-              <a:t> on the table content…..</a:t>
-            </a:r>
-          </a:p>
-          <a:p>
-            <a:pPr algn="l"/>
-            <a:endParaRPr lang="en-US" sz="1600" dirty="0"/>
-          </a:p>
-          <a:p>
-            <a:pPr algn="l"/>
-            <a:endParaRPr lang="en-US" sz="1600" dirty="0"/>
-          </a:p>
-          <a:p>
-            <a:pPr algn="l"/>
-            <a:endParaRPr lang="en-US" sz="1600" dirty="0"/>
-          </a:p>
-          <a:p>
-            <a:pPr algn="l"/>
-            <a:endParaRPr lang="en-US" sz="1600" dirty="0"/>
-          </a:p>
-        </p:txBody>
-      </p:sp>
-    </p:spTree>
-    <p:extLst>
-      <p:ext uri="{BB962C8B-B14F-4D97-AF65-F5344CB8AC3E}">
-        <p14:creationId xmlns:p14="http://schemas.microsoft.com/office/powerpoint/2010/main" val="38413639"/>
-      </p:ext>
-    </p:extLst>
-  </p:cSld>
-  <p:clrMapOvr>
-    <a:masterClrMapping/>
-  </p:clrMapOvr>
-</p:sld>
-</file>
-
-<file path=ppt/slides/slide7.xml><?xml version="1.0" encoding="utf-8"?>
-<p:sld xmlns:a="http://schemas.openxmlformats.org/drawingml/2006/main" xmlns:r="http://schemas.openxmlformats.org/officeDocument/2006/relationships" xmlns:p="http://schemas.openxmlformats.org/presentationml/2006/main">
-  <p:cSld>
-    <p:spTree>
-      <p:nvGrpSpPr>
-        <p:cNvPr id="1" name="">
-          <a:extLst>
-            <a:ext uri="{FF2B5EF4-FFF2-40B4-BE49-F238E27FC236}">
-              <a16:creationId xmlns:a16="http://schemas.microsoft.com/office/drawing/2014/main" id="{A069CE3B-863D-897C-4680-1DDCEB0D6DCE}"/>
-            </a:ext>
-          </a:extLst>
-        </p:cNvPr>
-        <p:cNvGrpSpPr/>
-        <p:nvPr/>
-      </p:nvGrpSpPr>
-      <p:grpSpPr>
-        <a:xfrm>
-          <a:off x="0" y="0"/>
-          <a:ext cx="0" cy="0"/>
-          <a:chOff x="0" y="0"/>
-          <a:chExt cx="0" cy="0"/>
-        </a:xfrm>
-      </p:grpSpPr>
-      <p:sp>
-        <p:nvSpPr>
-          <p:cNvPr id="3" name="Subtitle 2">
-            <a:extLst>
-              <a:ext uri="{FF2B5EF4-FFF2-40B4-BE49-F238E27FC236}">
-                <a16:creationId xmlns:a16="http://schemas.microsoft.com/office/drawing/2014/main" id="{97C16FB8-3E89-BCE1-A6C8-A74EAE096571}"/>
-              </a:ext>
-            </a:extLst>
-          </p:cNvPr>
-          <p:cNvSpPr>
-            <a:spLocks noGrp="1"/>
-          </p:cNvSpPr>
-          <p:nvPr>
-            <p:ph type="subTitle" idx="1"/>
-          </p:nvPr>
-        </p:nvSpPr>
-        <p:spPr>
-          <a:xfrm>
-            <a:off x="106680" y="99886"/>
-            <a:ext cx="11990832" cy="6666674"/>
-          </a:xfrm>
-        </p:spPr>
-        <p:txBody>
-          <a:bodyPr>
-            <a:normAutofit/>
-          </a:bodyPr>
-          <a:lstStyle/>
-          <a:p>
-            <a:pPr algn="l"/>
-            <a:r>
-              <a:rPr lang="en-US" sz="1800" b="1" dirty="0" err="1"/>
-              <a:t>service_provisioning</a:t>
-            </a:r>
-            <a:r>
-              <a:rPr lang="en-US" sz="1800" b="1" dirty="0"/>
-              <a:t>:</a:t>
-            </a:r>
-          </a:p>
-          <a:p>
-            <a:pPr algn="l"/>
-            <a:r>
-              <a:rPr lang="en-US" sz="1600" dirty="0" err="1"/>
-              <a:t>create_ROADM_service</a:t>
-            </a:r>
-            <a:r>
-              <a:rPr lang="en-US" sz="1600" dirty="0"/>
-              <a:t> – </a:t>
-            </a:r>
-          </a:p>
-          <a:p>
-            <a:pPr algn="l"/>
-            <a:r>
-              <a:rPr lang="en-US" sz="1600" dirty="0" err="1"/>
-              <a:t>create_OTN_service</a:t>
-            </a:r>
-            <a:r>
-              <a:rPr lang="en-US" sz="1600" dirty="0"/>
-              <a:t> – </a:t>
-            </a:r>
-          </a:p>
-          <a:p>
-            <a:pPr algn="l"/>
-            <a:r>
-              <a:rPr lang="en-US" sz="1600" dirty="0" err="1"/>
-              <a:t>create_CHASSIS_service</a:t>
-            </a:r>
-            <a:r>
-              <a:rPr lang="en-US" sz="1600" dirty="0"/>
-              <a:t> –</a:t>
-            </a:r>
-          </a:p>
-          <a:p>
-            <a:pPr algn="l"/>
-            <a:r>
-              <a:rPr lang="en-US" sz="1600" dirty="0" err="1"/>
-              <a:t>click_exit</a:t>
-            </a:r>
-            <a:r>
-              <a:rPr lang="en-US" sz="1600" dirty="0"/>
-              <a:t> - </a:t>
-            </a:r>
-          </a:p>
-          <a:p>
-            <a:pPr algn="l"/>
-            <a:endParaRPr lang="en-US" sz="1600" dirty="0"/>
-          </a:p>
-          <a:p>
-            <a:pPr algn="l"/>
-            <a:endParaRPr lang="en-US" sz="1600" dirty="0"/>
-          </a:p>
-        </p:txBody>
-      </p:sp>
-    </p:spTree>
-    <p:extLst>
-      <p:ext uri="{BB962C8B-B14F-4D97-AF65-F5344CB8AC3E}">
-        <p14:creationId xmlns:p14="http://schemas.microsoft.com/office/powerpoint/2010/main" val="3322406573"/>
-      </p:ext>
-    </p:extLst>
-  </p:cSld>
-  <p:clrMapOvr>
-    <a:masterClrMapping/>
-  </p:clrMapOvr>
-</p:sld>
-</file>
-
-<file path=ppt/slides/slide8.xml><?xml version="1.0" encoding="utf-8"?>
-<p:sld xmlns:a="http://schemas.openxmlformats.org/drawingml/2006/main" xmlns:r="http://schemas.openxmlformats.org/officeDocument/2006/relationships" xmlns:p="http://schemas.openxmlformats.org/presentationml/2006/main">
-  <p:cSld>
-    <p:spTree>
-      <p:nvGrpSpPr>
-        <p:cNvPr id="1" name="">
-          <a:extLst>
-            <a:ext uri="{FF2B5EF4-FFF2-40B4-BE49-F238E27FC236}">
-              <a16:creationId xmlns:a16="http://schemas.microsoft.com/office/drawing/2014/main" id="{6472B45C-1FDE-27C1-140E-3DB8635A05F5}"/>
-            </a:ext>
-          </a:extLst>
-        </p:cNvPr>
-        <p:cNvGrpSpPr/>
-        <p:nvPr/>
-      </p:nvGrpSpPr>
-      <p:grpSpPr>
-        <a:xfrm>
-          <a:off x="0" y="0"/>
-          <a:ext cx="0" cy="0"/>
-          <a:chOff x="0" y="0"/>
-          <a:chExt cx="0" cy="0"/>
-        </a:xfrm>
-      </p:grpSpPr>
-      <p:sp>
-        <p:nvSpPr>
-          <p:cNvPr id="3" name="Subtitle 2">
-            <a:extLst>
-              <a:ext uri="{FF2B5EF4-FFF2-40B4-BE49-F238E27FC236}">
-                <a16:creationId xmlns:a16="http://schemas.microsoft.com/office/drawing/2014/main" id="{EBD874AC-1F4C-340F-8921-2E87923F49B1}"/>
-              </a:ext>
-            </a:extLst>
-          </p:cNvPr>
-          <p:cNvSpPr>
-            <a:spLocks noGrp="1"/>
-          </p:cNvSpPr>
-          <p:nvPr>
-            <p:ph type="subTitle" idx="1"/>
-          </p:nvPr>
-        </p:nvSpPr>
-        <p:spPr>
-          <a:xfrm>
-            <a:off x="106680" y="99886"/>
-            <a:ext cx="11990832" cy="6666674"/>
-          </a:xfrm>
-        </p:spPr>
-        <p:txBody>
-          <a:bodyPr>
-            <a:normAutofit/>
-          </a:bodyPr>
-          <a:lstStyle/>
-          <a:p>
-            <a:pPr algn="l"/>
-            <a:r>
-              <a:rPr lang="en-US" sz="1800" b="1" dirty="0"/>
-              <a:t>performance:</a:t>
-            </a:r>
-          </a:p>
-          <a:p>
-            <a:pPr algn="l"/>
-            <a:r>
-              <a:rPr lang="en-US" sz="1600" dirty="0"/>
-              <a:t>pass</a:t>
-            </a:r>
-          </a:p>
-          <a:p>
-            <a:pPr algn="l"/>
-            <a:endParaRPr lang="en-US" sz="1600" dirty="0"/>
-          </a:p>
-          <a:p>
-            <a:pPr algn="l"/>
-            <a:endParaRPr lang="en-US" sz="1600" dirty="0"/>
-          </a:p>
-        </p:txBody>
-      </p:sp>
-    </p:spTree>
-    <p:extLst>
-      <p:ext uri="{BB962C8B-B14F-4D97-AF65-F5344CB8AC3E}">
-        <p14:creationId xmlns:p14="http://schemas.microsoft.com/office/powerpoint/2010/main" val="4052525924"/>
-      </p:ext>
-    </p:extLst>
-  </p:cSld>
-  <p:clrMapOvr>
-    <a:masterClrMapping/>
-  </p:clrMapOvr>
-</p:sld>
-</file>
-
-<file path=ppt/slides/slide9.xml><?xml version="1.0" encoding="utf-8"?>
-<p:sld xmlns:a="http://schemas.openxmlformats.org/drawingml/2006/main" xmlns:r="http://schemas.openxmlformats.org/officeDocument/2006/relationships" xmlns:p="http://schemas.openxmlformats.org/presentationml/2006/main">
-  <p:cSld>
-    <p:spTree>
-      <p:nvGrpSpPr>
-        <p:cNvPr id="1" name="">
-          <a:extLst>
-            <a:ext uri="{FF2B5EF4-FFF2-40B4-BE49-F238E27FC236}">
-              <a16:creationId xmlns:a16="http://schemas.microsoft.com/office/drawing/2014/main" id="{837DB42F-BB84-0811-FA81-86E30F149767}"/>
-            </a:ext>
-          </a:extLst>
-        </p:cNvPr>
-        <p:cNvGrpSpPr/>
-        <p:nvPr/>
-      </p:nvGrpSpPr>
-      <p:grpSpPr>
-        <a:xfrm>
-          <a:off x="0" y="0"/>
-          <a:ext cx="0" cy="0"/>
-          <a:chOff x="0" y="0"/>
-          <a:chExt cx="0" cy="0"/>
-        </a:xfrm>
-      </p:grpSpPr>
-      <p:sp>
-        <p:nvSpPr>
-          <p:cNvPr id="3" name="Subtitle 2">
-            <a:extLst>
-              <a:ext uri="{FF2B5EF4-FFF2-40B4-BE49-F238E27FC236}">
-                <a16:creationId xmlns:a16="http://schemas.microsoft.com/office/drawing/2014/main" id="{B7504721-A6E2-B412-1136-64E6041FDAEA}"/>
-              </a:ext>
-            </a:extLst>
-          </p:cNvPr>
-          <p:cNvSpPr>
-            <a:spLocks noGrp="1"/>
-          </p:cNvSpPr>
-          <p:nvPr>
-            <p:ph type="subTitle" idx="1"/>
-          </p:nvPr>
-        </p:nvSpPr>
-        <p:spPr>
-          <a:xfrm>
-            <a:off x="106680" y="99886"/>
-            <a:ext cx="11990832" cy="6666674"/>
-          </a:xfrm>
-        </p:spPr>
-        <p:txBody>
-          <a:bodyPr>
-            <a:normAutofit/>
-          </a:bodyPr>
-          <a:lstStyle/>
-          <a:p>
-            <a:pPr algn="l"/>
-            <a:r>
-              <a:rPr lang="en-US" sz="1800" b="1" dirty="0" err="1"/>
-              <a:t>device_discovery</a:t>
-            </a:r>
-            <a:r>
-              <a:rPr lang="en-US" sz="1800" b="1" dirty="0"/>
-              <a:t>:</a:t>
-            </a:r>
-          </a:p>
-          <a:p>
-            <a:pPr algn="l"/>
-            <a:r>
-              <a:rPr lang="en-US" sz="1600" dirty="0" err="1"/>
-              <a:t>set_IP_address</a:t>
-            </a:r>
-            <a:r>
-              <a:rPr lang="en-US" sz="1600" dirty="0"/>
-              <a:t> – </a:t>
-            </a:r>
-          </a:p>
-          <a:p>
-            <a:pPr algn="l"/>
-            <a:r>
-              <a:rPr lang="en-US" sz="1600" dirty="0" err="1"/>
-              <a:t>get_IP_address</a:t>
-            </a:r>
-            <a:r>
-              <a:rPr lang="en-US" sz="1600" dirty="0"/>
-              <a:t> – </a:t>
-            </a:r>
-          </a:p>
-          <a:p>
-            <a:pPr algn="l"/>
-            <a:r>
-              <a:rPr lang="en-US" sz="1600" dirty="0" err="1"/>
-              <a:t>start_discovery_for_IP_range</a:t>
-            </a:r>
-            <a:r>
-              <a:rPr lang="en-US" sz="1600" dirty="0"/>
-              <a:t> – </a:t>
-            </a:r>
-          </a:p>
-          <a:p>
-            <a:pPr algn="l"/>
-            <a:r>
-              <a:rPr lang="en-US" sz="1600" dirty="0" err="1"/>
-              <a:t>set_start_IP_range</a:t>
-            </a:r>
-            <a:r>
-              <a:rPr lang="en-US" sz="1600" dirty="0"/>
-              <a:t> – </a:t>
-            </a:r>
-          </a:p>
-          <a:p>
-            <a:pPr algn="l"/>
-            <a:r>
-              <a:rPr lang="en-US" sz="1600" dirty="0" err="1"/>
-              <a:t>get_start_IP_range</a:t>
-            </a:r>
-            <a:r>
-              <a:rPr lang="en-US" sz="1600" dirty="0"/>
-              <a:t> –</a:t>
-            </a:r>
-          </a:p>
-          <a:p>
-            <a:pPr algn="l"/>
-            <a:r>
-              <a:rPr lang="en-US" sz="1600" dirty="0" err="1"/>
-              <a:t>set_end_IP_range</a:t>
-            </a:r>
-            <a:r>
-              <a:rPr lang="en-US" sz="1600" dirty="0"/>
-              <a:t> – </a:t>
-            </a:r>
-          </a:p>
-          <a:p>
-            <a:pPr algn="l"/>
-            <a:r>
-              <a:rPr lang="en-US" sz="1600" dirty="0" err="1"/>
-              <a:t>get_end_IP_range</a:t>
-            </a:r>
-            <a:r>
-              <a:rPr lang="en-US" sz="1600" dirty="0"/>
-              <a:t> – </a:t>
-            </a:r>
-          </a:p>
-          <a:p>
-            <a:pPr algn="l"/>
-            <a:r>
-              <a:rPr lang="en-US" sz="1600" dirty="0"/>
-              <a:t>ICMP??? </a:t>
-            </a:r>
-          </a:p>
-          <a:p>
-            <a:pPr algn="l"/>
-            <a:r>
-              <a:rPr lang="en-US" sz="1600" dirty="0"/>
-              <a:t>set_SNMPv2_read_community - </a:t>
-            </a:r>
-          </a:p>
-          <a:p>
-            <a:pPr algn="l"/>
-            <a:r>
-              <a:rPr lang="en-US" sz="1600" dirty="0"/>
-              <a:t>get_SNMPv2_read_community - </a:t>
-            </a:r>
-          </a:p>
-          <a:p>
-            <a:pPr algn="l"/>
-            <a:r>
-              <a:rPr lang="en-US" sz="1600" dirty="0"/>
-              <a:t>set_SNMPv2_write_community - </a:t>
-            </a:r>
-          </a:p>
-          <a:p>
-            <a:pPr algn="l"/>
-            <a:r>
-              <a:rPr lang="en-US" sz="1600" dirty="0"/>
-              <a:t>get_SNMPv2_write_community - </a:t>
-            </a:r>
-          </a:p>
-          <a:p>
-            <a:pPr algn="l"/>
-            <a:r>
-              <a:rPr lang="en-US" sz="1600" dirty="0"/>
-              <a:t>set_SNMPv2_admin_community - </a:t>
-            </a:r>
-          </a:p>
-          <a:p>
-            <a:pPr algn="l"/>
-            <a:r>
-              <a:rPr lang="en-US" sz="1600" dirty="0"/>
-              <a:t>get_SNMPv2_admin_community - </a:t>
-            </a:r>
-          </a:p>
-          <a:p>
-            <a:pPr algn="l"/>
-            <a:r>
-              <a:rPr lang="en-US" sz="1600" dirty="0"/>
-              <a:t>set_SNMPv2_contact_port - </a:t>
-            </a:r>
-          </a:p>
-          <a:p>
-            <a:pPr algn="l"/>
-            <a:r>
-              <a:rPr lang="en-US" sz="1600" dirty="0"/>
-              <a:t>get_SNMPv2_contact_port - </a:t>
-            </a:r>
-          </a:p>
-          <a:p>
-            <a:pPr algn="l"/>
-            <a:r>
-              <a:rPr lang="en-US" sz="1600" dirty="0"/>
-              <a:t>set_SNMPv2_performance_transport_protocol - </a:t>
-            </a:r>
-          </a:p>
-          <a:p>
-            <a:pPr algn="l"/>
-            <a:r>
-              <a:rPr lang="en-US" sz="1600" dirty="0"/>
-              <a:t>get_SNMPv2_performance_transport_protocol – </a:t>
-            </a:r>
-          </a:p>
-          <a:p>
-            <a:pPr algn="l"/>
-            <a:endParaRPr lang="en-US" sz="1600" dirty="0"/>
-          </a:p>
-        </p:txBody>
-      </p:sp>
-    </p:spTree>
-    <p:extLst>
-      <p:ext uri="{BB962C8B-B14F-4D97-AF65-F5344CB8AC3E}">
-        <p14:creationId xmlns:p14="http://schemas.microsoft.com/office/powerpoint/2010/main" val="792261236"/>
       </p:ext>
     </p:extLst>
   </p:cSld>

--- a/Docs/Progress_Check_Box.pptx
+++ b/Docs/Progress_Check_Box.pptx
@@ -5,7 +5,7 @@
     <p:sldMasterId id="2147483648" r:id="rId1"/>
   </p:sldMasterIdLst>
   <p:notesMasterIdLst>
-    <p:notesMasterId r:id="rId32"/>
+    <p:notesMasterId r:id="rId33"/>
   </p:notesMasterIdLst>
   <p:sldIdLst>
     <p:sldId id="272" r:id="rId2"/>
@@ -33,11 +33,12 @@
     <p:sldId id="264" r:id="rId24"/>
     <p:sldId id="281" r:id="rId25"/>
     <p:sldId id="265" r:id="rId26"/>
-    <p:sldId id="282" r:id="rId27"/>
-    <p:sldId id="266" r:id="rId28"/>
-    <p:sldId id="283" r:id="rId29"/>
-    <p:sldId id="271" r:id="rId30"/>
-    <p:sldId id="270" r:id="rId31"/>
+    <p:sldId id="286" r:id="rId27"/>
+    <p:sldId id="282" r:id="rId28"/>
+    <p:sldId id="266" r:id="rId29"/>
+    <p:sldId id="283" r:id="rId30"/>
+    <p:sldId id="271" r:id="rId31"/>
+    <p:sldId id="270" r:id="rId32"/>
   </p:sldIdLst>
   <p:sldSz cx="12192000" cy="6858000"/>
   <p:notesSz cx="6858000" cy="9144000"/>
@@ -226,7 +227,7 @@
           <a:p>
             <a:fld id="{9CD5D8E4-A320-4C82-BF1E-497B145FD5B9}" type="datetimeFigureOut">
               <a:rPr lang="en-US" smtClean="0"/>
-              <a:t>1/29/2026</a:t>
+              <a:t>2/10/2026</a:t>
             </a:fld>
             <a:endParaRPr lang="en-US"/>
           </a:p>
@@ -808,7 +809,7 @@
           <a:p>
             <a:fld id="{B1CD814F-3A2E-4FCD-B679-678770FA1B7D}" type="datetimeFigureOut">
               <a:rPr lang="en-US" smtClean="0"/>
-              <a:t>1/29/2026</a:t>
+              <a:t>2/10/2026</a:t>
             </a:fld>
             <a:endParaRPr lang="en-US"/>
           </a:p>
@@ -1006,7 +1007,7 @@
           <a:p>
             <a:fld id="{B1CD814F-3A2E-4FCD-B679-678770FA1B7D}" type="datetimeFigureOut">
               <a:rPr lang="en-US" smtClean="0"/>
-              <a:t>1/29/2026</a:t>
+              <a:t>2/10/2026</a:t>
             </a:fld>
             <a:endParaRPr lang="en-US"/>
           </a:p>
@@ -1214,7 +1215,7 @@
           <a:p>
             <a:fld id="{B1CD814F-3A2E-4FCD-B679-678770FA1B7D}" type="datetimeFigureOut">
               <a:rPr lang="en-US" smtClean="0"/>
-              <a:t>1/29/2026</a:t>
+              <a:t>2/10/2026</a:t>
             </a:fld>
             <a:endParaRPr lang="en-US"/>
           </a:p>
@@ -1412,7 +1413,7 @@
           <a:p>
             <a:fld id="{B1CD814F-3A2E-4FCD-B679-678770FA1B7D}" type="datetimeFigureOut">
               <a:rPr lang="en-US" smtClean="0"/>
-              <a:t>1/29/2026</a:t>
+              <a:t>2/10/2026</a:t>
             </a:fld>
             <a:endParaRPr lang="en-US"/>
           </a:p>
@@ -1687,7 +1688,7 @@
           <a:p>
             <a:fld id="{B1CD814F-3A2E-4FCD-B679-678770FA1B7D}" type="datetimeFigureOut">
               <a:rPr lang="en-US" smtClean="0"/>
-              <a:t>1/29/2026</a:t>
+              <a:t>2/10/2026</a:t>
             </a:fld>
             <a:endParaRPr lang="en-US"/>
           </a:p>
@@ -1952,7 +1953,7 @@
           <a:p>
             <a:fld id="{B1CD814F-3A2E-4FCD-B679-678770FA1B7D}" type="datetimeFigureOut">
               <a:rPr lang="en-US" smtClean="0"/>
-              <a:t>1/29/2026</a:t>
+              <a:t>2/10/2026</a:t>
             </a:fld>
             <a:endParaRPr lang="en-US"/>
           </a:p>
@@ -2364,7 +2365,7 @@
           <a:p>
             <a:fld id="{B1CD814F-3A2E-4FCD-B679-678770FA1B7D}" type="datetimeFigureOut">
               <a:rPr lang="en-US" smtClean="0"/>
-              <a:t>1/29/2026</a:t>
+              <a:t>2/10/2026</a:t>
             </a:fld>
             <a:endParaRPr lang="en-US"/>
           </a:p>
@@ -2505,7 +2506,7 @@
           <a:p>
             <a:fld id="{B1CD814F-3A2E-4FCD-B679-678770FA1B7D}" type="datetimeFigureOut">
               <a:rPr lang="en-US" smtClean="0"/>
-              <a:t>1/29/2026</a:t>
+              <a:t>2/10/2026</a:t>
             </a:fld>
             <a:endParaRPr lang="en-US"/>
           </a:p>
@@ -2618,7 +2619,7 @@
           <a:p>
             <a:fld id="{B1CD814F-3A2E-4FCD-B679-678770FA1B7D}" type="datetimeFigureOut">
               <a:rPr lang="en-US" smtClean="0"/>
-              <a:t>1/29/2026</a:t>
+              <a:t>2/10/2026</a:t>
             </a:fld>
             <a:endParaRPr lang="en-US"/>
           </a:p>
@@ -2929,7 +2930,7 @@
           <a:p>
             <a:fld id="{B1CD814F-3A2E-4FCD-B679-678770FA1B7D}" type="datetimeFigureOut">
               <a:rPr lang="en-US" smtClean="0"/>
-              <a:t>1/29/2026</a:t>
+              <a:t>2/10/2026</a:t>
             </a:fld>
             <a:endParaRPr lang="en-US"/>
           </a:p>
@@ -3217,7 +3218,7 @@
           <a:p>
             <a:fld id="{B1CD814F-3A2E-4FCD-B679-678770FA1B7D}" type="datetimeFigureOut">
               <a:rPr lang="en-US" smtClean="0"/>
-              <a:t>1/29/2026</a:t>
+              <a:t>2/10/2026</a:t>
             </a:fld>
             <a:endParaRPr lang="en-US"/>
           </a:p>
@@ -3458,7 +3459,7 @@
           <a:p>
             <a:fld id="{B1CD814F-3A2E-4FCD-B679-678770FA1B7D}" type="datetimeFigureOut">
               <a:rPr lang="en-US" smtClean="0"/>
-              <a:t>1/29/2026</a:t>
+              <a:t>2/10/2026</a:t>
             </a:fld>
             <a:endParaRPr lang="en-US"/>
           </a:p>
@@ -5763,6 +5764,17 @@
           </a:p>
           <a:p>
             <a:pPr algn="l"/>
+            <a:r>
+              <a:rPr lang="en-US" sz="1600" dirty="0" err="1"/>
+              <a:t>clear_login_fields</a:t>
+            </a:r>
+            <a:r>
+              <a:rPr lang="en-US" sz="1600" dirty="0"/>
+              <a:t> - ✅</a:t>
+            </a:r>
+          </a:p>
+          <a:p>
+            <a:pPr algn="l"/>
             <a:endParaRPr lang="en-US" sz="1600" dirty="0"/>
           </a:p>
           <a:p>
@@ -5780,7 +5792,7 @@
           <p:cNvPr id="2" name="TextBox 1">
             <a:extLst>
               <a:ext uri="{FF2B5EF4-FFF2-40B4-BE49-F238E27FC236}">
-                <a16:creationId xmlns:a16="http://schemas.microsoft.com/office/drawing/2014/main" id="{8BAF9ABF-B641-109B-83DF-254ABB4659FF}"/>
+                <a16:creationId xmlns:a16="http://schemas.microsoft.com/office/drawing/2014/main" id="{FEDF7320-6AB9-9263-E2A1-639D66C09407}"/>
               </a:ext>
             </a:extLst>
           </p:cNvPr>
@@ -5789,7 +5801,7 @@
         </p:nvSpPr>
         <p:spPr>
           <a:xfrm>
-            <a:off x="9858568" y="199942"/>
+            <a:off x="10010968" y="352342"/>
             <a:ext cx="1982724" cy="369332"/>
           </a:xfrm>
           <a:prstGeom prst="rect">
@@ -6013,11 +6025,22 @@
             <a:pPr algn="l"/>
             <a:r>
               <a:rPr lang="en-US" sz="1600" dirty="0" err="1"/>
+              <a:t>click_remove_domain</a:t>
+            </a:r>
+            <a:r>
+              <a:rPr lang="en-US" sz="1600" dirty="0"/>
+              <a:t> - ✅</a:t>
+            </a:r>
+          </a:p>
+          <a:p>
+            <a:pPr algn="l"/>
+            <a:r>
+              <a:rPr lang="en-US" sz="1600" dirty="0" err="1"/>
               <a:t>remove_domain</a:t>
             </a:r>
             <a:r>
               <a:rPr lang="en-US" sz="1600" dirty="0"/>
-              <a:t> –</a:t>
+              <a:t> – ✅</a:t>
             </a:r>
           </a:p>
           <a:p>
@@ -6028,7 +6051,7 @@
             </a:r>
             <a:r>
               <a:rPr lang="en-US" sz="1600" dirty="0"/>
-              <a:t> -</a:t>
+              <a:t> - ✅</a:t>
             </a:r>
           </a:p>
           <a:p>
@@ -6039,6 +6062,33 @@
             </a:r>
             <a:r>
               <a:rPr lang="en-US" sz="1600" dirty="0"/>
+              <a:t> – ✅</a:t>
+            </a:r>
+          </a:p>
+          <a:p>
+            <a:pPr algn="l"/>
+            <a:r>
+              <a:rPr lang="en-US" sz="1600" dirty="0" err="1"/>
+              <a:t>click_change_CHASSIS_ID</a:t>
+            </a:r>
+            <a:r>
+              <a:rPr lang="en-US" sz="1600" dirty="0"/>
+              <a:t> </a:t>
+            </a:r>
+            <a:r>
+              <a:rPr lang="en-US" sz="1600"/>
+              <a:t>- ✅</a:t>
+            </a:r>
+            <a:endParaRPr lang="en-US" sz="1600" dirty="0"/>
+          </a:p>
+          <a:p>
+            <a:pPr algn="l"/>
+            <a:r>
+              <a:rPr lang="en-US" sz="1600" dirty="0" err="1"/>
+              <a:t>change_CHASSIS_ID</a:t>
+            </a:r>
+            <a:r>
+              <a:rPr lang="en-US" sz="1600" dirty="0"/>
               <a:t> – </a:t>
             </a:r>
           </a:p>
@@ -6046,33 +6096,11 @@
             <a:pPr algn="l"/>
             <a:r>
               <a:rPr lang="en-US" sz="1600" dirty="0" err="1"/>
-              <a:t>click_change_CHASSIS_ID</a:t>
-            </a:r>
-            <a:r>
-              <a:rPr lang="en-US" sz="1600" dirty="0"/>
-              <a:t> -</a:t>
-            </a:r>
-          </a:p>
-          <a:p>
-            <a:pPr algn="l"/>
-            <a:r>
-              <a:rPr lang="en-US" sz="1600" dirty="0" err="1"/>
-              <a:t>change_CHASSIS_ID</a:t>
-            </a:r>
-            <a:r>
-              <a:rPr lang="en-US" sz="1600" dirty="0"/>
-              <a:t> – </a:t>
-            </a:r>
-          </a:p>
-          <a:p>
-            <a:pPr algn="l"/>
-            <a:r>
-              <a:rPr lang="en-US" sz="1600" dirty="0" err="1"/>
               <a:t>click_move_to_domain_mode</a:t>
             </a:r>
             <a:r>
               <a:rPr lang="en-US" sz="1600" dirty="0"/>
-              <a:t> -</a:t>
+              <a:t> - ✅</a:t>
             </a:r>
           </a:p>
           <a:p>
@@ -6083,7 +6111,7 @@
             </a:r>
             <a:r>
               <a:rPr lang="en-US" sz="1600" dirty="0"/>
-              <a:t> - </a:t>
+              <a:t> - ✅</a:t>
             </a:r>
           </a:p>
           <a:p>
@@ -6130,7 +6158,7 @@
                   <a:srgbClr val="FFFF00"/>
                 </a:highlight>
               </a:rPr>
-              <a:t>Summary: 0%</a:t>
+              <a:t>Summary: 80%</a:t>
             </a:r>
             <a:endParaRPr lang="en-US" sz="1200" b="1" dirty="0">
               <a:highlight>
@@ -6535,88 +6563,110 @@
             <a:pPr algn="l"/>
             <a:r>
               <a:rPr lang="en-US" sz="1600" dirty="0" err="1"/>
-              <a:t>Set_faults_type</a:t>
-            </a:r>
-            <a:r>
-              <a:rPr lang="en-US" sz="1600" dirty="0"/>
-              <a:t> – </a:t>
-            </a:r>
-          </a:p>
-          <a:p>
-            <a:pPr algn="l"/>
-            <a:r>
-              <a:rPr lang="en-US" sz="1600" dirty="0" err="1"/>
-              <a:t>Get_faults_type</a:t>
-            </a:r>
-            <a:r>
-              <a:rPr lang="en-US" sz="1600" dirty="0"/>
-              <a:t> – </a:t>
-            </a:r>
-          </a:p>
-          <a:p>
-            <a:pPr algn="l"/>
-            <a:r>
-              <a:rPr lang="en-US" sz="1600" dirty="0" err="1"/>
-              <a:t>Set_severity</a:t>
-            </a:r>
-            <a:r>
-              <a:rPr lang="en-US" sz="1600" dirty="0"/>
-              <a:t> – </a:t>
-            </a:r>
-          </a:p>
-          <a:p>
-            <a:pPr algn="l"/>
-            <a:r>
-              <a:rPr lang="en-US" sz="1600" dirty="0" err="1"/>
-              <a:t>Get_severity</a:t>
-            </a:r>
-            <a:r>
-              <a:rPr lang="en-US" sz="1600" dirty="0"/>
-              <a:t> – </a:t>
-            </a:r>
-          </a:p>
-          <a:p>
-            <a:pPr algn="l"/>
-            <a:r>
-              <a:rPr lang="en-US" sz="1600" dirty="0" err="1"/>
-              <a:t>Set_category</a:t>
-            </a:r>
-            <a:r>
-              <a:rPr lang="en-US" sz="1600" dirty="0"/>
-              <a:t> – </a:t>
-            </a:r>
-          </a:p>
-          <a:p>
-            <a:pPr algn="l"/>
-            <a:r>
-              <a:rPr lang="en-US" sz="1600" dirty="0" err="1"/>
-              <a:t>Get_category</a:t>
-            </a:r>
-            <a:r>
-              <a:rPr lang="en-US" sz="1600" dirty="0"/>
-              <a:t> – </a:t>
-            </a:r>
-          </a:p>
-          <a:p>
-            <a:pPr algn="l"/>
-            <a:r>
-              <a:rPr lang="en-US" sz="1600" dirty="0" err="1"/>
-              <a:t>Set_filterBy</a:t>
-            </a:r>
-            <a:r>
-              <a:rPr lang="en-US" sz="1600" dirty="0"/>
-              <a:t>– </a:t>
-            </a:r>
-          </a:p>
-          <a:p>
-            <a:pPr algn="l"/>
-            <a:r>
-              <a:rPr lang="en-US" sz="1600" dirty="0" err="1"/>
-              <a:t>Get_filterBy</a:t>
-            </a:r>
-            <a:r>
-              <a:rPr lang="en-US" sz="1600" dirty="0"/>
-              <a:t>– </a:t>
+              <a:t>set_faults_type</a:t>
+            </a:r>
+            <a:r>
+              <a:rPr lang="en-US" sz="1600" dirty="0"/>
+              <a:t> – ✅</a:t>
+            </a:r>
+          </a:p>
+          <a:p>
+            <a:pPr algn="l"/>
+            <a:r>
+              <a:rPr lang="en-US" sz="1600" dirty="0" err="1"/>
+              <a:t>get_faults_type</a:t>
+            </a:r>
+            <a:r>
+              <a:rPr lang="en-US" sz="1600" dirty="0"/>
+              <a:t> – ✅</a:t>
+            </a:r>
+          </a:p>
+          <a:p>
+            <a:pPr algn="l"/>
+            <a:r>
+              <a:rPr lang="en-US" sz="1600" dirty="0" err="1"/>
+              <a:t>set_severity</a:t>
+            </a:r>
+            <a:r>
+              <a:rPr lang="en-US" sz="1600" dirty="0"/>
+              <a:t> – ✅</a:t>
+            </a:r>
+          </a:p>
+          <a:p>
+            <a:pPr algn="l"/>
+            <a:r>
+              <a:rPr lang="en-US" sz="1600" dirty="0" err="1"/>
+              <a:t>get_severity</a:t>
+            </a:r>
+            <a:r>
+              <a:rPr lang="en-US" sz="1600" dirty="0"/>
+              <a:t> – ✅</a:t>
+            </a:r>
+          </a:p>
+          <a:p>
+            <a:pPr algn="l"/>
+            <a:r>
+              <a:rPr lang="en-US" sz="1600" dirty="0" err="1"/>
+              <a:t>set_all_severities</a:t>
+            </a:r>
+            <a:r>
+              <a:rPr lang="en-US" sz="1600" dirty="0"/>
+              <a:t> - ✅</a:t>
+            </a:r>
+          </a:p>
+          <a:p>
+            <a:pPr algn="l"/>
+            <a:r>
+              <a:rPr lang="en-US" sz="1600" dirty="0" err="1"/>
+              <a:t>set_category</a:t>
+            </a:r>
+            <a:r>
+              <a:rPr lang="en-US" sz="1600" dirty="0"/>
+              <a:t> – ✅</a:t>
+            </a:r>
+          </a:p>
+          <a:p>
+            <a:pPr algn="l"/>
+            <a:r>
+              <a:rPr lang="en-US" sz="1600" dirty="0" err="1"/>
+              <a:t>get_category</a:t>
+            </a:r>
+            <a:r>
+              <a:rPr lang="en-US" sz="1600" dirty="0"/>
+              <a:t> – ✅</a:t>
+            </a:r>
+          </a:p>
+          <a:p>
+            <a:pPr algn="l"/>
+            <a:r>
+              <a:rPr lang="en-US" sz="1600" dirty="0" err="1"/>
+              <a:t>set_all_categories</a:t>
+            </a:r>
+            <a:r>
+              <a:rPr lang="en-US" sz="1600" dirty="0"/>
+              <a:t> - ✅</a:t>
+            </a:r>
+          </a:p>
+          <a:p>
+            <a:pPr algn="l"/>
+            <a:r>
+              <a:rPr lang="en-US" sz="1600" dirty="0" err="1"/>
+              <a:t>set_filterBy</a:t>
+            </a:r>
+            <a:r>
+              <a:rPr lang="en-US" sz="1600" dirty="0"/>
+              <a:t> – ✅</a:t>
+            </a:r>
+          </a:p>
+          <a:p>
+            <a:pPr algn="l"/>
+            <a:r>
+              <a:rPr lang="en-US" sz="1600" dirty="0" err="1"/>
+              <a:t>get_filterBy</a:t>
+            </a:r>
+            <a:r>
+              <a:rPr lang="en-US" sz="1600" dirty="0"/>
+              <a:t> – ✅</a:t>
             </a:r>
           </a:p>
           <a:p>
@@ -6627,7 +6677,7 @@
             </a:r>
             <a:r>
               <a:rPr lang="en-US" sz="1600" dirty="0"/>
-              <a:t>(when Filter by is on Devices) –</a:t>
+              <a:t>(when Filter by is on Devices) – ✅</a:t>
             </a:r>
           </a:p>
           <a:p>
@@ -6638,7 +6688,7 @@
             </a:r>
             <a:r>
               <a:rPr lang="en-US" sz="1600" dirty="0"/>
-              <a:t>(when Filter by is on Devices) –</a:t>
+              <a:t>(when Filter by is on Devices) – ✅</a:t>
             </a:r>
           </a:p>
           <a:p>
@@ -6649,7 +6699,7 @@
             </a:r>
             <a:r>
               <a:rPr lang="en-US" sz="1600" dirty="0"/>
-              <a:t>(when Filter by is on Devices) –</a:t>
+              <a:t>(when Filter by is on Devices) – ✅</a:t>
             </a:r>
           </a:p>
           <a:p>
@@ -6660,7 +6710,18 @@
             </a:r>
             <a:r>
               <a:rPr lang="en-US" sz="1600" dirty="0"/>
-              <a:t>(when Filter by is on Devices) –</a:t>
+              <a:t>(when Filter by is on Devices) – ✅</a:t>
+            </a:r>
+          </a:p>
+          <a:p>
+            <a:pPr algn="l"/>
+            <a:r>
+              <a:rPr lang="en-US" sz="1600" dirty="0" err="1"/>
+              <a:t>remove_all_devices_filterBy_devices</a:t>
+            </a:r>
+            <a:r>
+              <a:rPr lang="en-US" sz="1600" dirty="0"/>
+              <a:t>(when Filter by is on Devices) - ✅</a:t>
             </a:r>
           </a:p>
           <a:p>
@@ -6671,7 +6732,7 @@
             </a:r>
             <a:r>
               <a:rPr lang="en-US" sz="1600" dirty="0"/>
-              <a:t>(when Filter by is on Domain/chassis) –</a:t>
+              <a:t>(when Filter by is on Domain/chassis) – ✅</a:t>
             </a:r>
           </a:p>
           <a:p>
@@ -6682,7 +6743,18 @@
             </a:r>
             <a:r>
               <a:rPr lang="en-US" sz="1600" dirty="0"/>
-              <a:t>(when Filter by is on Domain/chassis) -</a:t>
+              <a:t>(when Filter by is on Domain/chassis) – ✅</a:t>
+            </a:r>
+          </a:p>
+          <a:p>
+            <a:pPr algn="l"/>
+            <a:r>
+              <a:rPr lang="en-US" sz="1600" dirty="0" err="1"/>
+              <a:t>select_all_domains_filterBy_domain_or_chassis</a:t>
+            </a:r>
+            <a:r>
+              <a:rPr lang="en-US" sz="1600" dirty="0"/>
+              <a:t>(when Filter by is on Domain/chassis) - ✅</a:t>
             </a:r>
           </a:p>
           <a:p>
@@ -6697,49 +6769,9 @@
             <a:pPr algn="l"/>
             <a:endParaRPr lang="en-US" sz="1600" dirty="0"/>
           </a:p>
-        </p:txBody>
-      </p:sp>
-      <p:sp>
-        <p:nvSpPr>
-          <p:cNvPr id="2" name="TextBox 1">
-            <a:extLst>
-              <a:ext uri="{FF2B5EF4-FFF2-40B4-BE49-F238E27FC236}">
-                <a16:creationId xmlns:a16="http://schemas.microsoft.com/office/drawing/2014/main" id="{6DA6FFF5-287F-A1ED-0659-317193390BDD}"/>
-              </a:ext>
-            </a:extLst>
-          </p:cNvPr>
-          <p:cNvSpPr txBox="1"/>
-          <p:nvPr/>
-        </p:nvSpPr>
-        <p:spPr>
-          <a:xfrm>
-            <a:off x="9858568" y="199942"/>
-            <a:ext cx="1982724" cy="369332"/>
-          </a:xfrm>
-          <a:prstGeom prst="rect">
-            <a:avLst/>
-          </a:prstGeom>
-          <a:noFill/>
-        </p:spPr>
-        <p:txBody>
-          <a:bodyPr wrap="square" rtlCol="0">
-            <a:spAutoFit/>
-          </a:bodyPr>
-          <a:lstStyle/>
-          <a:p>
-            <a:r>
-              <a:rPr lang="en-US" b="1" dirty="0">
-                <a:highlight>
-                  <a:srgbClr val="FFFF00"/>
-                </a:highlight>
-              </a:rPr>
-              <a:t>Summary: 0%</a:t>
-            </a:r>
-            <a:endParaRPr lang="en-US" sz="1200" b="1" dirty="0">
-              <a:highlight>
-                <a:srgbClr val="FFFF00"/>
-              </a:highlight>
-            </a:endParaRPr>
+          <a:p>
+            <a:pPr algn="l"/>
+            <a:endParaRPr lang="en-US" sz="1600" dirty="0"/>
           </a:p>
         </p:txBody>
       </p:sp>
@@ -6757,6 +6789,267 @@
 </file>
 
 <file path=ppt/slides/slide26.xml><?xml version="1.0" encoding="utf-8"?>
+<p:sld xmlns:a="http://schemas.openxmlformats.org/drawingml/2006/main" xmlns:r="http://schemas.openxmlformats.org/officeDocument/2006/relationships" xmlns:p="http://schemas.openxmlformats.org/presentationml/2006/main">
+  <p:cSld>
+    <p:spTree>
+      <p:nvGrpSpPr>
+        <p:cNvPr id="1" name="">
+          <a:extLst>
+            <a:ext uri="{FF2B5EF4-FFF2-40B4-BE49-F238E27FC236}">
+              <a16:creationId xmlns:a16="http://schemas.microsoft.com/office/drawing/2014/main" id="{DC1D1432-91F2-3424-F82D-3403B895C19E}"/>
+            </a:ext>
+          </a:extLst>
+        </p:cNvPr>
+        <p:cNvGrpSpPr/>
+        <p:nvPr/>
+      </p:nvGrpSpPr>
+      <p:grpSpPr>
+        <a:xfrm>
+          <a:off x="0" y="0"/>
+          <a:ext cx="0" cy="0"/>
+          <a:chOff x="0" y="0"/>
+          <a:chExt cx="0" cy="0"/>
+        </a:xfrm>
+      </p:grpSpPr>
+      <p:sp>
+        <p:nvSpPr>
+          <p:cNvPr id="3" name="Subtitle 2">
+            <a:extLst>
+              <a:ext uri="{FF2B5EF4-FFF2-40B4-BE49-F238E27FC236}">
+                <a16:creationId xmlns:a16="http://schemas.microsoft.com/office/drawing/2014/main" id="{8527567B-287A-D08E-0E39-C833D8C1CD93}"/>
+              </a:ext>
+            </a:extLst>
+          </p:cNvPr>
+          <p:cNvSpPr>
+            <a:spLocks noGrp="1"/>
+          </p:cNvSpPr>
+          <p:nvPr>
+            <p:ph type="subTitle" idx="1"/>
+          </p:nvPr>
+        </p:nvSpPr>
+        <p:spPr>
+          <a:xfrm>
+            <a:off x="106680" y="99886"/>
+            <a:ext cx="11990832" cy="6666674"/>
+          </a:xfrm>
+        </p:spPr>
+        <p:txBody>
+          <a:bodyPr>
+            <a:normAutofit/>
+          </a:bodyPr>
+          <a:lstStyle/>
+          <a:p>
+            <a:pPr algn="l"/>
+            <a:r>
+              <a:rPr lang="en-US" sz="1800" b="1" dirty="0" err="1"/>
+              <a:t>Alarms_and_events</a:t>
+            </a:r>
+            <a:r>
+              <a:rPr lang="en-US" sz="1800" b="1" dirty="0"/>
+              <a:t>:</a:t>
+            </a:r>
+          </a:p>
+          <a:p>
+            <a:pPr algn="l"/>
+            <a:r>
+              <a:rPr lang="en-US" sz="1600" dirty="0" err="1"/>
+              <a:t>set_from_date</a:t>
+            </a:r>
+            <a:r>
+              <a:rPr lang="en-US" sz="1600" dirty="0"/>
+              <a:t> – ✅</a:t>
+            </a:r>
+          </a:p>
+          <a:p>
+            <a:pPr algn="l"/>
+            <a:r>
+              <a:rPr lang="en-US" sz="1600" dirty="0" err="1"/>
+              <a:t>get_from_date</a:t>
+            </a:r>
+            <a:r>
+              <a:rPr lang="en-US" sz="1600" dirty="0"/>
+              <a:t> – ✅</a:t>
+            </a:r>
+          </a:p>
+          <a:p>
+            <a:pPr algn="l"/>
+            <a:r>
+              <a:rPr lang="en-US" sz="1600" dirty="0" err="1"/>
+              <a:t>set_to_date</a:t>
+            </a:r>
+            <a:r>
+              <a:rPr lang="en-US" sz="1600" dirty="0"/>
+              <a:t> – ✅</a:t>
+            </a:r>
+          </a:p>
+          <a:p>
+            <a:pPr algn="l"/>
+            <a:r>
+              <a:rPr lang="en-US" sz="1600" dirty="0" err="1"/>
+              <a:t>get_to_date</a:t>
+            </a:r>
+            <a:r>
+              <a:rPr lang="en-US" sz="1600" dirty="0"/>
+              <a:t> – ✅</a:t>
+            </a:r>
+          </a:p>
+          <a:p>
+            <a:pPr algn="l"/>
+            <a:r>
+              <a:rPr lang="en-US" sz="1600" dirty="0" err="1"/>
+              <a:t>set_message</a:t>
+            </a:r>
+            <a:r>
+              <a:rPr lang="en-US" sz="1600" dirty="0"/>
+              <a:t> – ✅</a:t>
+            </a:r>
+          </a:p>
+          <a:p>
+            <a:pPr algn="l"/>
+            <a:r>
+              <a:rPr lang="en-US" sz="1600" dirty="0" err="1"/>
+              <a:t>message_check_exact_match_only</a:t>
+            </a:r>
+            <a:r>
+              <a:rPr lang="en-US" sz="1600" dirty="0"/>
+              <a:t> - ✅</a:t>
+            </a:r>
+          </a:p>
+          <a:p>
+            <a:pPr algn="l"/>
+            <a:r>
+              <a:rPr lang="en-US" sz="1600" dirty="0" err="1"/>
+              <a:t>message_uncheck_exact_match_only</a:t>
+            </a:r>
+            <a:r>
+              <a:rPr lang="en-US" sz="1600" dirty="0"/>
+              <a:t> – ✅</a:t>
+            </a:r>
+          </a:p>
+          <a:p>
+            <a:pPr algn="l"/>
+            <a:r>
+              <a:rPr lang="en-US" sz="1600" dirty="0" err="1"/>
+              <a:t>check_Ack</a:t>
+            </a:r>
+            <a:r>
+              <a:rPr lang="en-US" sz="1600" dirty="0"/>
+              <a:t> -</a:t>
+            </a:r>
+          </a:p>
+          <a:p>
+            <a:pPr algn="l"/>
+            <a:r>
+              <a:rPr lang="en-US" sz="1600" dirty="0" err="1"/>
+              <a:t>uncheck_Ack</a:t>
+            </a:r>
+            <a:r>
+              <a:rPr lang="en-US" sz="1600" dirty="0"/>
+              <a:t> – </a:t>
+            </a:r>
+          </a:p>
+          <a:p>
+            <a:pPr algn="l"/>
+            <a:r>
+              <a:rPr lang="en-US" sz="1600" dirty="0" err="1"/>
+              <a:t>get_all_events</a:t>
+            </a:r>
+            <a:r>
+              <a:rPr lang="en-US" sz="1600" dirty="0"/>
+              <a:t> - ✅</a:t>
+            </a:r>
+          </a:p>
+          <a:p>
+            <a:pPr algn="l"/>
+            <a:r>
+              <a:rPr lang="en-US" sz="1600" dirty="0" err="1"/>
+              <a:t>get_all_alarms</a:t>
+            </a:r>
+            <a:r>
+              <a:rPr lang="en-US" sz="1600" dirty="0"/>
+              <a:t> – </a:t>
+            </a:r>
+          </a:p>
+          <a:p>
+            <a:pPr algn="l"/>
+            <a:endParaRPr lang="en-US" sz="1600" dirty="0"/>
+          </a:p>
+          <a:p>
+            <a:pPr algn="l"/>
+            <a:endParaRPr lang="en-US" sz="1600" dirty="0"/>
+          </a:p>
+          <a:p>
+            <a:pPr algn="l"/>
+            <a:endParaRPr lang="en-US" sz="1600" dirty="0"/>
+          </a:p>
+          <a:p>
+            <a:pPr algn="l"/>
+            <a:endParaRPr lang="en-US" sz="1600" dirty="0"/>
+          </a:p>
+          <a:p>
+            <a:pPr algn="l"/>
+            <a:endParaRPr lang="en-US" sz="1600" dirty="0"/>
+          </a:p>
+        </p:txBody>
+      </p:sp>
+      <p:sp>
+        <p:nvSpPr>
+          <p:cNvPr id="2" name="TextBox 1">
+            <a:extLst>
+              <a:ext uri="{FF2B5EF4-FFF2-40B4-BE49-F238E27FC236}">
+                <a16:creationId xmlns:a16="http://schemas.microsoft.com/office/drawing/2014/main" id="{B50DFDE9-7A62-B0AB-83A6-342ED01F3B7D}"/>
+              </a:ext>
+            </a:extLst>
+          </p:cNvPr>
+          <p:cNvSpPr txBox="1"/>
+          <p:nvPr/>
+        </p:nvSpPr>
+        <p:spPr>
+          <a:xfrm>
+            <a:off x="9858568" y="199942"/>
+            <a:ext cx="1982724" cy="369332"/>
+          </a:xfrm>
+          <a:prstGeom prst="rect">
+            <a:avLst/>
+          </a:prstGeom>
+          <a:noFill/>
+        </p:spPr>
+        <p:txBody>
+          <a:bodyPr wrap="square" rtlCol="0">
+            <a:spAutoFit/>
+          </a:bodyPr>
+          <a:lstStyle/>
+          <a:p>
+            <a:r>
+              <a:rPr lang="en-US" b="1" dirty="0">
+                <a:highlight>
+                  <a:srgbClr val="FFFF00"/>
+                </a:highlight>
+              </a:rPr>
+              <a:t>Summary: 89%</a:t>
+            </a:r>
+            <a:endParaRPr lang="en-US" sz="1200" b="1" dirty="0">
+              <a:highlight>
+                <a:srgbClr val="FFFF00"/>
+              </a:highlight>
+            </a:endParaRPr>
+          </a:p>
+        </p:txBody>
+      </p:sp>
+    </p:spTree>
+    <p:extLst>
+      <p:ext uri="{BB962C8B-B14F-4D97-AF65-F5344CB8AC3E}">
+        <p14:creationId xmlns:p14="http://schemas.microsoft.com/office/powerpoint/2010/main" val="893295985"/>
+      </p:ext>
+    </p:extLst>
+  </p:cSld>
+  <p:clrMapOvr>
+    <a:masterClrMapping/>
+  </p:clrMapOvr>
+</p:sld>
+</file>
+
+<file path=ppt/slides/slide27.xml><?xml version="1.0" encoding="utf-8"?>
 <p:sld xmlns:a="http://schemas.openxmlformats.org/drawingml/2006/main" xmlns:r="http://schemas.openxmlformats.org/officeDocument/2006/relationships" xmlns:p="http://schemas.openxmlformats.org/presentationml/2006/main">
   <p:cSld>
     <p:spTree>
@@ -6850,7 +7143,7 @@
 </p:sld>
 </file>
 
-<file path=ppt/slides/slide27.xml><?xml version="1.0" encoding="utf-8"?>
+<file path=ppt/slides/slide28.xml><?xml version="1.0" encoding="utf-8"?>
 <p:sld xmlns:a="http://schemas.openxmlformats.org/drawingml/2006/main" xmlns:r="http://schemas.openxmlformats.org/officeDocument/2006/relationships" xmlns:p="http://schemas.openxmlformats.org/presentationml/2006/main">
   <p:cSld>
     <p:spTree>
@@ -7085,7 +7378,7 @@
 </p:sld>
 </file>
 
-<file path=ppt/slides/slide28.xml><?xml version="1.0" encoding="utf-8"?>
+<file path=ppt/slides/slide29.xml><?xml version="1.0" encoding="utf-8"?>
 <p:sld xmlns:a="http://schemas.openxmlformats.org/drawingml/2006/main" xmlns:r="http://schemas.openxmlformats.org/officeDocument/2006/relationships" xmlns:p="http://schemas.openxmlformats.org/presentationml/2006/main">
   <p:cSld>
     <p:spTree>
@@ -7170,322 +7463,6 @@
     <p:extLst>
       <p:ext uri="{BB962C8B-B14F-4D97-AF65-F5344CB8AC3E}">
         <p14:creationId xmlns:p14="http://schemas.microsoft.com/office/powerpoint/2010/main" val="4234215970"/>
-      </p:ext>
-    </p:extLst>
-  </p:cSld>
-  <p:clrMapOvr>
-    <a:masterClrMapping/>
-  </p:clrMapOvr>
-</p:sld>
-</file>
-
-<file path=ppt/slides/slide29.xml><?xml version="1.0" encoding="utf-8"?>
-<p:sld xmlns:a="http://schemas.openxmlformats.org/drawingml/2006/main" xmlns:r="http://schemas.openxmlformats.org/officeDocument/2006/relationships" xmlns:p="http://schemas.openxmlformats.org/presentationml/2006/main">
-  <p:cSld>
-    <p:spTree>
-      <p:nvGrpSpPr>
-        <p:cNvPr id="1" name="">
-          <a:extLst>
-            <a:ext uri="{FF2B5EF4-FFF2-40B4-BE49-F238E27FC236}">
-              <a16:creationId xmlns:a16="http://schemas.microsoft.com/office/drawing/2014/main" id="{8C6D14C1-12E4-39B3-6222-2761FFB27BF8}"/>
-            </a:ext>
-          </a:extLst>
-        </p:cNvPr>
-        <p:cNvGrpSpPr/>
-        <p:nvPr/>
-      </p:nvGrpSpPr>
-      <p:grpSpPr>
-        <a:xfrm>
-          <a:off x="0" y="0"/>
-          <a:ext cx="0" cy="0"/>
-          <a:chOff x="0" y="0"/>
-          <a:chExt cx="0" cy="0"/>
-        </a:xfrm>
-      </p:grpSpPr>
-      <p:sp>
-        <p:nvSpPr>
-          <p:cNvPr id="3" name="Subtitle 2">
-            <a:extLst>
-              <a:ext uri="{FF2B5EF4-FFF2-40B4-BE49-F238E27FC236}">
-                <a16:creationId xmlns:a16="http://schemas.microsoft.com/office/drawing/2014/main" id="{0528B494-2BF6-D126-2627-C250C35A6459}"/>
-              </a:ext>
-            </a:extLst>
-          </p:cNvPr>
-          <p:cNvSpPr>
-            <a:spLocks noGrp="1"/>
-          </p:cNvSpPr>
-          <p:nvPr>
-            <p:ph type="subTitle" idx="1"/>
-          </p:nvPr>
-        </p:nvSpPr>
-        <p:spPr>
-          <a:xfrm>
-            <a:off x="106680" y="99886"/>
-            <a:ext cx="11990832" cy="6666674"/>
-          </a:xfrm>
-        </p:spPr>
-        <p:txBody>
-          <a:bodyPr>
-            <a:normAutofit/>
-          </a:bodyPr>
-          <a:lstStyle/>
-          <a:p>
-            <a:pPr algn="l"/>
-            <a:r>
-              <a:rPr lang="en-US" sz="1800" b="1" dirty="0" err="1"/>
-              <a:t>upper_panel</a:t>
-            </a:r>
-            <a:r>
-              <a:rPr lang="en-US" sz="1800" b="1" dirty="0"/>
-              <a:t>:</a:t>
-            </a:r>
-          </a:p>
-          <a:p>
-            <a:pPr algn="l"/>
-            <a:r>
-              <a:rPr lang="en-US" sz="1600" dirty="0"/>
-              <a:t>Init – </a:t>
-            </a:r>
-          </a:p>
-          <a:p>
-            <a:pPr algn="l"/>
-            <a:r>
-              <a:rPr lang="en-US" sz="1600" dirty="0" err="1"/>
-              <a:t>click_on_avatar_icon</a:t>
-            </a:r>
-            <a:r>
-              <a:rPr lang="en-US" sz="1600" dirty="0"/>
-              <a:t> –</a:t>
-            </a:r>
-          </a:p>
-          <a:p>
-            <a:pPr algn="l"/>
-            <a:r>
-              <a:rPr lang="en-US" sz="1600" dirty="0" err="1"/>
-              <a:t>click_on_change_password</a:t>
-            </a:r>
-            <a:r>
-              <a:rPr lang="en-US" sz="1600" dirty="0"/>
-              <a:t> – </a:t>
-            </a:r>
-          </a:p>
-          <a:p>
-            <a:pPr algn="l"/>
-            <a:r>
-              <a:rPr lang="en-US" sz="1600" dirty="0" err="1"/>
-              <a:t>get_username</a:t>
-            </a:r>
-            <a:r>
-              <a:rPr lang="en-US" sz="1600" dirty="0"/>
-              <a:t> –</a:t>
-            </a:r>
-          </a:p>
-          <a:p>
-            <a:pPr algn="l"/>
-            <a:r>
-              <a:rPr lang="en-US" sz="1600" dirty="0" err="1"/>
-              <a:t>set_username</a:t>
-            </a:r>
-            <a:r>
-              <a:rPr lang="en-US" sz="1600" dirty="0"/>
-              <a:t> – </a:t>
-            </a:r>
-          </a:p>
-          <a:p>
-            <a:pPr algn="l"/>
-            <a:r>
-              <a:rPr lang="en-US" sz="1600" dirty="0" err="1"/>
-              <a:t>set_current_password</a:t>
-            </a:r>
-            <a:r>
-              <a:rPr lang="en-US" sz="1600" dirty="0"/>
-              <a:t> – </a:t>
-            </a:r>
-          </a:p>
-          <a:p>
-            <a:pPr algn="l"/>
-            <a:r>
-              <a:rPr lang="en-US" sz="1600" dirty="0" err="1"/>
-              <a:t>set_new_password</a:t>
-            </a:r>
-            <a:r>
-              <a:rPr lang="en-US" sz="1600" dirty="0"/>
-              <a:t> – </a:t>
-            </a:r>
-          </a:p>
-          <a:p>
-            <a:pPr algn="l"/>
-            <a:r>
-              <a:rPr lang="en-US" sz="1600" dirty="0" err="1"/>
-              <a:t>set_confirm_password</a:t>
-            </a:r>
-            <a:r>
-              <a:rPr lang="en-US" sz="1600" dirty="0"/>
-              <a:t> – </a:t>
-            </a:r>
-          </a:p>
-          <a:p>
-            <a:pPr algn="l"/>
-            <a:r>
-              <a:rPr lang="en-US" sz="1600" dirty="0" err="1"/>
-              <a:t>click_save_new_password</a:t>
-            </a:r>
-            <a:r>
-              <a:rPr lang="en-US" sz="1600" dirty="0"/>
-              <a:t> – </a:t>
-            </a:r>
-          </a:p>
-          <a:p>
-            <a:pPr algn="l"/>
-            <a:r>
-              <a:rPr lang="en-US" sz="1600" dirty="0" err="1"/>
-              <a:t>click_on_global_search</a:t>
-            </a:r>
-            <a:r>
-              <a:rPr lang="en-US" sz="1600" dirty="0"/>
-              <a:t> – </a:t>
-            </a:r>
-          </a:p>
-          <a:p>
-            <a:pPr algn="l"/>
-            <a:r>
-              <a:rPr lang="en-US" sz="1600" dirty="0" err="1"/>
-              <a:t>set_global_search_value</a:t>
-            </a:r>
-            <a:r>
-              <a:rPr lang="en-US" sz="1600" dirty="0"/>
-              <a:t> –</a:t>
-            </a:r>
-          </a:p>
-          <a:p>
-            <a:pPr algn="l"/>
-            <a:r>
-              <a:rPr lang="en-US" sz="1600" dirty="0" err="1"/>
-              <a:t>close_global_search</a:t>
-            </a:r>
-            <a:r>
-              <a:rPr lang="en-US" sz="1600" dirty="0"/>
-              <a:t> – </a:t>
-            </a:r>
-          </a:p>
-          <a:p>
-            <a:pPr algn="l"/>
-            <a:r>
-              <a:rPr lang="en-US" sz="1600" dirty="0" err="1"/>
-              <a:t>click_on_sub_domains_dropdown</a:t>
-            </a:r>
-            <a:r>
-              <a:rPr lang="en-US" sz="1600" dirty="0"/>
-              <a:t> – </a:t>
-            </a:r>
-          </a:p>
-          <a:p>
-            <a:pPr algn="l"/>
-            <a:r>
-              <a:rPr lang="en-US" sz="1600" dirty="0" err="1"/>
-              <a:t>select_sub_domain</a:t>
-            </a:r>
-            <a:r>
-              <a:rPr lang="en-US" sz="1600" dirty="0"/>
-              <a:t> –</a:t>
-            </a:r>
-          </a:p>
-          <a:p>
-            <a:pPr algn="l"/>
-            <a:r>
-              <a:rPr lang="en-US" sz="1600" dirty="0" err="1"/>
-              <a:t>click_on_domains_dropdown</a:t>
-            </a:r>
-            <a:r>
-              <a:rPr lang="en-US" sz="1600" dirty="0"/>
-              <a:t> – </a:t>
-            </a:r>
-          </a:p>
-          <a:p>
-            <a:pPr algn="l"/>
-            <a:r>
-              <a:rPr lang="en-US" sz="1600" dirty="0" err="1"/>
-              <a:t>select_domain</a:t>
-            </a:r>
-            <a:r>
-              <a:rPr lang="en-US" sz="1600" dirty="0"/>
-              <a:t> –</a:t>
-            </a:r>
-          </a:p>
-          <a:p>
-            <a:pPr algn="l"/>
-            <a:endParaRPr lang="en-US" sz="1600" dirty="0"/>
-          </a:p>
-          <a:p>
-            <a:pPr algn="l"/>
-            <a:endParaRPr lang="en-US" sz="1600" dirty="0"/>
-          </a:p>
-          <a:p>
-            <a:pPr algn="l"/>
-            <a:endParaRPr lang="en-US" sz="1100" dirty="0"/>
-          </a:p>
-          <a:p>
-            <a:pPr algn="l"/>
-            <a:endParaRPr lang="en-US" sz="1600" dirty="0"/>
-          </a:p>
-          <a:p>
-            <a:pPr algn="l"/>
-            <a:endParaRPr lang="en-US" sz="1600" dirty="0"/>
-          </a:p>
-          <a:p>
-            <a:pPr algn="l"/>
-            <a:endParaRPr lang="en-US" sz="1600" dirty="0"/>
-          </a:p>
-        </p:txBody>
-      </p:sp>
-      <p:sp>
-        <p:nvSpPr>
-          <p:cNvPr id="2" name="TextBox 1">
-            <a:extLst>
-              <a:ext uri="{FF2B5EF4-FFF2-40B4-BE49-F238E27FC236}">
-                <a16:creationId xmlns:a16="http://schemas.microsoft.com/office/drawing/2014/main" id="{F7BD85CC-DEA6-5756-19AA-2817939B29DA}"/>
-              </a:ext>
-            </a:extLst>
-          </p:cNvPr>
-          <p:cNvSpPr txBox="1"/>
-          <p:nvPr/>
-        </p:nvSpPr>
-        <p:spPr>
-          <a:xfrm>
-            <a:off x="9858568" y="199942"/>
-            <a:ext cx="1982724" cy="369332"/>
-          </a:xfrm>
-          <a:prstGeom prst="rect">
-            <a:avLst/>
-          </a:prstGeom>
-          <a:noFill/>
-        </p:spPr>
-        <p:txBody>
-          <a:bodyPr wrap="square" rtlCol="0">
-            <a:spAutoFit/>
-          </a:bodyPr>
-          <a:lstStyle/>
-          <a:p>
-            <a:r>
-              <a:rPr lang="en-US" b="1" dirty="0">
-                <a:highlight>
-                  <a:srgbClr val="FFFF00"/>
-                </a:highlight>
-              </a:rPr>
-              <a:t>Summary: 0%</a:t>
-            </a:r>
-            <a:endParaRPr lang="en-US" sz="1200" b="1" dirty="0">
-              <a:highlight>
-                <a:srgbClr val="FFFF00"/>
-              </a:highlight>
-            </a:endParaRPr>
-          </a:p>
-        </p:txBody>
-      </p:sp>
-    </p:spTree>
-    <p:extLst>
-      <p:ext uri="{BB962C8B-B14F-4D97-AF65-F5344CB8AC3E}">
-        <p14:creationId xmlns:p14="http://schemas.microsoft.com/office/powerpoint/2010/main" val="2582646343"/>
       </p:ext>
     </p:extLst>
   </p:cSld>
@@ -7590,6 +7567,322 @@
 </file>
 
 <file path=ppt/slides/slide30.xml><?xml version="1.0" encoding="utf-8"?>
+<p:sld xmlns:a="http://schemas.openxmlformats.org/drawingml/2006/main" xmlns:r="http://schemas.openxmlformats.org/officeDocument/2006/relationships" xmlns:p="http://schemas.openxmlformats.org/presentationml/2006/main">
+  <p:cSld>
+    <p:spTree>
+      <p:nvGrpSpPr>
+        <p:cNvPr id="1" name="">
+          <a:extLst>
+            <a:ext uri="{FF2B5EF4-FFF2-40B4-BE49-F238E27FC236}">
+              <a16:creationId xmlns:a16="http://schemas.microsoft.com/office/drawing/2014/main" id="{8C6D14C1-12E4-39B3-6222-2761FFB27BF8}"/>
+            </a:ext>
+          </a:extLst>
+        </p:cNvPr>
+        <p:cNvGrpSpPr/>
+        <p:nvPr/>
+      </p:nvGrpSpPr>
+      <p:grpSpPr>
+        <a:xfrm>
+          <a:off x="0" y="0"/>
+          <a:ext cx="0" cy="0"/>
+          <a:chOff x="0" y="0"/>
+          <a:chExt cx="0" cy="0"/>
+        </a:xfrm>
+      </p:grpSpPr>
+      <p:sp>
+        <p:nvSpPr>
+          <p:cNvPr id="3" name="Subtitle 2">
+            <a:extLst>
+              <a:ext uri="{FF2B5EF4-FFF2-40B4-BE49-F238E27FC236}">
+                <a16:creationId xmlns:a16="http://schemas.microsoft.com/office/drawing/2014/main" id="{0528B494-2BF6-D126-2627-C250C35A6459}"/>
+              </a:ext>
+            </a:extLst>
+          </p:cNvPr>
+          <p:cNvSpPr>
+            <a:spLocks noGrp="1"/>
+          </p:cNvSpPr>
+          <p:nvPr>
+            <p:ph type="subTitle" idx="1"/>
+          </p:nvPr>
+        </p:nvSpPr>
+        <p:spPr>
+          <a:xfrm>
+            <a:off x="106680" y="99886"/>
+            <a:ext cx="11990832" cy="6666674"/>
+          </a:xfrm>
+        </p:spPr>
+        <p:txBody>
+          <a:bodyPr>
+            <a:normAutofit/>
+          </a:bodyPr>
+          <a:lstStyle/>
+          <a:p>
+            <a:pPr algn="l"/>
+            <a:r>
+              <a:rPr lang="en-US" sz="1800" b="1" dirty="0" err="1"/>
+              <a:t>upper_panel</a:t>
+            </a:r>
+            <a:r>
+              <a:rPr lang="en-US" sz="1800" b="1" dirty="0"/>
+              <a:t>:</a:t>
+            </a:r>
+          </a:p>
+          <a:p>
+            <a:pPr algn="l"/>
+            <a:r>
+              <a:rPr lang="en-US" sz="1600" dirty="0"/>
+              <a:t>Init – ✅</a:t>
+            </a:r>
+          </a:p>
+          <a:p>
+            <a:pPr algn="l"/>
+            <a:r>
+              <a:rPr lang="en-US" sz="1600" dirty="0" err="1"/>
+              <a:t>click_on_avatar_icon</a:t>
+            </a:r>
+            <a:r>
+              <a:rPr lang="en-US" sz="1600" dirty="0"/>
+              <a:t> – ✅</a:t>
+            </a:r>
+          </a:p>
+          <a:p>
+            <a:pPr algn="l"/>
+            <a:r>
+              <a:rPr lang="en-US" sz="1600" dirty="0" err="1"/>
+              <a:t>click_on_change_password</a:t>
+            </a:r>
+            <a:r>
+              <a:rPr lang="en-US" sz="1600" dirty="0"/>
+              <a:t> – ✅</a:t>
+            </a:r>
+          </a:p>
+          <a:p>
+            <a:pPr algn="l"/>
+            <a:r>
+              <a:rPr lang="en-US" sz="1600" dirty="0" err="1"/>
+              <a:t>get_username</a:t>
+            </a:r>
+            <a:r>
+              <a:rPr lang="en-US" sz="1600" dirty="0"/>
+              <a:t> – ✅</a:t>
+            </a:r>
+          </a:p>
+          <a:p>
+            <a:pPr algn="l"/>
+            <a:r>
+              <a:rPr lang="en-US" sz="1600" dirty="0" err="1"/>
+              <a:t>set_username</a:t>
+            </a:r>
+            <a:r>
+              <a:rPr lang="en-US" sz="1600" dirty="0"/>
+              <a:t> –</a:t>
+            </a:r>
+          </a:p>
+          <a:p>
+            <a:pPr algn="l"/>
+            <a:r>
+              <a:rPr lang="en-US" sz="1600" dirty="0" err="1"/>
+              <a:t>set_current_password</a:t>
+            </a:r>
+            <a:r>
+              <a:rPr lang="en-US" sz="1600" dirty="0"/>
+              <a:t> – ✅</a:t>
+            </a:r>
+          </a:p>
+          <a:p>
+            <a:pPr algn="l"/>
+            <a:r>
+              <a:rPr lang="en-US" sz="1600" dirty="0" err="1"/>
+              <a:t>set_new_password</a:t>
+            </a:r>
+            <a:r>
+              <a:rPr lang="en-US" sz="1600" dirty="0"/>
+              <a:t> – ✅</a:t>
+            </a:r>
+          </a:p>
+          <a:p>
+            <a:pPr algn="l"/>
+            <a:r>
+              <a:rPr lang="en-US" sz="1600" dirty="0" err="1"/>
+              <a:t>set_confirm_password</a:t>
+            </a:r>
+            <a:r>
+              <a:rPr lang="en-US" sz="1600" dirty="0"/>
+              <a:t> – ✅</a:t>
+            </a:r>
+          </a:p>
+          <a:p>
+            <a:pPr algn="l"/>
+            <a:r>
+              <a:rPr lang="en-US" sz="1600" dirty="0" err="1"/>
+              <a:t>click_save_new_password</a:t>
+            </a:r>
+            <a:r>
+              <a:rPr lang="en-US" sz="1600" dirty="0"/>
+              <a:t> – </a:t>
+            </a:r>
+          </a:p>
+          <a:p>
+            <a:pPr algn="l"/>
+            <a:r>
+              <a:rPr lang="en-US" sz="1600" dirty="0" err="1"/>
+              <a:t>click_on_global_search</a:t>
+            </a:r>
+            <a:r>
+              <a:rPr lang="en-US" sz="1600" dirty="0"/>
+              <a:t> – ✅</a:t>
+            </a:r>
+          </a:p>
+          <a:p>
+            <a:pPr algn="l"/>
+            <a:r>
+              <a:rPr lang="en-US" sz="1600" dirty="0" err="1"/>
+              <a:t>set_global_search_value</a:t>
+            </a:r>
+            <a:r>
+              <a:rPr lang="en-US" sz="1600" dirty="0"/>
+              <a:t> – ✅</a:t>
+            </a:r>
+          </a:p>
+          <a:p>
+            <a:pPr algn="l"/>
+            <a:r>
+              <a:rPr lang="en-US" sz="1600" dirty="0" err="1"/>
+              <a:t>close_global_search</a:t>
+            </a:r>
+            <a:r>
+              <a:rPr lang="en-US" sz="1600" dirty="0"/>
+              <a:t> – ✅</a:t>
+            </a:r>
+          </a:p>
+          <a:p>
+            <a:pPr algn="l"/>
+            <a:r>
+              <a:rPr lang="en-US" sz="1600" dirty="0" err="1"/>
+              <a:t>click_on_sub_domains_dropdown</a:t>
+            </a:r>
+            <a:r>
+              <a:rPr lang="en-US" sz="1600" dirty="0"/>
+              <a:t> – </a:t>
+            </a:r>
+          </a:p>
+          <a:p>
+            <a:pPr algn="l"/>
+            <a:r>
+              <a:rPr lang="en-US" sz="1600" dirty="0" err="1"/>
+              <a:t>select_sub_domain</a:t>
+            </a:r>
+            <a:r>
+              <a:rPr lang="en-US" sz="1600" dirty="0"/>
+              <a:t> –</a:t>
+            </a:r>
+          </a:p>
+          <a:p>
+            <a:pPr algn="l"/>
+            <a:r>
+              <a:rPr lang="en-US" sz="1600" dirty="0" err="1"/>
+              <a:t>click_on_domains_dropdown</a:t>
+            </a:r>
+            <a:r>
+              <a:rPr lang="en-US" sz="1600" dirty="0"/>
+              <a:t> –  ✅</a:t>
+            </a:r>
+          </a:p>
+          <a:p>
+            <a:pPr algn="l"/>
+            <a:r>
+              <a:rPr lang="en-US" sz="1600" dirty="0" err="1"/>
+              <a:t>select_domain</a:t>
+            </a:r>
+            <a:r>
+              <a:rPr lang="en-US" sz="1600" dirty="0"/>
+              <a:t> – ✅</a:t>
+            </a:r>
+          </a:p>
+          <a:p>
+            <a:pPr algn="l"/>
+            <a:endParaRPr lang="en-US" sz="1600" dirty="0"/>
+          </a:p>
+          <a:p>
+            <a:pPr algn="l"/>
+            <a:endParaRPr lang="en-US" sz="1600" dirty="0"/>
+          </a:p>
+          <a:p>
+            <a:pPr algn="l"/>
+            <a:endParaRPr lang="en-US" sz="1100" dirty="0"/>
+          </a:p>
+          <a:p>
+            <a:pPr algn="l"/>
+            <a:endParaRPr lang="en-US" sz="1600" dirty="0"/>
+          </a:p>
+          <a:p>
+            <a:pPr algn="l"/>
+            <a:endParaRPr lang="en-US" sz="1600" dirty="0"/>
+          </a:p>
+          <a:p>
+            <a:pPr algn="l"/>
+            <a:endParaRPr lang="en-US" sz="1600" dirty="0"/>
+          </a:p>
+        </p:txBody>
+      </p:sp>
+      <p:sp>
+        <p:nvSpPr>
+          <p:cNvPr id="2" name="TextBox 1">
+            <a:extLst>
+              <a:ext uri="{FF2B5EF4-FFF2-40B4-BE49-F238E27FC236}">
+                <a16:creationId xmlns:a16="http://schemas.microsoft.com/office/drawing/2014/main" id="{F7BD85CC-DEA6-5756-19AA-2817939B29DA}"/>
+              </a:ext>
+            </a:extLst>
+          </p:cNvPr>
+          <p:cNvSpPr txBox="1"/>
+          <p:nvPr/>
+        </p:nvSpPr>
+        <p:spPr>
+          <a:xfrm>
+            <a:off x="9858568" y="199942"/>
+            <a:ext cx="1982724" cy="369332"/>
+          </a:xfrm>
+          <a:prstGeom prst="rect">
+            <a:avLst/>
+          </a:prstGeom>
+          <a:noFill/>
+        </p:spPr>
+        <p:txBody>
+          <a:bodyPr wrap="square" rtlCol="0">
+            <a:spAutoFit/>
+          </a:bodyPr>
+          <a:lstStyle/>
+          <a:p>
+            <a:r>
+              <a:rPr lang="en-US" b="1" dirty="0">
+                <a:highlight>
+                  <a:srgbClr val="FFFF00"/>
+                </a:highlight>
+              </a:rPr>
+              <a:t>Summary: 75%</a:t>
+            </a:r>
+            <a:endParaRPr lang="en-US" sz="1200" b="1" dirty="0">
+              <a:highlight>
+                <a:srgbClr val="FFFF00"/>
+              </a:highlight>
+            </a:endParaRPr>
+          </a:p>
+        </p:txBody>
+      </p:sp>
+    </p:spTree>
+    <p:extLst>
+      <p:ext uri="{BB962C8B-B14F-4D97-AF65-F5344CB8AC3E}">
+        <p14:creationId xmlns:p14="http://schemas.microsoft.com/office/powerpoint/2010/main" val="2582646343"/>
+      </p:ext>
+    </p:extLst>
+  </p:cSld>
+  <p:clrMapOvr>
+    <a:masterClrMapping/>
+  </p:clrMapOvr>
+</p:sld>
+</file>
+
+<file path=ppt/slides/slide31.xml><?xml version="1.0" encoding="utf-8"?>
 <p:sld xmlns:a="http://schemas.openxmlformats.org/drawingml/2006/main" xmlns:r="http://schemas.openxmlformats.org/officeDocument/2006/relationships" xmlns:p="http://schemas.openxmlformats.org/presentationml/2006/main">
   <p:cSld>
     <p:spTree>
@@ -8799,7 +9092,7 @@
         </p:spPr>
         <p:txBody>
           <a:bodyPr>
-            <a:normAutofit/>
+            <a:normAutofit fontScale="92500" lnSpcReduction="10000"/>
           </a:bodyPr>
           <a:lstStyle/>
           <a:p>
@@ -8943,6 +9236,28 @@
             <a:r>
               <a:rPr lang="en-US" sz="1600" dirty="0"/>
               <a:t> – ✅</a:t>
+            </a:r>
+          </a:p>
+          <a:p>
+            <a:pPr algn="l"/>
+            <a:r>
+              <a:rPr lang="en-US" sz="1600" dirty="0" err="1"/>
+              <a:t>double_click_on_element_via_the_map</a:t>
+            </a:r>
+            <a:r>
+              <a:rPr lang="en-US" sz="1600" dirty="0"/>
+              <a:t> –</a:t>
+            </a:r>
+          </a:p>
+          <a:p>
+            <a:pPr algn="l"/>
+            <a:r>
+              <a:rPr lang="en-US" sz="1600" dirty="0" err="1"/>
+              <a:t>click_on_element_via_the_map</a:t>
+            </a:r>
+            <a:r>
+              <a:rPr lang="en-US" sz="1600" dirty="0"/>
+              <a:t> -</a:t>
             </a:r>
           </a:p>
           <a:p>

--- a/Docs/Progress_Check_Box.pptx
+++ b/Docs/Progress_Check_Box.pptx
@@ -227,7 +227,7 @@
           <a:p>
             <a:fld id="{9CD5D8E4-A320-4C82-BF1E-497B145FD5B9}" type="datetimeFigureOut">
               <a:rPr lang="en-US" smtClean="0"/>
-              <a:t>2/10/2026</a:t>
+              <a:t>2/11/2026</a:t>
             </a:fld>
             <a:endParaRPr lang="en-US"/>
           </a:p>
@@ -809,7 +809,7 @@
           <a:p>
             <a:fld id="{B1CD814F-3A2E-4FCD-B679-678770FA1B7D}" type="datetimeFigureOut">
               <a:rPr lang="en-US" smtClean="0"/>
-              <a:t>2/10/2026</a:t>
+              <a:t>2/11/2026</a:t>
             </a:fld>
             <a:endParaRPr lang="en-US"/>
           </a:p>
@@ -1007,7 +1007,7 @@
           <a:p>
             <a:fld id="{B1CD814F-3A2E-4FCD-B679-678770FA1B7D}" type="datetimeFigureOut">
               <a:rPr lang="en-US" smtClean="0"/>
-              <a:t>2/10/2026</a:t>
+              <a:t>2/11/2026</a:t>
             </a:fld>
             <a:endParaRPr lang="en-US"/>
           </a:p>
@@ -1215,7 +1215,7 @@
           <a:p>
             <a:fld id="{B1CD814F-3A2E-4FCD-B679-678770FA1B7D}" type="datetimeFigureOut">
               <a:rPr lang="en-US" smtClean="0"/>
-              <a:t>2/10/2026</a:t>
+              <a:t>2/11/2026</a:t>
             </a:fld>
             <a:endParaRPr lang="en-US"/>
           </a:p>
@@ -1413,7 +1413,7 @@
           <a:p>
             <a:fld id="{B1CD814F-3A2E-4FCD-B679-678770FA1B7D}" type="datetimeFigureOut">
               <a:rPr lang="en-US" smtClean="0"/>
-              <a:t>2/10/2026</a:t>
+              <a:t>2/11/2026</a:t>
             </a:fld>
             <a:endParaRPr lang="en-US"/>
           </a:p>
@@ -1688,7 +1688,7 @@
           <a:p>
             <a:fld id="{B1CD814F-3A2E-4FCD-B679-678770FA1B7D}" type="datetimeFigureOut">
               <a:rPr lang="en-US" smtClean="0"/>
-              <a:t>2/10/2026</a:t>
+              <a:t>2/11/2026</a:t>
             </a:fld>
             <a:endParaRPr lang="en-US"/>
           </a:p>
@@ -1953,7 +1953,7 @@
           <a:p>
             <a:fld id="{B1CD814F-3A2E-4FCD-B679-678770FA1B7D}" type="datetimeFigureOut">
               <a:rPr lang="en-US" smtClean="0"/>
-              <a:t>2/10/2026</a:t>
+              <a:t>2/11/2026</a:t>
             </a:fld>
             <a:endParaRPr lang="en-US"/>
           </a:p>
@@ -2365,7 +2365,7 @@
           <a:p>
             <a:fld id="{B1CD814F-3A2E-4FCD-B679-678770FA1B7D}" type="datetimeFigureOut">
               <a:rPr lang="en-US" smtClean="0"/>
-              <a:t>2/10/2026</a:t>
+              <a:t>2/11/2026</a:t>
             </a:fld>
             <a:endParaRPr lang="en-US"/>
           </a:p>
@@ -2506,7 +2506,7 @@
           <a:p>
             <a:fld id="{B1CD814F-3A2E-4FCD-B679-678770FA1B7D}" type="datetimeFigureOut">
               <a:rPr lang="en-US" smtClean="0"/>
-              <a:t>2/10/2026</a:t>
+              <a:t>2/11/2026</a:t>
             </a:fld>
             <a:endParaRPr lang="en-US"/>
           </a:p>
@@ -2619,7 +2619,7 @@
           <a:p>
             <a:fld id="{B1CD814F-3A2E-4FCD-B679-678770FA1B7D}" type="datetimeFigureOut">
               <a:rPr lang="en-US" smtClean="0"/>
-              <a:t>2/10/2026</a:t>
+              <a:t>2/11/2026</a:t>
             </a:fld>
             <a:endParaRPr lang="en-US"/>
           </a:p>
@@ -2930,7 +2930,7 @@
           <a:p>
             <a:fld id="{B1CD814F-3A2E-4FCD-B679-678770FA1B7D}" type="datetimeFigureOut">
               <a:rPr lang="en-US" smtClean="0"/>
-              <a:t>2/10/2026</a:t>
+              <a:t>2/11/2026</a:t>
             </a:fld>
             <a:endParaRPr lang="en-US"/>
           </a:p>
@@ -3218,7 +3218,7 @@
           <a:p>
             <a:fld id="{B1CD814F-3A2E-4FCD-B679-678770FA1B7D}" type="datetimeFigureOut">
               <a:rPr lang="en-US" smtClean="0"/>
-              <a:t>2/10/2026</a:t>
+              <a:t>2/11/2026</a:t>
             </a:fld>
             <a:endParaRPr lang="en-US"/>
           </a:p>
@@ -3459,7 +3459,7 @@
           <a:p>
             <a:fld id="{B1CD814F-3A2E-4FCD-B679-678770FA1B7D}" type="datetimeFigureOut">
               <a:rPr lang="en-US" smtClean="0"/>
-              <a:t>2/10/2026</a:t>
+              <a:t>2/11/2026</a:t>
             </a:fld>
             <a:endParaRPr lang="en-US"/>
           </a:p>
@@ -6025,7 +6025,7 @@
             <a:pPr algn="l"/>
             <a:r>
               <a:rPr lang="en-US" sz="1600" dirty="0" err="1"/>
-              <a:t>click_remove_domain</a:t>
+              <a:t>click_remove_domain_btn</a:t>
             </a:r>
             <a:r>
               <a:rPr lang="en-US" sz="1600" dirty="0"/>
@@ -6047,6 +6047,50 @@
             <a:pPr algn="l"/>
             <a:r>
               <a:rPr lang="en-US" sz="1600" dirty="0" err="1"/>
+              <a:t>click_remove_chassis_btn</a:t>
+            </a:r>
+            <a:r>
+              <a:rPr lang="en-US" sz="1600" dirty="0"/>
+              <a:t> - ✅</a:t>
+            </a:r>
+          </a:p>
+          <a:p>
+            <a:pPr algn="l"/>
+            <a:r>
+              <a:rPr lang="en-US" sz="1600" dirty="0" err="1"/>
+              <a:t>remove_chassis</a:t>
+            </a:r>
+            <a:r>
+              <a:rPr lang="en-US" sz="1600" dirty="0"/>
+              <a:t> – ✅</a:t>
+            </a:r>
+          </a:p>
+          <a:p>
+            <a:pPr algn="l"/>
+            <a:r>
+              <a:rPr lang="en-US" sz="1600" dirty="0" err="1"/>
+              <a:t>click_remove_device_btn</a:t>
+            </a:r>
+            <a:r>
+              <a:rPr lang="en-US" sz="1600" dirty="0"/>
+              <a:t> - ✅</a:t>
+            </a:r>
+          </a:p>
+          <a:p>
+            <a:pPr algn="l"/>
+            <a:r>
+              <a:rPr lang="en-US" sz="1600" dirty="0" err="1"/>
+              <a:t>remove_device</a:t>
+            </a:r>
+            <a:r>
+              <a:rPr lang="en-US" sz="1600" dirty="0"/>
+              <a:t> – ✅</a:t>
+            </a:r>
+          </a:p>
+          <a:p>
+            <a:pPr algn="l"/>
+            <a:r>
+              <a:rPr lang="en-US" sz="1600" dirty="0" err="1"/>
               <a:t>click_rename_chassis</a:t>
             </a:r>
             <a:r>
@@ -6073,13 +6117,8 @@
             </a:r>
             <a:r>
               <a:rPr lang="en-US" sz="1600" dirty="0"/>
-              <a:t> </a:t>
-            </a:r>
-            <a:r>
-              <a:rPr lang="en-US" sz="1600"/>
-              <a:t>- ✅</a:t>
-            </a:r>
-            <a:endParaRPr lang="en-US" sz="1600" dirty="0"/>
+              <a:t> - ✅</a:t>
+            </a:r>
           </a:p>
           <a:p>
             <a:pPr algn="l"/>
@@ -6158,7 +6197,7 @@
                   <a:srgbClr val="FFFF00"/>
                 </a:highlight>
               </a:rPr>
-              <a:t>Summary: 80%</a:t>
+              <a:t>Summary: 92%</a:t>
             </a:r>
             <a:endParaRPr lang="en-US" sz="1200" b="1" dirty="0">
               <a:highlight>
@@ -9246,7 +9285,7 @@
             </a:r>
             <a:r>
               <a:rPr lang="en-US" sz="1600" dirty="0"/>
-              <a:t> –</a:t>
+              <a:t> – ✅</a:t>
             </a:r>
           </a:p>
           <a:p>
@@ -9257,7 +9296,18 @@
             </a:r>
             <a:r>
               <a:rPr lang="en-US" sz="1600" dirty="0"/>
-              <a:t> -</a:t>
+              <a:t> – ✅</a:t>
+            </a:r>
+          </a:p>
+          <a:p>
+            <a:pPr algn="l"/>
+            <a:r>
+              <a:rPr lang="en-US" sz="1600" dirty="0" err="1"/>
+              <a:t>get_number_of_elements_inside_chassis</a:t>
+            </a:r>
+            <a:r>
+              <a:rPr lang="en-US" sz="1600" dirty="0"/>
+              <a:t> - ✅</a:t>
             </a:r>
           </a:p>
           <a:p>
@@ -9309,17 +9359,6 @@
             <a:r>
               <a:rPr lang="en-US" sz="1600" dirty="0" err="1"/>
               <a:t>map_zoom_in</a:t>
-            </a:r>
-            <a:r>
-              <a:rPr lang="en-US" sz="1600" dirty="0"/>
-              <a:t> - ✅</a:t>
-            </a:r>
-          </a:p>
-          <a:p>
-            <a:pPr algn="l"/>
-            <a:r>
-              <a:rPr lang="en-US" sz="1600" dirty="0" err="1"/>
-              <a:t>map_zoom_out</a:t>
             </a:r>
             <a:r>
               <a:rPr lang="en-US" sz="1600" dirty="0"/>
@@ -9400,6 +9439,17 @@
             <a:r>
               <a:rPr lang="en-US" sz="1800" b="1" dirty="0"/>
               <a:t>:</a:t>
+            </a:r>
+          </a:p>
+          <a:p>
+            <a:pPr algn="l"/>
+            <a:r>
+              <a:rPr lang="en-US" sz="1600" dirty="0" err="1"/>
+              <a:t>map_zoom_out</a:t>
+            </a:r>
+            <a:r>
+              <a:rPr lang="en-US" sz="1600" dirty="0"/>
+              <a:t> - ✅</a:t>
             </a:r>
           </a:p>
           <a:p>

--- a/Docs/Progress_Check_Box.pptx
+++ b/Docs/Progress_Check_Box.pptx
@@ -227,7 +227,7 @@
           <a:p>
             <a:fld id="{9CD5D8E4-A320-4C82-BF1E-497B145FD5B9}" type="datetimeFigureOut">
               <a:rPr lang="en-US" smtClean="0"/>
-              <a:t>2/11/2026</a:t>
+              <a:t>2/16/2026</a:t>
             </a:fld>
             <a:endParaRPr lang="en-US"/>
           </a:p>
@@ -809,7 +809,7 @@
           <a:p>
             <a:fld id="{B1CD814F-3A2E-4FCD-B679-678770FA1B7D}" type="datetimeFigureOut">
               <a:rPr lang="en-US" smtClean="0"/>
-              <a:t>2/11/2026</a:t>
+              <a:t>2/16/2026</a:t>
             </a:fld>
             <a:endParaRPr lang="en-US"/>
           </a:p>
@@ -1007,7 +1007,7 @@
           <a:p>
             <a:fld id="{B1CD814F-3A2E-4FCD-B679-678770FA1B7D}" type="datetimeFigureOut">
               <a:rPr lang="en-US" smtClean="0"/>
-              <a:t>2/11/2026</a:t>
+              <a:t>2/16/2026</a:t>
             </a:fld>
             <a:endParaRPr lang="en-US"/>
           </a:p>
@@ -1215,7 +1215,7 @@
           <a:p>
             <a:fld id="{B1CD814F-3A2E-4FCD-B679-678770FA1B7D}" type="datetimeFigureOut">
               <a:rPr lang="en-US" smtClean="0"/>
-              <a:t>2/11/2026</a:t>
+              <a:t>2/16/2026</a:t>
             </a:fld>
             <a:endParaRPr lang="en-US"/>
           </a:p>
@@ -1413,7 +1413,7 @@
           <a:p>
             <a:fld id="{B1CD814F-3A2E-4FCD-B679-678770FA1B7D}" type="datetimeFigureOut">
               <a:rPr lang="en-US" smtClean="0"/>
-              <a:t>2/11/2026</a:t>
+              <a:t>2/16/2026</a:t>
             </a:fld>
             <a:endParaRPr lang="en-US"/>
           </a:p>
@@ -1688,7 +1688,7 @@
           <a:p>
             <a:fld id="{B1CD814F-3A2E-4FCD-B679-678770FA1B7D}" type="datetimeFigureOut">
               <a:rPr lang="en-US" smtClean="0"/>
-              <a:t>2/11/2026</a:t>
+              <a:t>2/16/2026</a:t>
             </a:fld>
             <a:endParaRPr lang="en-US"/>
           </a:p>
@@ -1953,7 +1953,7 @@
           <a:p>
             <a:fld id="{B1CD814F-3A2E-4FCD-B679-678770FA1B7D}" type="datetimeFigureOut">
               <a:rPr lang="en-US" smtClean="0"/>
-              <a:t>2/11/2026</a:t>
+              <a:t>2/16/2026</a:t>
             </a:fld>
             <a:endParaRPr lang="en-US"/>
           </a:p>
@@ -2365,7 +2365,7 @@
           <a:p>
             <a:fld id="{B1CD814F-3A2E-4FCD-B679-678770FA1B7D}" type="datetimeFigureOut">
               <a:rPr lang="en-US" smtClean="0"/>
-              <a:t>2/11/2026</a:t>
+              <a:t>2/16/2026</a:t>
             </a:fld>
             <a:endParaRPr lang="en-US"/>
           </a:p>
@@ -2506,7 +2506,7 @@
           <a:p>
             <a:fld id="{B1CD814F-3A2E-4FCD-B679-678770FA1B7D}" type="datetimeFigureOut">
               <a:rPr lang="en-US" smtClean="0"/>
-              <a:t>2/11/2026</a:t>
+              <a:t>2/16/2026</a:t>
             </a:fld>
             <a:endParaRPr lang="en-US"/>
           </a:p>
@@ -2619,7 +2619,7 @@
           <a:p>
             <a:fld id="{B1CD814F-3A2E-4FCD-B679-678770FA1B7D}" type="datetimeFigureOut">
               <a:rPr lang="en-US" smtClean="0"/>
-              <a:t>2/11/2026</a:t>
+              <a:t>2/16/2026</a:t>
             </a:fld>
             <a:endParaRPr lang="en-US"/>
           </a:p>
@@ -2930,7 +2930,7 @@
           <a:p>
             <a:fld id="{B1CD814F-3A2E-4FCD-B679-678770FA1B7D}" type="datetimeFigureOut">
               <a:rPr lang="en-US" smtClean="0"/>
-              <a:t>2/11/2026</a:t>
+              <a:t>2/16/2026</a:t>
             </a:fld>
             <a:endParaRPr lang="en-US"/>
           </a:p>
@@ -3218,7 +3218,7 @@
           <a:p>
             <a:fld id="{B1CD814F-3A2E-4FCD-B679-678770FA1B7D}" type="datetimeFigureOut">
               <a:rPr lang="en-US" smtClean="0"/>
-              <a:t>2/11/2026</a:t>
+              <a:t>2/16/2026</a:t>
             </a:fld>
             <a:endParaRPr lang="en-US"/>
           </a:p>
@@ -3459,7 +3459,7 @@
           <a:p>
             <a:fld id="{B1CD814F-3A2E-4FCD-B679-678770FA1B7D}" type="datetimeFigureOut">
               <a:rPr lang="en-US" smtClean="0"/>
-              <a:t>2/11/2026</a:t>
+              <a:t>2/16/2026</a:t>
             </a:fld>
             <a:endParaRPr lang="en-US"/>
           </a:p>
@@ -6128,7 +6128,7 @@
             </a:r>
             <a:r>
               <a:rPr lang="en-US" sz="1600" dirty="0"/>
-              <a:t> – </a:t>
+              <a:t> – ✅</a:t>
             </a:r>
           </a:p>
           <a:p>
@@ -6165,10 +6165,10 @@
       </p:sp>
       <p:sp>
         <p:nvSpPr>
-          <p:cNvPr id="2" name="TextBox 1">
+          <p:cNvPr id="4" name="TextBox 3">
             <a:extLst>
               <a:ext uri="{FF2B5EF4-FFF2-40B4-BE49-F238E27FC236}">
-                <a16:creationId xmlns:a16="http://schemas.microsoft.com/office/drawing/2014/main" id="{1A525798-5B44-006C-54E9-CBF1DB5BEE35}"/>
+                <a16:creationId xmlns:a16="http://schemas.microsoft.com/office/drawing/2014/main" id="{975D8DE8-A963-163D-E1B6-F20CED52B90E}"/>
               </a:ext>
             </a:extLst>
           </p:cNvPr>
@@ -6194,14 +6194,14 @@
             <a:r>
               <a:rPr lang="en-US" b="1" dirty="0">
                 <a:highlight>
-                  <a:srgbClr val="FFFF00"/>
+                  <a:srgbClr val="00FF00"/>
                 </a:highlight>
               </a:rPr>
-              <a:t>Summary: 92%</a:t>
+              <a:t>Summary: 100%</a:t>
             </a:r>
             <a:endParaRPr lang="en-US" sz="1200" b="1" dirty="0">
               <a:highlight>
-                <a:srgbClr val="FFFF00"/>
+                <a:srgbClr val="00FF00"/>
               </a:highlight>
             </a:endParaRPr>
           </a:p>

--- a/Docs/Progress_Check_Box.pptx
+++ b/Docs/Progress_Check_Box.pptx
@@ -227,7 +227,7 @@
           <a:p>
             <a:fld id="{9CD5D8E4-A320-4C82-BF1E-497B145FD5B9}" type="datetimeFigureOut">
               <a:rPr lang="en-US" smtClean="0"/>
-              <a:t>2/16/2026</a:t>
+              <a:t>2/18/2026</a:t>
             </a:fld>
             <a:endParaRPr lang="en-US"/>
           </a:p>
@@ -809,7 +809,7 @@
           <a:p>
             <a:fld id="{B1CD814F-3A2E-4FCD-B679-678770FA1B7D}" type="datetimeFigureOut">
               <a:rPr lang="en-US" smtClean="0"/>
-              <a:t>2/16/2026</a:t>
+              <a:t>2/18/2026</a:t>
             </a:fld>
             <a:endParaRPr lang="en-US"/>
           </a:p>
@@ -1007,7 +1007,7 @@
           <a:p>
             <a:fld id="{B1CD814F-3A2E-4FCD-B679-678770FA1B7D}" type="datetimeFigureOut">
               <a:rPr lang="en-US" smtClean="0"/>
-              <a:t>2/16/2026</a:t>
+              <a:t>2/18/2026</a:t>
             </a:fld>
             <a:endParaRPr lang="en-US"/>
           </a:p>
@@ -1215,7 +1215,7 @@
           <a:p>
             <a:fld id="{B1CD814F-3A2E-4FCD-B679-678770FA1B7D}" type="datetimeFigureOut">
               <a:rPr lang="en-US" smtClean="0"/>
-              <a:t>2/16/2026</a:t>
+              <a:t>2/18/2026</a:t>
             </a:fld>
             <a:endParaRPr lang="en-US"/>
           </a:p>
@@ -1413,7 +1413,7 @@
           <a:p>
             <a:fld id="{B1CD814F-3A2E-4FCD-B679-678770FA1B7D}" type="datetimeFigureOut">
               <a:rPr lang="en-US" smtClean="0"/>
-              <a:t>2/16/2026</a:t>
+              <a:t>2/18/2026</a:t>
             </a:fld>
             <a:endParaRPr lang="en-US"/>
           </a:p>
@@ -1688,7 +1688,7 @@
           <a:p>
             <a:fld id="{B1CD814F-3A2E-4FCD-B679-678770FA1B7D}" type="datetimeFigureOut">
               <a:rPr lang="en-US" smtClean="0"/>
-              <a:t>2/16/2026</a:t>
+              <a:t>2/18/2026</a:t>
             </a:fld>
             <a:endParaRPr lang="en-US"/>
           </a:p>
@@ -1953,7 +1953,7 @@
           <a:p>
             <a:fld id="{B1CD814F-3A2E-4FCD-B679-678770FA1B7D}" type="datetimeFigureOut">
               <a:rPr lang="en-US" smtClean="0"/>
-              <a:t>2/16/2026</a:t>
+              <a:t>2/18/2026</a:t>
             </a:fld>
             <a:endParaRPr lang="en-US"/>
           </a:p>
@@ -2365,7 +2365,7 @@
           <a:p>
             <a:fld id="{B1CD814F-3A2E-4FCD-B679-678770FA1B7D}" type="datetimeFigureOut">
               <a:rPr lang="en-US" smtClean="0"/>
-              <a:t>2/16/2026</a:t>
+              <a:t>2/18/2026</a:t>
             </a:fld>
             <a:endParaRPr lang="en-US"/>
           </a:p>
@@ -2506,7 +2506,7 @@
           <a:p>
             <a:fld id="{B1CD814F-3A2E-4FCD-B679-678770FA1B7D}" type="datetimeFigureOut">
               <a:rPr lang="en-US" smtClean="0"/>
-              <a:t>2/16/2026</a:t>
+              <a:t>2/18/2026</a:t>
             </a:fld>
             <a:endParaRPr lang="en-US"/>
           </a:p>
@@ -2619,7 +2619,7 @@
           <a:p>
             <a:fld id="{B1CD814F-3A2E-4FCD-B679-678770FA1B7D}" type="datetimeFigureOut">
               <a:rPr lang="en-US" smtClean="0"/>
-              <a:t>2/16/2026</a:t>
+              <a:t>2/18/2026</a:t>
             </a:fld>
             <a:endParaRPr lang="en-US"/>
           </a:p>
@@ -2930,7 +2930,7 @@
           <a:p>
             <a:fld id="{B1CD814F-3A2E-4FCD-B679-678770FA1B7D}" type="datetimeFigureOut">
               <a:rPr lang="en-US" smtClean="0"/>
-              <a:t>2/16/2026</a:t>
+              <a:t>2/18/2026</a:t>
             </a:fld>
             <a:endParaRPr lang="en-US"/>
           </a:p>
@@ -3218,7 +3218,7 @@
           <a:p>
             <a:fld id="{B1CD814F-3A2E-4FCD-B679-678770FA1B7D}" type="datetimeFigureOut">
               <a:rPr lang="en-US" smtClean="0"/>
-              <a:t>2/16/2026</a:t>
+              <a:t>2/18/2026</a:t>
             </a:fld>
             <a:endParaRPr lang="en-US"/>
           </a:p>
@@ -3459,7 +3459,7 @@
           <a:p>
             <a:fld id="{B1CD814F-3A2E-4FCD-B679-678770FA1B7D}" type="datetimeFigureOut">
               <a:rPr lang="en-US" smtClean="0"/>
-              <a:t>2/16/2026</a:t>
+              <a:t>2/18/2026</a:t>
             </a:fld>
             <a:endParaRPr lang="en-US"/>
           </a:p>
@@ -6973,18 +6973,18 @@
             </a:r>
             <a:r>
               <a:rPr lang="en-US" sz="1600" dirty="0"/>
-              <a:t> -</a:t>
-            </a:r>
-          </a:p>
-          <a:p>
-            <a:pPr algn="l"/>
-            <a:r>
-              <a:rPr lang="en-US" sz="1600" dirty="0" err="1"/>
-              <a:t>uncheck_Ack</a:t>
-            </a:r>
-            <a:r>
-              <a:rPr lang="en-US" sz="1600" dirty="0"/>
-              <a:t> – </a:t>
+              <a:t> - ✅</a:t>
+            </a:r>
+          </a:p>
+          <a:p>
+            <a:pPr algn="l"/>
+            <a:r>
+              <a:rPr lang="en-US" sz="1600" dirty="0" err="1"/>
+              <a:t>clear_alert</a:t>
+            </a:r>
+            <a:r>
+              <a:rPr lang="en-US" sz="1600" dirty="0"/>
+              <a:t> - ✅</a:t>
             </a:r>
           </a:p>
           <a:p>
@@ -7006,7 +7006,7 @@
             </a:r>
             <a:r>
               <a:rPr lang="en-US" sz="1600" dirty="0"/>
-              <a:t> – </a:t>
+              <a:t> – ✅</a:t>
             </a:r>
           </a:p>
           <a:p>
@@ -7033,10 +7033,10 @@
       </p:sp>
       <p:sp>
         <p:nvSpPr>
-          <p:cNvPr id="2" name="TextBox 1">
+          <p:cNvPr id="4" name="TextBox 3">
             <a:extLst>
               <a:ext uri="{FF2B5EF4-FFF2-40B4-BE49-F238E27FC236}">
-                <a16:creationId xmlns:a16="http://schemas.microsoft.com/office/drawing/2014/main" id="{B50DFDE9-7A62-B0AB-83A6-342ED01F3B7D}"/>
+                <a16:creationId xmlns:a16="http://schemas.microsoft.com/office/drawing/2014/main" id="{5612F797-AC80-C4F0-DF53-D945A8E92D24}"/>
               </a:ext>
             </a:extLst>
           </p:cNvPr>
@@ -7062,14 +7062,14 @@
             <a:r>
               <a:rPr lang="en-US" b="1" dirty="0">
                 <a:highlight>
-                  <a:srgbClr val="FFFF00"/>
+                  <a:srgbClr val="00FF00"/>
                 </a:highlight>
               </a:rPr>
-              <a:t>Summary: 89%</a:t>
+              <a:t>Summary: 100%</a:t>
             </a:r>
             <a:endParaRPr lang="en-US" sz="1200" b="1" dirty="0">
               <a:highlight>
-                <a:srgbClr val="FFFF00"/>
+                <a:srgbClr val="00FF00"/>
               </a:highlight>
             </a:endParaRPr>
           </a:p>
